--- a/meeting-materials/draft-bgk-merged-wdm-tunnel-yang-ietf-118.pptx
+++ b/meeting-materials/draft-bgk-merged-wdm-tunnel-yang-ietf-118.pptx
@@ -3394,7 +3394,7 @@
         <p:spPr>
           <a:xfrm>
             <a:off x="2308166" y="2772837"/>
-            <a:ext cx="3615491" cy="2339490"/>
+            <a:ext cx="3615491" cy="3545530"/>
           </a:xfrm>
         </p:spPr>
         <p:txBody>
@@ -3511,6 +3511,86 @@
               <a:rPr lang="en-US" sz="1900" dirty="0"/>
               <a:t> de Madrid)</a:t>
             </a:r>
+          </a:p>
+          <a:p>
+            <a:pPr algn="l">
+              <a:spcBef>
+                <a:spcPts val="300"/>
+              </a:spcBef>
+            </a:pPr>
+            <a:endParaRPr lang="en-US" sz="1900" dirty="0"/>
+          </a:p>
+          <a:p>
+            <a:pPr algn="l">
+              <a:spcBef>
+                <a:spcPts val="300"/>
+              </a:spcBef>
+            </a:pPr>
+            <a:r>
+              <a:rPr lang="en-US" sz="1900" dirty="0"/>
+              <a:t>Contributors:</a:t>
+            </a:r>
+          </a:p>
+          <a:p>
+            <a:pPr algn="l">
+              <a:spcBef>
+                <a:spcPts val="300"/>
+              </a:spcBef>
+            </a:pPr>
+            <a:r>
+              <a:rPr lang="en-US" sz="1900" dirty="0"/>
+              <a:t>Daniel King (</a:t>
+            </a:r>
+            <a:r>
+              <a:rPr lang="en-US" sz="1900" dirty="0" err="1"/>
+              <a:t>Olddog</a:t>
+            </a:r>
+            <a:r>
+              <a:rPr lang="en-US" sz="1900" dirty="0"/>
+              <a:t> Consulting)</a:t>
+            </a:r>
+          </a:p>
+          <a:p>
+            <a:pPr algn="l">
+              <a:spcBef>
+                <a:spcPts val="300"/>
+              </a:spcBef>
+            </a:pPr>
+            <a:r>
+              <a:rPr lang="en-US" sz="1900" dirty="0" err="1"/>
+              <a:t>Haomian</a:t>
+            </a:r>
+            <a:r>
+              <a:rPr lang="en-US" sz="1900" dirty="0"/>
+              <a:t> Zheng (Huawei)</a:t>
+            </a:r>
+          </a:p>
+          <a:p>
+            <a:pPr algn="l">
+              <a:spcBef>
+                <a:spcPts val="300"/>
+              </a:spcBef>
+            </a:pPr>
+            <a:r>
+              <a:rPr lang="en-US" sz="1900" dirty="0"/>
+              <a:t>Italo </a:t>
+            </a:r>
+            <a:r>
+              <a:rPr lang="en-US" sz="1900" dirty="0" err="1"/>
+              <a:t>Busi</a:t>
+            </a:r>
+            <a:r>
+              <a:rPr lang="en-US" sz="1900" dirty="0"/>
+              <a:t> (Huawei)</a:t>
+            </a:r>
+          </a:p>
+          <a:p>
+            <a:pPr algn="l">
+              <a:spcBef>
+                <a:spcPts val="300"/>
+              </a:spcBef>
+            </a:pPr>
+            <a:endParaRPr lang="en-US" sz="1900" dirty="0"/>
           </a:p>
         </p:txBody>
       </p:sp>
@@ -3588,7 +3668,7 @@
         <p:spPr>
           <a:xfrm>
             <a:off x="6081600" y="2744285"/>
-            <a:ext cx="6434050" cy="3693319"/>
+            <a:ext cx="6434050" cy="4024179"/>
           </a:xfrm>
           <a:prstGeom prst="rect">
             <a:avLst/>
@@ -3618,15 +3698,7 @@
             </a:pPr>
             <a:r>
               <a:rPr lang="en-US" sz="1900" dirty="0"/>
-              <a:t>Daniel King (</a:t>
-            </a:r>
-            <a:r>
-              <a:rPr lang="en-US" sz="1900" dirty="0" err="1"/>
-              <a:t>Olddog</a:t>
-            </a:r>
-            <a:r>
-              <a:rPr lang="en-US" sz="1900" dirty="0"/>
-              <a:t> Consulting)</a:t>
+              <a:t>Victor Lopez (Nokia)</a:t>
             </a:r>
           </a:p>
           <a:p>
@@ -3636,12 +3708,16 @@
               </a:spcBef>
             </a:pPr>
             <a:r>
+              <a:rPr lang="en-US" sz="1900" dirty="0"/>
+              <a:t>Dieter </a:t>
+            </a:r>
+            <a:r>
               <a:rPr lang="en-US" sz="1900" dirty="0" err="1"/>
-              <a:t>Haomian</a:t>
+              <a:t>Beller</a:t>
             </a:r>
             <a:r>
               <a:rPr lang="en-US" sz="1900" dirty="0"/>
-              <a:t> Zheng (Huawei)</a:t>
+              <a:t> (Nokia)</a:t>
             </a:r>
           </a:p>
           <a:p>
@@ -3652,15 +3728,15 @@
             </a:pPr>
             <a:r>
               <a:rPr lang="en-US" sz="1900" dirty="0"/>
-              <a:t>Italo </a:t>
+              <a:t>Ricard </a:t>
             </a:r>
             <a:r>
               <a:rPr lang="en-US" sz="1900" dirty="0" err="1"/>
-              <a:t>Busi</a:t>
+              <a:t>Vilalta</a:t>
             </a:r>
             <a:r>
               <a:rPr lang="en-US" sz="1900" dirty="0"/>
-              <a:t> (Huawei)</a:t>
+              <a:t> (CTTC)</a:t>
             </a:r>
           </a:p>
           <a:p>
@@ -3671,7 +3747,7 @@
             </a:pPr>
             <a:r>
               <a:rPr lang="en-US" sz="1900" dirty="0"/>
-              <a:t>Victor Lopez (Nokia)</a:t>
+              <a:t>Young Lee (Samsung)</a:t>
             </a:r>
           </a:p>
           <a:p>
@@ -3682,15 +3758,7 @@
             </a:pPr>
             <a:r>
               <a:rPr lang="en-US" sz="1900" dirty="0"/>
-              <a:t>Dieter </a:t>
-            </a:r>
-            <a:r>
-              <a:rPr lang="en-US" sz="1900" dirty="0" err="1"/>
-              <a:t>Beller</a:t>
-            </a:r>
-            <a:r>
-              <a:rPr lang="en-US" sz="1900" dirty="0"/>
-              <a:t> (Nokia)</a:t>
+              <a:t>Bin Yeong Yoon (ETRI)</a:t>
             </a:r>
           </a:p>
           <a:p>
@@ -3701,15 +3769,23 @@
             </a:pPr>
             <a:r>
               <a:rPr lang="en-US" sz="1900" dirty="0"/>
-              <a:t>Ricard </a:t>
+              <a:t>Daniel Michaud </a:t>
             </a:r>
             <a:r>
               <a:rPr lang="en-US" sz="1900" dirty="0" err="1"/>
-              <a:t>Vilalta</a:t>
+              <a:t>Vallinoto</a:t>
             </a:r>
             <a:r>
               <a:rPr lang="en-US" sz="1900" dirty="0"/>
-              <a:t> (CTTC)</a:t>
+              <a:t> (Universidad </a:t>
+            </a:r>
+            <a:r>
+              <a:rPr lang="en-US" sz="1900" dirty="0" err="1"/>
+              <a:t>Autonoma</a:t>
+            </a:r>
+            <a:r>
+              <a:rPr lang="en-US" sz="1900" dirty="0"/>
+              <a:t> de Madrid)</a:t>
             </a:r>
           </a:p>
           <a:p>
@@ -3720,7 +3796,7 @@
             </a:pPr>
             <a:r>
               <a:rPr lang="en-US" sz="1900" dirty="0"/>
-              <a:t>Young Lee (Samsung)</a:t>
+              <a:t>Zafar Ali (Cisco)</a:t>
             </a:r>
           </a:p>
           <a:p>
@@ -3731,7 +3807,15 @@
             </a:pPr>
             <a:r>
               <a:rPr lang="en-US" sz="1900" dirty="0"/>
-              <a:t>Bin Yeong Yoon (ETRI)</a:t>
+              <a:t>Esther Le </a:t>
+            </a:r>
+            <a:r>
+              <a:rPr lang="en-US" sz="1900" dirty="0" err="1"/>
+              <a:t>Rouzic</a:t>
+            </a:r>
+            <a:r>
+              <a:rPr lang="en-US" sz="1900" dirty="0"/>
+              <a:t> (Orange)</a:t>
             </a:r>
           </a:p>
           <a:p>
@@ -3742,23 +3826,15 @@
             </a:pPr>
             <a:r>
               <a:rPr lang="en-US" sz="1900" dirty="0"/>
-              <a:t>Daniel Michaud </a:t>
+              <a:t>Julien </a:t>
             </a:r>
             <a:r>
               <a:rPr lang="en-US" sz="1900" dirty="0" err="1"/>
-              <a:t>Vallinoto</a:t>
+              <a:t>Meuric</a:t>
             </a:r>
             <a:r>
               <a:rPr lang="en-US" sz="1900" dirty="0"/>
-              <a:t> (Universidad </a:t>
-            </a:r>
-            <a:r>
-              <a:rPr lang="en-US" sz="1900" dirty="0" err="1"/>
-              <a:t>Autonoma</a:t>
-            </a:r>
-            <a:r>
-              <a:rPr lang="en-US" sz="1900" dirty="0"/>
-              <a:t> de Madrid)</a:t>
+              <a:t> (Orange)</a:t>
             </a:r>
           </a:p>
           <a:p>
@@ -3769,7 +3845,34 @@
             </a:pPr>
             <a:r>
               <a:rPr lang="en-US" sz="1900" dirty="0"/>
-              <a:t>Zafar Ali (Cisco)</a:t>
+              <a:t>Gert </a:t>
+            </a:r>
+            <a:r>
+              <a:rPr lang="en-US" sz="1900" dirty="0" err="1"/>
+              <a:t>Grammel</a:t>
+            </a:r>
+            <a:r>
+              <a:rPr lang="en-US" sz="1900" dirty="0"/>
+              <a:t> (Juniper)</a:t>
+            </a:r>
+          </a:p>
+          <a:p>
+            <a:pPr algn="l">
+              <a:spcBef>
+                <a:spcPts val="300"/>
+              </a:spcBef>
+            </a:pPr>
+            <a:r>
+              <a:rPr lang="en-US" sz="1900" dirty="0"/>
+              <a:t>Roberto </a:t>
+            </a:r>
+            <a:r>
+              <a:rPr lang="en-US" sz="1900" dirty="0" err="1"/>
+              <a:t>Manzotti</a:t>
+            </a:r>
+            <a:r>
+              <a:rPr lang="en-US" sz="1900" dirty="0"/>
+              <a:t> (Cisco)</a:t>
             </a:r>
           </a:p>
         </p:txBody>

--- a/meeting-materials/draft-bgk-merged-wdm-tunnel-yang-ietf-118.pptx
+++ b/meeting-materials/draft-bgk-merged-wdm-tunnel-yang-ietf-118.pptx
@@ -13,8 +13,6 @@
     <p:sldId id="301" r:id="rId7"/>
     <p:sldId id="296" r:id="rId8"/>
     <p:sldId id="298" r:id="rId9"/>
-    <p:sldId id="300" r:id="rId10"/>
-    <p:sldId id="299" r:id="rId11"/>
   </p:sldIdLst>
   <p:sldSz cx="12192000" cy="6858000"/>
   <p:notesSz cx="6858000" cy="9144000"/>
@@ -121,6 +119,115 @@
 </p:presentation>
 </file>
 
+<file path=ppt/authors.xml><?xml version="1.0" encoding="utf-8"?>
+<p188:authorLst xmlns:a="http://schemas.openxmlformats.org/drawingml/2006/main" xmlns:r="http://schemas.openxmlformats.org/officeDocument/2006/relationships" xmlns:p188="http://schemas.microsoft.com/office/powerpoint/2018/8/main">
+  <p188:author id="{67E6B120-DB7D-0D0F-FC0F-46467778386F}" name="Sergio Belotti (Nokia)" initials="SB(" userId="S::sergio.belotti@nokia.com::1405c469-425d-44df-9775-7098fb1a68f6" providerId="AD"/>
+</p188:authorLst>
+</file>
+
+<file path=ppt/changesInfos/changesInfo1.xml><?xml version="1.0" encoding="utf-8"?>
+<pc:chgInfo xmlns:a="http://schemas.openxmlformats.org/drawingml/2006/main" xmlns:r="http://schemas.openxmlformats.org/officeDocument/2006/relationships" xmlns:ac="http://schemas.microsoft.com/office/drawing/2013/main/command" xmlns:pc="http://schemas.microsoft.com/office/powerpoint/2013/main/command">
+  <pc:docChgLst>
+    <pc:chgData name="Sergio Belotti (Nokia)" userId="1405c469-425d-44df-9775-7098fb1a68f6" providerId="ADAL" clId="{AF0D6E73-B89B-4F8B-B12F-983891397084}"/>
+    <pc:docChg chg="undo custSel modSld">
+      <pc:chgData name="Sergio Belotti (Nokia)" userId="1405c469-425d-44df-9775-7098fb1a68f6" providerId="ADAL" clId="{AF0D6E73-B89B-4F8B-B12F-983891397084}" dt="2023-10-26T09:02:16.148" v="36" actId="2056"/>
+      <pc:docMkLst>
+        <pc:docMk/>
+      </pc:docMkLst>
+      <pc:sldChg chg="modSp mod addCm modCm">
+        <pc:chgData name="Sergio Belotti (Nokia)" userId="1405c469-425d-44df-9775-7098fb1a68f6" providerId="ADAL" clId="{AF0D6E73-B89B-4F8B-B12F-983891397084}" dt="2023-10-26T09:00:13.180" v="33" actId="2056"/>
+        <pc:sldMkLst>
+          <pc:docMk/>
+          <pc:sldMk cId="3811903890" sldId="296"/>
+        </pc:sldMkLst>
+        <pc:spChg chg="mod">
+          <ac:chgData name="Sergio Belotti (Nokia)" userId="1405c469-425d-44df-9775-7098fb1a68f6" providerId="ADAL" clId="{AF0D6E73-B89B-4F8B-B12F-983891397084}" dt="2023-10-26T08:58:03.451" v="31" actId="13926"/>
+          <ac:spMkLst>
+            <pc:docMk/>
+            <pc:sldMk cId="3811903890" sldId="296"/>
+            <ac:spMk id="5" creationId="{8A3317D0-8E74-E471-1837-AF5C5EF7DA18}"/>
+          </ac:spMkLst>
+        </pc:spChg>
+        <pc:extLst>
+          <p:ext xmlns:p="http://schemas.openxmlformats.org/presentationml/2006/main" uri="{D6D511B9-2390-475A-947B-AFAB55BFBCF1}">
+            <pc226:cmChg xmlns:pc226="http://schemas.microsoft.com/office/powerpoint/2022/06/main/command" chg="add mod">
+              <pc226:chgData name="Sergio Belotti (Nokia)" userId="1405c469-425d-44df-9775-7098fb1a68f6" providerId="ADAL" clId="{AF0D6E73-B89B-4F8B-B12F-983891397084}" dt="2023-10-26T09:00:13.180" v="33" actId="2056"/>
+              <pc2:cmMkLst xmlns:pc2="http://schemas.microsoft.com/office/powerpoint/2019/9/main/command">
+                <pc:docMk/>
+                <pc:sldMk cId="3811903890" sldId="296"/>
+                <pc2:cmMk id="{3BD02D2F-30C7-45AC-97CB-08925A77B383}"/>
+              </pc2:cmMkLst>
+            </pc226:cmChg>
+          </p:ext>
+        </pc:extLst>
+      </pc:sldChg>
+      <pc:sldChg chg="modSp mod addCm modCm">
+        <pc:chgData name="Sergio Belotti (Nokia)" userId="1405c469-425d-44df-9775-7098fb1a68f6" providerId="ADAL" clId="{AF0D6E73-B89B-4F8B-B12F-983891397084}" dt="2023-10-26T08:55:27.498" v="30" actId="20577"/>
+        <pc:sldMkLst>
+          <pc:docMk/>
+          <pc:sldMk cId="2291457016" sldId="297"/>
+        </pc:sldMkLst>
+        <pc:spChg chg="mod">
+          <ac:chgData name="Sergio Belotti (Nokia)" userId="1405c469-425d-44df-9775-7098fb1a68f6" providerId="ADAL" clId="{AF0D6E73-B89B-4F8B-B12F-983891397084}" dt="2023-10-26T08:55:27.498" v="30" actId="20577"/>
+          <ac:spMkLst>
+            <pc:docMk/>
+            <pc:sldMk cId="2291457016" sldId="297"/>
+            <ac:spMk id="2" creationId="{46DF7339-6FC3-A47F-0929-339F67C8C73D}"/>
+          </ac:spMkLst>
+        </pc:spChg>
+        <pc:spChg chg="mod">
+          <ac:chgData name="Sergio Belotti (Nokia)" userId="1405c469-425d-44df-9775-7098fb1a68f6" providerId="ADAL" clId="{AF0D6E73-B89B-4F8B-B12F-983891397084}" dt="2023-10-26T08:53:19.320" v="0" actId="13926"/>
+          <ac:spMkLst>
+            <pc:docMk/>
+            <pc:sldMk cId="2291457016" sldId="297"/>
+            <ac:spMk id="9" creationId="{2924201F-1C63-7A5A-7A50-DEDB8A7E5476}"/>
+          </ac:spMkLst>
+        </pc:spChg>
+        <pc:extLst>
+          <p:ext xmlns:p="http://schemas.openxmlformats.org/presentationml/2006/main" uri="{D6D511B9-2390-475A-947B-AFAB55BFBCF1}">
+            <pc226:cmChg xmlns:pc226="http://schemas.microsoft.com/office/powerpoint/2022/06/main/command" chg="add mod">
+              <pc226:chgData name="Sergio Belotti (Nokia)" userId="1405c469-425d-44df-9775-7098fb1a68f6" providerId="ADAL" clId="{AF0D6E73-B89B-4F8B-B12F-983891397084}" dt="2023-10-26T08:54:19.386" v="2" actId="2056"/>
+              <pc2:cmMkLst xmlns:pc2="http://schemas.microsoft.com/office/powerpoint/2019/9/main/command">
+                <pc:docMk/>
+                <pc:sldMk cId="2291457016" sldId="297"/>
+                <pc2:cmMk id="{8C97DE21-4851-476C-A867-0EA4D74CFA9C}"/>
+              </pc2:cmMkLst>
+            </pc226:cmChg>
+          </p:ext>
+        </pc:extLst>
+      </pc:sldChg>
+      <pc:sldChg chg="modSp mod addCm modCm">
+        <pc:chgData name="Sergio Belotti (Nokia)" userId="1405c469-425d-44df-9775-7098fb1a68f6" providerId="ADAL" clId="{AF0D6E73-B89B-4F8B-B12F-983891397084}" dt="2023-10-26T09:02:16.148" v="36" actId="2056"/>
+        <pc:sldMkLst>
+          <pc:docMk/>
+          <pc:sldMk cId="2910017550" sldId="298"/>
+        </pc:sldMkLst>
+        <pc:spChg chg="mod">
+          <ac:chgData name="Sergio Belotti (Nokia)" userId="1405c469-425d-44df-9775-7098fb1a68f6" providerId="ADAL" clId="{AF0D6E73-B89B-4F8B-B12F-983891397084}" dt="2023-10-26T09:01:41.814" v="34" actId="13926"/>
+          <ac:spMkLst>
+            <pc:docMk/>
+            <pc:sldMk cId="2910017550" sldId="298"/>
+            <ac:spMk id="5" creationId="{D4EE4B8E-4024-3B8C-8ACE-809D7C291618}"/>
+          </ac:spMkLst>
+        </pc:spChg>
+        <pc:extLst>
+          <p:ext xmlns:p="http://schemas.openxmlformats.org/presentationml/2006/main" uri="{D6D511B9-2390-475A-947B-AFAB55BFBCF1}">
+            <pc226:cmChg xmlns:pc226="http://schemas.microsoft.com/office/powerpoint/2022/06/main/command" chg="add mod">
+              <pc226:chgData name="Sergio Belotti (Nokia)" userId="1405c469-425d-44df-9775-7098fb1a68f6" providerId="ADAL" clId="{AF0D6E73-B89B-4F8B-B12F-983891397084}" dt="2023-10-26T09:02:16.148" v="36" actId="2056"/>
+              <pc2:cmMkLst xmlns:pc2="http://schemas.microsoft.com/office/powerpoint/2019/9/main/command">
+                <pc:docMk/>
+                <pc:sldMk cId="2910017550" sldId="298"/>
+                <pc2:cmMk id="{D5C97349-F55A-4FE0-AD2F-CED9B0B68C9F}"/>
+              </pc2:cmMkLst>
+            </pc226:cmChg>
+          </p:ext>
+        </pc:extLst>
+      </pc:sldChg>
+    </pc:docChg>
+  </pc:docChgLst>
+</pc:chgInfo>
+</file>
+
 <file path=ppt/slideLayouts/slideLayout1.xml><?xml version="1.0" encoding="utf-8"?>
 <p:sldLayout xmlns:a="http://schemas.openxmlformats.org/drawingml/2006/main" xmlns:r="http://schemas.openxmlformats.org/officeDocument/2006/relationships" xmlns:p="http://schemas.openxmlformats.org/presentationml/2006/main" type="title" preserve="1">
   <p:cSld name="Title Slide">
@@ -268,7 +375,7 @@
           <a:p>
             <a:fld id="{771CF770-114E-4BF1-8642-F870EE0E08A8}" type="datetimeFigureOut">
               <a:rPr lang="en-US" smtClean="0"/>
-              <a:t>10/25/2023</a:t>
+              <a:t>10/26/23</a:t>
             </a:fld>
             <a:endParaRPr lang="en-US"/>
           </a:p>
@@ -466,7 +573,7 @@
           <a:p>
             <a:fld id="{771CF770-114E-4BF1-8642-F870EE0E08A8}" type="datetimeFigureOut">
               <a:rPr lang="en-US" smtClean="0"/>
-              <a:t>10/25/2023</a:t>
+              <a:t>10/26/23</a:t>
             </a:fld>
             <a:endParaRPr lang="en-US"/>
           </a:p>
@@ -674,7 +781,7 @@
           <a:p>
             <a:fld id="{771CF770-114E-4BF1-8642-F870EE0E08A8}" type="datetimeFigureOut">
               <a:rPr lang="en-US" smtClean="0"/>
-              <a:t>10/25/2023</a:t>
+              <a:t>10/26/23</a:t>
             </a:fld>
             <a:endParaRPr lang="en-US"/>
           </a:p>
@@ -872,7 +979,7 @@
           <a:p>
             <a:fld id="{771CF770-114E-4BF1-8642-F870EE0E08A8}" type="datetimeFigureOut">
               <a:rPr lang="en-US" smtClean="0"/>
-              <a:t>10/25/2023</a:t>
+              <a:t>10/26/23</a:t>
             </a:fld>
             <a:endParaRPr lang="en-US"/>
           </a:p>
@@ -1147,7 +1254,7 @@
           <a:p>
             <a:fld id="{771CF770-114E-4BF1-8642-F870EE0E08A8}" type="datetimeFigureOut">
               <a:rPr lang="en-US" smtClean="0"/>
-              <a:t>10/25/2023</a:t>
+              <a:t>10/26/23</a:t>
             </a:fld>
             <a:endParaRPr lang="en-US"/>
           </a:p>
@@ -1412,7 +1519,7 @@
           <a:p>
             <a:fld id="{771CF770-114E-4BF1-8642-F870EE0E08A8}" type="datetimeFigureOut">
               <a:rPr lang="en-US" smtClean="0"/>
-              <a:t>10/25/2023</a:t>
+              <a:t>10/26/23</a:t>
             </a:fld>
             <a:endParaRPr lang="en-US"/>
           </a:p>
@@ -1824,7 +1931,7 @@
           <a:p>
             <a:fld id="{771CF770-114E-4BF1-8642-F870EE0E08A8}" type="datetimeFigureOut">
               <a:rPr lang="en-US" smtClean="0"/>
-              <a:t>10/25/2023</a:t>
+              <a:t>10/26/23</a:t>
             </a:fld>
             <a:endParaRPr lang="en-US"/>
           </a:p>
@@ -1965,7 +2072,7 @@
           <a:p>
             <a:fld id="{771CF770-114E-4BF1-8642-F870EE0E08A8}" type="datetimeFigureOut">
               <a:rPr lang="en-US" smtClean="0"/>
-              <a:t>10/25/2023</a:t>
+              <a:t>10/26/23</a:t>
             </a:fld>
             <a:endParaRPr lang="en-US"/>
           </a:p>
@@ -2078,7 +2185,7 @@
           <a:p>
             <a:fld id="{771CF770-114E-4BF1-8642-F870EE0E08A8}" type="datetimeFigureOut">
               <a:rPr lang="en-US" smtClean="0"/>
-              <a:t>10/25/2023</a:t>
+              <a:t>10/26/23</a:t>
             </a:fld>
             <a:endParaRPr lang="en-US"/>
           </a:p>
@@ -2389,7 +2496,7 @@
           <a:p>
             <a:fld id="{771CF770-114E-4BF1-8642-F870EE0E08A8}" type="datetimeFigureOut">
               <a:rPr lang="en-US" smtClean="0"/>
-              <a:t>10/25/2023</a:t>
+              <a:t>10/26/23</a:t>
             </a:fld>
             <a:endParaRPr lang="en-US"/>
           </a:p>
@@ -2677,7 +2784,7 @@
           <a:p>
             <a:fld id="{771CF770-114E-4BF1-8642-F870EE0E08A8}" type="datetimeFigureOut">
               <a:rPr lang="en-US" smtClean="0"/>
-              <a:t>10/25/2023</a:t>
+              <a:t>10/26/23</a:t>
             </a:fld>
             <a:endParaRPr lang="en-US"/>
           </a:p>
@@ -2918,7 +3025,7 @@
           <a:p>
             <a:fld id="{771CF770-114E-4BF1-8642-F870EE0E08A8}" type="datetimeFigureOut">
               <a:rPr lang="en-US" smtClean="0"/>
-              <a:t>10/25/2023</a:t>
+              <a:t>10/26/23</a:t>
             </a:fld>
             <a:endParaRPr lang="en-US"/>
           </a:p>
@@ -4144,6101 +4251,6 @@
 </p:sld>
 </file>
 
-<file path=ppt/slides/slide10.xml><?xml version="1.0" encoding="utf-8"?>
-<p:sld xmlns:a="http://schemas.openxmlformats.org/drawingml/2006/main" xmlns:r="http://schemas.openxmlformats.org/officeDocument/2006/relationships" xmlns:p="http://schemas.openxmlformats.org/presentationml/2006/main">
-  <p:cSld>
-    <p:spTree>
-      <p:nvGrpSpPr>
-        <p:cNvPr id="1" name=""/>
-        <p:cNvGrpSpPr/>
-        <p:nvPr/>
-      </p:nvGrpSpPr>
-      <p:grpSpPr>
-        <a:xfrm>
-          <a:off x="0" y="0"/>
-          <a:ext cx="0" cy="0"/>
-          <a:chOff x="0" y="0"/>
-          <a:chExt cx="0" cy="0"/>
-        </a:xfrm>
-      </p:grpSpPr>
-      <p:sp>
-        <p:nvSpPr>
-          <p:cNvPr id="2" name="Title 1">
-            <a:extLst>
-              <a:ext uri="{FF2B5EF4-FFF2-40B4-BE49-F238E27FC236}">
-                <a16:creationId xmlns:a16="http://schemas.microsoft.com/office/drawing/2014/main" id="{DEF61759-3126-96D0-5C69-464BA6D93463}"/>
-              </a:ext>
-            </a:extLst>
-          </p:cNvPr>
-          <p:cNvSpPr>
-            <a:spLocks noGrp="1"/>
-          </p:cNvSpPr>
-          <p:nvPr>
-            <p:ph type="title"/>
-          </p:nvPr>
-        </p:nvSpPr>
-        <p:spPr/>
-        <p:txBody>
-          <a:bodyPr/>
-          <a:lstStyle/>
-          <a:p>
-            <a:r>
-              <a:rPr lang="en-GB" dirty="0"/>
-              <a:t>WDM Tunnel and MC</a:t>
-            </a:r>
-          </a:p>
-        </p:txBody>
-      </p:sp>
-      <p:grpSp>
-        <p:nvGrpSpPr>
-          <p:cNvPr id="7" name="Group 6">
-            <a:extLst>
-              <a:ext uri="{FF2B5EF4-FFF2-40B4-BE49-F238E27FC236}">
-                <a16:creationId xmlns:a16="http://schemas.microsoft.com/office/drawing/2014/main" id="{39B1DCFD-2C14-84F5-3377-9E61F68087FF}"/>
-              </a:ext>
-            </a:extLst>
-          </p:cNvPr>
-          <p:cNvGrpSpPr/>
-          <p:nvPr/>
-        </p:nvGrpSpPr>
-        <p:grpSpPr>
-          <a:xfrm>
-            <a:off x="2649005" y="2630633"/>
-            <a:ext cx="6523105" cy="2540732"/>
-            <a:chOff x="798897" y="519845"/>
-            <a:chExt cx="9014059" cy="4023279"/>
-          </a:xfrm>
-        </p:grpSpPr>
-        <p:sp>
-          <p:nvSpPr>
-            <p:cNvPr id="9" name="Rectangle 8">
-              <a:extLst>
-                <a:ext uri="{FF2B5EF4-FFF2-40B4-BE49-F238E27FC236}">
-                  <a16:creationId xmlns:a16="http://schemas.microsoft.com/office/drawing/2014/main" id="{774D5AB0-ECC1-84F2-9A55-9E7ADAE7811C}"/>
-                </a:ext>
-              </a:extLst>
-            </p:cNvPr>
-            <p:cNvSpPr/>
-            <p:nvPr/>
-          </p:nvSpPr>
-          <p:spPr>
-            <a:xfrm>
-              <a:off x="2958010" y="798897"/>
-              <a:ext cx="4708512" cy="1131399"/>
-            </a:xfrm>
-            <a:prstGeom prst="rect">
-              <a:avLst/>
-            </a:prstGeom>
-            <a:solidFill>
-              <a:schemeClr val="bg1">
-                <a:lumMod val="85000"/>
-              </a:schemeClr>
-            </a:solidFill>
-          </p:spPr>
-          <p:style>
-            <a:lnRef idx="2">
-              <a:schemeClr val="accent1">
-                <a:shade val="50000"/>
-              </a:schemeClr>
-            </a:lnRef>
-            <a:fillRef idx="1">
-              <a:schemeClr val="accent1"/>
-            </a:fillRef>
-            <a:effectRef idx="0">
-              <a:schemeClr val="accent1"/>
-            </a:effectRef>
-            <a:fontRef idx="minor">
-              <a:schemeClr val="lt1"/>
-            </a:fontRef>
-          </p:style>
-          <p:txBody>
-            <a:bodyPr rtlCol="0" anchor="ctr"/>
-            <a:lstStyle>
-              <a:defPPr>
-                <a:defRPr lang="en-US"/>
-              </a:defPPr>
-              <a:lvl1pPr marL="0" algn="l" defTabSz="457200" rtl="0" eaLnBrk="1" latinLnBrk="0" hangingPunct="1">
-                <a:defRPr sz="1800" kern="1200">
-                  <a:solidFill>
-                    <a:schemeClr val="lt1"/>
-                  </a:solidFill>
-                  <a:latin typeface="+mn-lt"/>
-                  <a:ea typeface="+mn-ea"/>
-                  <a:cs typeface="+mn-cs"/>
-                </a:defRPr>
-              </a:lvl1pPr>
-              <a:lvl2pPr marL="457200" algn="l" defTabSz="457200" rtl="0" eaLnBrk="1" latinLnBrk="0" hangingPunct="1">
-                <a:defRPr sz="1800" kern="1200">
-                  <a:solidFill>
-                    <a:schemeClr val="lt1"/>
-                  </a:solidFill>
-                  <a:latin typeface="+mn-lt"/>
-                  <a:ea typeface="+mn-ea"/>
-                  <a:cs typeface="+mn-cs"/>
-                </a:defRPr>
-              </a:lvl2pPr>
-              <a:lvl3pPr marL="914400" algn="l" defTabSz="457200" rtl="0" eaLnBrk="1" latinLnBrk="0" hangingPunct="1">
-                <a:defRPr sz="1800" kern="1200">
-                  <a:solidFill>
-                    <a:schemeClr val="lt1"/>
-                  </a:solidFill>
-                  <a:latin typeface="+mn-lt"/>
-                  <a:ea typeface="+mn-ea"/>
-                  <a:cs typeface="+mn-cs"/>
-                </a:defRPr>
-              </a:lvl3pPr>
-              <a:lvl4pPr marL="1371600" algn="l" defTabSz="457200" rtl="0" eaLnBrk="1" latinLnBrk="0" hangingPunct="1">
-                <a:defRPr sz="1800" kern="1200">
-                  <a:solidFill>
-                    <a:schemeClr val="lt1"/>
-                  </a:solidFill>
-                  <a:latin typeface="+mn-lt"/>
-                  <a:ea typeface="+mn-ea"/>
-                  <a:cs typeface="+mn-cs"/>
-                </a:defRPr>
-              </a:lvl4pPr>
-              <a:lvl5pPr marL="1828800" algn="l" defTabSz="457200" rtl="0" eaLnBrk="1" latinLnBrk="0" hangingPunct="1">
-                <a:defRPr sz="1800" kern="1200">
-                  <a:solidFill>
-                    <a:schemeClr val="lt1"/>
-                  </a:solidFill>
-                  <a:latin typeface="+mn-lt"/>
-                  <a:ea typeface="+mn-ea"/>
-                  <a:cs typeface="+mn-cs"/>
-                </a:defRPr>
-              </a:lvl5pPr>
-              <a:lvl6pPr marL="2286000" algn="l" defTabSz="457200" rtl="0" eaLnBrk="1" latinLnBrk="0" hangingPunct="1">
-                <a:defRPr sz="1800" kern="1200">
-                  <a:solidFill>
-                    <a:schemeClr val="lt1"/>
-                  </a:solidFill>
-                  <a:latin typeface="+mn-lt"/>
-                  <a:ea typeface="+mn-ea"/>
-                  <a:cs typeface="+mn-cs"/>
-                </a:defRPr>
-              </a:lvl6pPr>
-              <a:lvl7pPr marL="2743200" algn="l" defTabSz="457200" rtl="0" eaLnBrk="1" latinLnBrk="0" hangingPunct="1">
-                <a:defRPr sz="1800" kern="1200">
-                  <a:solidFill>
-                    <a:schemeClr val="lt1"/>
-                  </a:solidFill>
-                  <a:latin typeface="+mn-lt"/>
-                  <a:ea typeface="+mn-ea"/>
-                  <a:cs typeface="+mn-cs"/>
-                </a:defRPr>
-              </a:lvl7pPr>
-              <a:lvl8pPr marL="3200400" algn="l" defTabSz="457200" rtl="0" eaLnBrk="1" latinLnBrk="0" hangingPunct="1">
-                <a:defRPr sz="1800" kern="1200">
-                  <a:solidFill>
-                    <a:schemeClr val="lt1"/>
-                  </a:solidFill>
-                  <a:latin typeface="+mn-lt"/>
-                  <a:ea typeface="+mn-ea"/>
-                  <a:cs typeface="+mn-cs"/>
-                </a:defRPr>
-              </a:lvl8pPr>
-              <a:lvl9pPr marL="3657600" algn="l" defTabSz="457200" rtl="0" eaLnBrk="1" latinLnBrk="0" hangingPunct="1">
-                <a:defRPr sz="1800" kern="1200">
-                  <a:solidFill>
-                    <a:schemeClr val="lt1"/>
-                  </a:solidFill>
-                  <a:latin typeface="+mn-lt"/>
-                  <a:ea typeface="+mn-ea"/>
-                  <a:cs typeface="+mn-cs"/>
-                </a:defRPr>
-              </a:lvl9pPr>
-            </a:lstStyle>
-            <a:p>
-              <a:pPr algn="ctr"/>
-              <a:endParaRPr lang="en-US"/>
-            </a:p>
-          </p:txBody>
-        </p:sp>
-        <p:sp>
-          <p:nvSpPr>
-            <p:cNvPr id="10" name="Rectangle 9">
-              <a:extLst>
-                <a:ext uri="{FF2B5EF4-FFF2-40B4-BE49-F238E27FC236}">
-                  <a16:creationId xmlns:a16="http://schemas.microsoft.com/office/drawing/2014/main" id="{B135F556-B39B-284C-436A-2965B1D6F3B7}"/>
-                </a:ext>
-              </a:extLst>
-            </p:cNvPr>
-            <p:cNvSpPr/>
-            <p:nvPr/>
-          </p:nvSpPr>
-          <p:spPr>
-            <a:xfrm>
-              <a:off x="798897" y="895149"/>
-              <a:ext cx="914400" cy="914400"/>
-            </a:xfrm>
-            <a:prstGeom prst="rect">
-              <a:avLst/>
-            </a:prstGeom>
-            <a:noFill/>
-          </p:spPr>
-          <p:style>
-            <a:lnRef idx="2">
-              <a:schemeClr val="accent1">
-                <a:shade val="50000"/>
-              </a:schemeClr>
-            </a:lnRef>
-            <a:fillRef idx="1">
-              <a:schemeClr val="accent1"/>
-            </a:fillRef>
-            <a:effectRef idx="0">
-              <a:schemeClr val="accent1"/>
-            </a:effectRef>
-            <a:fontRef idx="minor">
-              <a:schemeClr val="lt1"/>
-            </a:fontRef>
-          </p:style>
-          <p:txBody>
-            <a:bodyPr rtlCol="0" anchor="ctr"/>
-            <a:lstStyle>
-              <a:defPPr>
-                <a:defRPr lang="en-US"/>
-              </a:defPPr>
-              <a:lvl1pPr marL="0" algn="l" defTabSz="457200" rtl="0" eaLnBrk="1" latinLnBrk="0" hangingPunct="1">
-                <a:defRPr sz="1800" kern="1200">
-                  <a:solidFill>
-                    <a:schemeClr val="lt1"/>
-                  </a:solidFill>
-                  <a:latin typeface="+mn-lt"/>
-                  <a:ea typeface="+mn-ea"/>
-                  <a:cs typeface="+mn-cs"/>
-                </a:defRPr>
-              </a:lvl1pPr>
-              <a:lvl2pPr marL="457200" algn="l" defTabSz="457200" rtl="0" eaLnBrk="1" latinLnBrk="0" hangingPunct="1">
-                <a:defRPr sz="1800" kern="1200">
-                  <a:solidFill>
-                    <a:schemeClr val="lt1"/>
-                  </a:solidFill>
-                  <a:latin typeface="+mn-lt"/>
-                  <a:ea typeface="+mn-ea"/>
-                  <a:cs typeface="+mn-cs"/>
-                </a:defRPr>
-              </a:lvl2pPr>
-              <a:lvl3pPr marL="914400" algn="l" defTabSz="457200" rtl="0" eaLnBrk="1" latinLnBrk="0" hangingPunct="1">
-                <a:defRPr sz="1800" kern="1200">
-                  <a:solidFill>
-                    <a:schemeClr val="lt1"/>
-                  </a:solidFill>
-                  <a:latin typeface="+mn-lt"/>
-                  <a:ea typeface="+mn-ea"/>
-                  <a:cs typeface="+mn-cs"/>
-                </a:defRPr>
-              </a:lvl3pPr>
-              <a:lvl4pPr marL="1371600" algn="l" defTabSz="457200" rtl="0" eaLnBrk="1" latinLnBrk="0" hangingPunct="1">
-                <a:defRPr sz="1800" kern="1200">
-                  <a:solidFill>
-                    <a:schemeClr val="lt1"/>
-                  </a:solidFill>
-                  <a:latin typeface="+mn-lt"/>
-                  <a:ea typeface="+mn-ea"/>
-                  <a:cs typeface="+mn-cs"/>
-                </a:defRPr>
-              </a:lvl4pPr>
-              <a:lvl5pPr marL="1828800" algn="l" defTabSz="457200" rtl="0" eaLnBrk="1" latinLnBrk="0" hangingPunct="1">
-                <a:defRPr sz="1800" kern="1200">
-                  <a:solidFill>
-                    <a:schemeClr val="lt1"/>
-                  </a:solidFill>
-                  <a:latin typeface="+mn-lt"/>
-                  <a:ea typeface="+mn-ea"/>
-                  <a:cs typeface="+mn-cs"/>
-                </a:defRPr>
-              </a:lvl5pPr>
-              <a:lvl6pPr marL="2286000" algn="l" defTabSz="457200" rtl="0" eaLnBrk="1" latinLnBrk="0" hangingPunct="1">
-                <a:defRPr sz="1800" kern="1200">
-                  <a:solidFill>
-                    <a:schemeClr val="lt1"/>
-                  </a:solidFill>
-                  <a:latin typeface="+mn-lt"/>
-                  <a:ea typeface="+mn-ea"/>
-                  <a:cs typeface="+mn-cs"/>
-                </a:defRPr>
-              </a:lvl6pPr>
-              <a:lvl7pPr marL="2743200" algn="l" defTabSz="457200" rtl="0" eaLnBrk="1" latinLnBrk="0" hangingPunct="1">
-                <a:defRPr sz="1800" kern="1200">
-                  <a:solidFill>
-                    <a:schemeClr val="lt1"/>
-                  </a:solidFill>
-                  <a:latin typeface="+mn-lt"/>
-                  <a:ea typeface="+mn-ea"/>
-                  <a:cs typeface="+mn-cs"/>
-                </a:defRPr>
-              </a:lvl7pPr>
-              <a:lvl8pPr marL="3200400" algn="l" defTabSz="457200" rtl="0" eaLnBrk="1" latinLnBrk="0" hangingPunct="1">
-                <a:defRPr sz="1800" kern="1200">
-                  <a:solidFill>
-                    <a:schemeClr val="lt1"/>
-                  </a:solidFill>
-                  <a:latin typeface="+mn-lt"/>
-                  <a:ea typeface="+mn-ea"/>
-                  <a:cs typeface="+mn-cs"/>
-                </a:defRPr>
-              </a:lvl8pPr>
-              <a:lvl9pPr marL="3657600" algn="l" defTabSz="457200" rtl="0" eaLnBrk="1" latinLnBrk="0" hangingPunct="1">
-                <a:defRPr sz="1800" kern="1200">
-                  <a:solidFill>
-                    <a:schemeClr val="lt1"/>
-                  </a:solidFill>
-                  <a:latin typeface="+mn-lt"/>
-                  <a:ea typeface="+mn-ea"/>
-                  <a:cs typeface="+mn-cs"/>
-                </a:defRPr>
-              </a:lvl9pPr>
-            </a:lstStyle>
-            <a:p>
-              <a:pPr algn="ctr"/>
-              <a:r>
-                <a:rPr lang="it-IT" dirty="0">
-                  <a:solidFill>
-                    <a:schemeClr val="tx1"/>
-                  </a:solidFill>
-                </a:rPr>
-                <a:t>A</a:t>
-              </a:r>
-              <a:endParaRPr lang="en-US" dirty="0">
-                <a:solidFill>
-                  <a:schemeClr val="tx1"/>
-                </a:solidFill>
-              </a:endParaRPr>
-            </a:p>
-          </p:txBody>
-        </p:sp>
-        <p:sp>
-          <p:nvSpPr>
-            <p:cNvPr id="11" name="Rectangle 10">
-              <a:extLst>
-                <a:ext uri="{FF2B5EF4-FFF2-40B4-BE49-F238E27FC236}">
-                  <a16:creationId xmlns:a16="http://schemas.microsoft.com/office/drawing/2014/main" id="{CC7178F5-AD28-E9E6-1B9B-3392DC226063}"/>
-                </a:ext>
-              </a:extLst>
-            </p:cNvPr>
-            <p:cNvSpPr/>
-            <p:nvPr/>
-          </p:nvSpPr>
-          <p:spPr>
-            <a:xfrm>
-              <a:off x="798897" y="3628724"/>
-              <a:ext cx="914400" cy="914400"/>
-            </a:xfrm>
-            <a:prstGeom prst="rect">
-              <a:avLst/>
-            </a:prstGeom>
-            <a:noFill/>
-          </p:spPr>
-          <p:style>
-            <a:lnRef idx="2">
-              <a:schemeClr val="accent1">
-                <a:shade val="50000"/>
-              </a:schemeClr>
-            </a:lnRef>
-            <a:fillRef idx="1">
-              <a:schemeClr val="accent1"/>
-            </a:fillRef>
-            <a:effectRef idx="0">
-              <a:schemeClr val="accent1"/>
-            </a:effectRef>
-            <a:fontRef idx="minor">
-              <a:schemeClr val="lt1"/>
-            </a:fontRef>
-          </p:style>
-          <p:txBody>
-            <a:bodyPr rtlCol="0" anchor="ctr"/>
-            <a:lstStyle>
-              <a:defPPr>
-                <a:defRPr lang="en-US"/>
-              </a:defPPr>
-              <a:lvl1pPr marL="0" algn="l" defTabSz="457200" rtl="0" eaLnBrk="1" latinLnBrk="0" hangingPunct="1">
-                <a:defRPr sz="1800" kern="1200">
-                  <a:solidFill>
-                    <a:schemeClr val="lt1"/>
-                  </a:solidFill>
-                  <a:latin typeface="+mn-lt"/>
-                  <a:ea typeface="+mn-ea"/>
-                  <a:cs typeface="+mn-cs"/>
-                </a:defRPr>
-              </a:lvl1pPr>
-              <a:lvl2pPr marL="457200" algn="l" defTabSz="457200" rtl="0" eaLnBrk="1" latinLnBrk="0" hangingPunct="1">
-                <a:defRPr sz="1800" kern="1200">
-                  <a:solidFill>
-                    <a:schemeClr val="lt1"/>
-                  </a:solidFill>
-                  <a:latin typeface="+mn-lt"/>
-                  <a:ea typeface="+mn-ea"/>
-                  <a:cs typeface="+mn-cs"/>
-                </a:defRPr>
-              </a:lvl2pPr>
-              <a:lvl3pPr marL="914400" algn="l" defTabSz="457200" rtl="0" eaLnBrk="1" latinLnBrk="0" hangingPunct="1">
-                <a:defRPr sz="1800" kern="1200">
-                  <a:solidFill>
-                    <a:schemeClr val="lt1"/>
-                  </a:solidFill>
-                  <a:latin typeface="+mn-lt"/>
-                  <a:ea typeface="+mn-ea"/>
-                  <a:cs typeface="+mn-cs"/>
-                </a:defRPr>
-              </a:lvl3pPr>
-              <a:lvl4pPr marL="1371600" algn="l" defTabSz="457200" rtl="0" eaLnBrk="1" latinLnBrk="0" hangingPunct="1">
-                <a:defRPr sz="1800" kern="1200">
-                  <a:solidFill>
-                    <a:schemeClr val="lt1"/>
-                  </a:solidFill>
-                  <a:latin typeface="+mn-lt"/>
-                  <a:ea typeface="+mn-ea"/>
-                  <a:cs typeface="+mn-cs"/>
-                </a:defRPr>
-              </a:lvl4pPr>
-              <a:lvl5pPr marL="1828800" algn="l" defTabSz="457200" rtl="0" eaLnBrk="1" latinLnBrk="0" hangingPunct="1">
-                <a:defRPr sz="1800" kern="1200">
-                  <a:solidFill>
-                    <a:schemeClr val="lt1"/>
-                  </a:solidFill>
-                  <a:latin typeface="+mn-lt"/>
-                  <a:ea typeface="+mn-ea"/>
-                  <a:cs typeface="+mn-cs"/>
-                </a:defRPr>
-              </a:lvl5pPr>
-              <a:lvl6pPr marL="2286000" algn="l" defTabSz="457200" rtl="0" eaLnBrk="1" latinLnBrk="0" hangingPunct="1">
-                <a:defRPr sz="1800" kern="1200">
-                  <a:solidFill>
-                    <a:schemeClr val="lt1"/>
-                  </a:solidFill>
-                  <a:latin typeface="+mn-lt"/>
-                  <a:ea typeface="+mn-ea"/>
-                  <a:cs typeface="+mn-cs"/>
-                </a:defRPr>
-              </a:lvl6pPr>
-              <a:lvl7pPr marL="2743200" algn="l" defTabSz="457200" rtl="0" eaLnBrk="1" latinLnBrk="0" hangingPunct="1">
-                <a:defRPr sz="1800" kern="1200">
-                  <a:solidFill>
-                    <a:schemeClr val="lt1"/>
-                  </a:solidFill>
-                  <a:latin typeface="+mn-lt"/>
-                  <a:ea typeface="+mn-ea"/>
-                  <a:cs typeface="+mn-cs"/>
-                </a:defRPr>
-              </a:lvl7pPr>
-              <a:lvl8pPr marL="3200400" algn="l" defTabSz="457200" rtl="0" eaLnBrk="1" latinLnBrk="0" hangingPunct="1">
-                <a:defRPr sz="1800" kern="1200">
-                  <a:solidFill>
-                    <a:schemeClr val="lt1"/>
-                  </a:solidFill>
-                  <a:latin typeface="+mn-lt"/>
-                  <a:ea typeface="+mn-ea"/>
-                  <a:cs typeface="+mn-cs"/>
-                </a:defRPr>
-              </a:lvl8pPr>
-              <a:lvl9pPr marL="3657600" algn="l" defTabSz="457200" rtl="0" eaLnBrk="1" latinLnBrk="0" hangingPunct="1">
-                <a:defRPr sz="1800" kern="1200">
-                  <a:solidFill>
-                    <a:schemeClr val="lt1"/>
-                  </a:solidFill>
-                  <a:latin typeface="+mn-lt"/>
-                  <a:ea typeface="+mn-ea"/>
-                  <a:cs typeface="+mn-cs"/>
-                </a:defRPr>
-              </a:lvl9pPr>
-            </a:lstStyle>
-            <a:p>
-              <a:pPr algn="ctr"/>
-              <a:endParaRPr lang="en-US"/>
-            </a:p>
-          </p:txBody>
-        </p:sp>
-        <p:sp>
-          <p:nvSpPr>
-            <p:cNvPr id="12" name="Rectangle 11">
-              <a:extLst>
-                <a:ext uri="{FF2B5EF4-FFF2-40B4-BE49-F238E27FC236}">
-                  <a16:creationId xmlns:a16="http://schemas.microsoft.com/office/drawing/2014/main" id="{818D5B8D-7A74-660B-4F93-FA941ACC1555}"/>
-                </a:ext>
-              </a:extLst>
-            </p:cNvPr>
-            <p:cNvSpPr/>
-            <p:nvPr/>
-          </p:nvSpPr>
-          <p:spPr>
-            <a:xfrm>
-              <a:off x="3056021" y="3628724"/>
-              <a:ext cx="914400" cy="914400"/>
-            </a:xfrm>
-            <a:prstGeom prst="rect">
-              <a:avLst/>
-            </a:prstGeom>
-            <a:noFill/>
-          </p:spPr>
-          <p:style>
-            <a:lnRef idx="2">
-              <a:schemeClr val="accent1">
-                <a:shade val="50000"/>
-              </a:schemeClr>
-            </a:lnRef>
-            <a:fillRef idx="1">
-              <a:schemeClr val="accent1"/>
-            </a:fillRef>
-            <a:effectRef idx="0">
-              <a:schemeClr val="accent1"/>
-            </a:effectRef>
-            <a:fontRef idx="minor">
-              <a:schemeClr val="lt1"/>
-            </a:fontRef>
-          </p:style>
-          <p:txBody>
-            <a:bodyPr rtlCol="0" anchor="ctr"/>
-            <a:lstStyle>
-              <a:defPPr>
-                <a:defRPr lang="en-US"/>
-              </a:defPPr>
-              <a:lvl1pPr marL="0" algn="l" defTabSz="457200" rtl="0" eaLnBrk="1" latinLnBrk="0" hangingPunct="1">
-                <a:defRPr sz="1800" kern="1200">
-                  <a:solidFill>
-                    <a:schemeClr val="lt1"/>
-                  </a:solidFill>
-                  <a:latin typeface="+mn-lt"/>
-                  <a:ea typeface="+mn-ea"/>
-                  <a:cs typeface="+mn-cs"/>
-                </a:defRPr>
-              </a:lvl1pPr>
-              <a:lvl2pPr marL="457200" algn="l" defTabSz="457200" rtl="0" eaLnBrk="1" latinLnBrk="0" hangingPunct="1">
-                <a:defRPr sz="1800" kern="1200">
-                  <a:solidFill>
-                    <a:schemeClr val="lt1"/>
-                  </a:solidFill>
-                  <a:latin typeface="+mn-lt"/>
-                  <a:ea typeface="+mn-ea"/>
-                  <a:cs typeface="+mn-cs"/>
-                </a:defRPr>
-              </a:lvl2pPr>
-              <a:lvl3pPr marL="914400" algn="l" defTabSz="457200" rtl="0" eaLnBrk="1" latinLnBrk="0" hangingPunct="1">
-                <a:defRPr sz="1800" kern="1200">
-                  <a:solidFill>
-                    <a:schemeClr val="lt1"/>
-                  </a:solidFill>
-                  <a:latin typeface="+mn-lt"/>
-                  <a:ea typeface="+mn-ea"/>
-                  <a:cs typeface="+mn-cs"/>
-                </a:defRPr>
-              </a:lvl3pPr>
-              <a:lvl4pPr marL="1371600" algn="l" defTabSz="457200" rtl="0" eaLnBrk="1" latinLnBrk="0" hangingPunct="1">
-                <a:defRPr sz="1800" kern="1200">
-                  <a:solidFill>
-                    <a:schemeClr val="lt1"/>
-                  </a:solidFill>
-                  <a:latin typeface="+mn-lt"/>
-                  <a:ea typeface="+mn-ea"/>
-                  <a:cs typeface="+mn-cs"/>
-                </a:defRPr>
-              </a:lvl4pPr>
-              <a:lvl5pPr marL="1828800" algn="l" defTabSz="457200" rtl="0" eaLnBrk="1" latinLnBrk="0" hangingPunct="1">
-                <a:defRPr sz="1800" kern="1200">
-                  <a:solidFill>
-                    <a:schemeClr val="lt1"/>
-                  </a:solidFill>
-                  <a:latin typeface="+mn-lt"/>
-                  <a:ea typeface="+mn-ea"/>
-                  <a:cs typeface="+mn-cs"/>
-                </a:defRPr>
-              </a:lvl5pPr>
-              <a:lvl6pPr marL="2286000" algn="l" defTabSz="457200" rtl="0" eaLnBrk="1" latinLnBrk="0" hangingPunct="1">
-                <a:defRPr sz="1800" kern="1200">
-                  <a:solidFill>
-                    <a:schemeClr val="lt1"/>
-                  </a:solidFill>
-                  <a:latin typeface="+mn-lt"/>
-                  <a:ea typeface="+mn-ea"/>
-                  <a:cs typeface="+mn-cs"/>
-                </a:defRPr>
-              </a:lvl6pPr>
-              <a:lvl7pPr marL="2743200" algn="l" defTabSz="457200" rtl="0" eaLnBrk="1" latinLnBrk="0" hangingPunct="1">
-                <a:defRPr sz="1800" kern="1200">
-                  <a:solidFill>
-                    <a:schemeClr val="lt1"/>
-                  </a:solidFill>
-                  <a:latin typeface="+mn-lt"/>
-                  <a:ea typeface="+mn-ea"/>
-                  <a:cs typeface="+mn-cs"/>
-                </a:defRPr>
-              </a:lvl7pPr>
-              <a:lvl8pPr marL="3200400" algn="l" defTabSz="457200" rtl="0" eaLnBrk="1" latinLnBrk="0" hangingPunct="1">
-                <a:defRPr sz="1800" kern="1200">
-                  <a:solidFill>
-                    <a:schemeClr val="lt1"/>
-                  </a:solidFill>
-                  <a:latin typeface="+mn-lt"/>
-                  <a:ea typeface="+mn-ea"/>
-                  <a:cs typeface="+mn-cs"/>
-                </a:defRPr>
-              </a:lvl8pPr>
-              <a:lvl9pPr marL="3657600" algn="l" defTabSz="457200" rtl="0" eaLnBrk="1" latinLnBrk="0" hangingPunct="1">
-                <a:defRPr sz="1800" kern="1200">
-                  <a:solidFill>
-                    <a:schemeClr val="lt1"/>
-                  </a:solidFill>
-                  <a:latin typeface="+mn-lt"/>
-                  <a:ea typeface="+mn-ea"/>
-                  <a:cs typeface="+mn-cs"/>
-                </a:defRPr>
-              </a:lvl9pPr>
-            </a:lstStyle>
-            <a:p>
-              <a:pPr algn="ctr"/>
-              <a:endParaRPr lang="en-US"/>
-            </a:p>
-          </p:txBody>
-        </p:sp>
-        <p:sp>
-          <p:nvSpPr>
-            <p:cNvPr id="13" name="Rectangle 12">
-              <a:extLst>
-                <a:ext uri="{FF2B5EF4-FFF2-40B4-BE49-F238E27FC236}">
-                  <a16:creationId xmlns:a16="http://schemas.microsoft.com/office/drawing/2014/main" id="{50BAD8B7-1EB9-D615-E6DF-7DEDA72EDEF1}"/>
-                </a:ext>
-              </a:extLst>
-            </p:cNvPr>
-            <p:cNvSpPr/>
-            <p:nvPr/>
-          </p:nvSpPr>
-          <p:spPr>
-            <a:xfrm>
-              <a:off x="3056021" y="895149"/>
-              <a:ext cx="914400" cy="914400"/>
-            </a:xfrm>
-            <a:prstGeom prst="rect">
-              <a:avLst/>
-            </a:prstGeom>
-            <a:solidFill>
-              <a:schemeClr val="bg1"/>
-            </a:solidFill>
-          </p:spPr>
-          <p:style>
-            <a:lnRef idx="2">
-              <a:schemeClr val="accent1">
-                <a:shade val="50000"/>
-              </a:schemeClr>
-            </a:lnRef>
-            <a:fillRef idx="1">
-              <a:schemeClr val="accent1"/>
-            </a:fillRef>
-            <a:effectRef idx="0">
-              <a:schemeClr val="accent1"/>
-            </a:effectRef>
-            <a:fontRef idx="minor">
-              <a:schemeClr val="lt1"/>
-            </a:fontRef>
-          </p:style>
-          <p:txBody>
-            <a:bodyPr rtlCol="0" anchor="ctr"/>
-            <a:lstStyle>
-              <a:defPPr>
-                <a:defRPr lang="en-US"/>
-              </a:defPPr>
-              <a:lvl1pPr marL="0" algn="l" defTabSz="457200" rtl="0" eaLnBrk="1" latinLnBrk="0" hangingPunct="1">
-                <a:defRPr sz="1800" kern="1200">
-                  <a:solidFill>
-                    <a:schemeClr val="lt1"/>
-                  </a:solidFill>
-                  <a:latin typeface="+mn-lt"/>
-                  <a:ea typeface="+mn-ea"/>
-                  <a:cs typeface="+mn-cs"/>
-                </a:defRPr>
-              </a:lvl1pPr>
-              <a:lvl2pPr marL="457200" algn="l" defTabSz="457200" rtl="0" eaLnBrk="1" latinLnBrk="0" hangingPunct="1">
-                <a:defRPr sz="1800" kern="1200">
-                  <a:solidFill>
-                    <a:schemeClr val="lt1"/>
-                  </a:solidFill>
-                  <a:latin typeface="+mn-lt"/>
-                  <a:ea typeface="+mn-ea"/>
-                  <a:cs typeface="+mn-cs"/>
-                </a:defRPr>
-              </a:lvl2pPr>
-              <a:lvl3pPr marL="914400" algn="l" defTabSz="457200" rtl="0" eaLnBrk="1" latinLnBrk="0" hangingPunct="1">
-                <a:defRPr sz="1800" kern="1200">
-                  <a:solidFill>
-                    <a:schemeClr val="lt1"/>
-                  </a:solidFill>
-                  <a:latin typeface="+mn-lt"/>
-                  <a:ea typeface="+mn-ea"/>
-                  <a:cs typeface="+mn-cs"/>
-                </a:defRPr>
-              </a:lvl3pPr>
-              <a:lvl4pPr marL="1371600" algn="l" defTabSz="457200" rtl="0" eaLnBrk="1" latinLnBrk="0" hangingPunct="1">
-                <a:defRPr sz="1800" kern="1200">
-                  <a:solidFill>
-                    <a:schemeClr val="lt1"/>
-                  </a:solidFill>
-                  <a:latin typeface="+mn-lt"/>
-                  <a:ea typeface="+mn-ea"/>
-                  <a:cs typeface="+mn-cs"/>
-                </a:defRPr>
-              </a:lvl4pPr>
-              <a:lvl5pPr marL="1828800" algn="l" defTabSz="457200" rtl="0" eaLnBrk="1" latinLnBrk="0" hangingPunct="1">
-                <a:defRPr sz="1800" kern="1200">
-                  <a:solidFill>
-                    <a:schemeClr val="lt1"/>
-                  </a:solidFill>
-                  <a:latin typeface="+mn-lt"/>
-                  <a:ea typeface="+mn-ea"/>
-                  <a:cs typeface="+mn-cs"/>
-                </a:defRPr>
-              </a:lvl5pPr>
-              <a:lvl6pPr marL="2286000" algn="l" defTabSz="457200" rtl="0" eaLnBrk="1" latinLnBrk="0" hangingPunct="1">
-                <a:defRPr sz="1800" kern="1200">
-                  <a:solidFill>
-                    <a:schemeClr val="lt1"/>
-                  </a:solidFill>
-                  <a:latin typeface="+mn-lt"/>
-                  <a:ea typeface="+mn-ea"/>
-                  <a:cs typeface="+mn-cs"/>
-                </a:defRPr>
-              </a:lvl6pPr>
-              <a:lvl7pPr marL="2743200" algn="l" defTabSz="457200" rtl="0" eaLnBrk="1" latinLnBrk="0" hangingPunct="1">
-                <a:defRPr sz="1800" kern="1200">
-                  <a:solidFill>
-                    <a:schemeClr val="lt1"/>
-                  </a:solidFill>
-                  <a:latin typeface="+mn-lt"/>
-                  <a:ea typeface="+mn-ea"/>
-                  <a:cs typeface="+mn-cs"/>
-                </a:defRPr>
-              </a:lvl7pPr>
-              <a:lvl8pPr marL="3200400" algn="l" defTabSz="457200" rtl="0" eaLnBrk="1" latinLnBrk="0" hangingPunct="1">
-                <a:defRPr sz="1800" kern="1200">
-                  <a:solidFill>
-                    <a:schemeClr val="lt1"/>
-                  </a:solidFill>
-                  <a:latin typeface="+mn-lt"/>
-                  <a:ea typeface="+mn-ea"/>
-                  <a:cs typeface="+mn-cs"/>
-                </a:defRPr>
-              </a:lvl8pPr>
-              <a:lvl9pPr marL="3657600" algn="l" defTabSz="457200" rtl="0" eaLnBrk="1" latinLnBrk="0" hangingPunct="1">
-                <a:defRPr sz="1800" kern="1200">
-                  <a:solidFill>
-                    <a:schemeClr val="lt1"/>
-                  </a:solidFill>
-                  <a:latin typeface="+mn-lt"/>
-                  <a:ea typeface="+mn-ea"/>
-                  <a:cs typeface="+mn-cs"/>
-                </a:defRPr>
-              </a:lvl9pPr>
-            </a:lstStyle>
-            <a:p>
-              <a:pPr algn="ctr"/>
-              <a:endParaRPr lang="en-US"/>
-            </a:p>
-          </p:txBody>
-        </p:sp>
-        <p:sp>
-          <p:nvSpPr>
-            <p:cNvPr id="14" name="Oval 13">
-              <a:extLst>
-                <a:ext uri="{FF2B5EF4-FFF2-40B4-BE49-F238E27FC236}">
-                  <a16:creationId xmlns:a16="http://schemas.microsoft.com/office/drawing/2014/main" id="{58F1A1A6-2A07-971D-CE55-D9C30EB42891}"/>
-                </a:ext>
-              </a:extLst>
-            </p:cNvPr>
-            <p:cNvSpPr/>
-            <p:nvPr/>
-          </p:nvSpPr>
-          <p:spPr>
-            <a:xfrm>
-              <a:off x="1602606" y="1241658"/>
-              <a:ext cx="221381" cy="221381"/>
-            </a:xfrm>
-            <a:prstGeom prst="ellipse">
-              <a:avLst/>
-            </a:prstGeom>
-            <a:solidFill>
-              <a:srgbClr val="FFC000"/>
-            </a:solidFill>
-          </p:spPr>
-          <p:style>
-            <a:lnRef idx="2">
-              <a:schemeClr val="accent1">
-                <a:shade val="50000"/>
-              </a:schemeClr>
-            </a:lnRef>
-            <a:fillRef idx="1">
-              <a:schemeClr val="accent1"/>
-            </a:fillRef>
-            <a:effectRef idx="0">
-              <a:schemeClr val="accent1"/>
-            </a:effectRef>
-            <a:fontRef idx="minor">
-              <a:schemeClr val="lt1"/>
-            </a:fontRef>
-          </p:style>
-          <p:txBody>
-            <a:bodyPr rtlCol="0" anchor="ctr"/>
-            <a:lstStyle>
-              <a:defPPr>
-                <a:defRPr lang="en-US"/>
-              </a:defPPr>
-              <a:lvl1pPr marL="0" algn="l" defTabSz="457200" rtl="0" eaLnBrk="1" latinLnBrk="0" hangingPunct="1">
-                <a:defRPr sz="1800" kern="1200">
-                  <a:solidFill>
-                    <a:schemeClr val="lt1"/>
-                  </a:solidFill>
-                  <a:latin typeface="+mn-lt"/>
-                  <a:ea typeface="+mn-ea"/>
-                  <a:cs typeface="+mn-cs"/>
-                </a:defRPr>
-              </a:lvl1pPr>
-              <a:lvl2pPr marL="457200" algn="l" defTabSz="457200" rtl="0" eaLnBrk="1" latinLnBrk="0" hangingPunct="1">
-                <a:defRPr sz="1800" kern="1200">
-                  <a:solidFill>
-                    <a:schemeClr val="lt1"/>
-                  </a:solidFill>
-                  <a:latin typeface="+mn-lt"/>
-                  <a:ea typeface="+mn-ea"/>
-                  <a:cs typeface="+mn-cs"/>
-                </a:defRPr>
-              </a:lvl2pPr>
-              <a:lvl3pPr marL="914400" algn="l" defTabSz="457200" rtl="0" eaLnBrk="1" latinLnBrk="0" hangingPunct="1">
-                <a:defRPr sz="1800" kern="1200">
-                  <a:solidFill>
-                    <a:schemeClr val="lt1"/>
-                  </a:solidFill>
-                  <a:latin typeface="+mn-lt"/>
-                  <a:ea typeface="+mn-ea"/>
-                  <a:cs typeface="+mn-cs"/>
-                </a:defRPr>
-              </a:lvl3pPr>
-              <a:lvl4pPr marL="1371600" algn="l" defTabSz="457200" rtl="0" eaLnBrk="1" latinLnBrk="0" hangingPunct="1">
-                <a:defRPr sz="1800" kern="1200">
-                  <a:solidFill>
-                    <a:schemeClr val="lt1"/>
-                  </a:solidFill>
-                  <a:latin typeface="+mn-lt"/>
-                  <a:ea typeface="+mn-ea"/>
-                  <a:cs typeface="+mn-cs"/>
-                </a:defRPr>
-              </a:lvl4pPr>
-              <a:lvl5pPr marL="1828800" algn="l" defTabSz="457200" rtl="0" eaLnBrk="1" latinLnBrk="0" hangingPunct="1">
-                <a:defRPr sz="1800" kern="1200">
-                  <a:solidFill>
-                    <a:schemeClr val="lt1"/>
-                  </a:solidFill>
-                  <a:latin typeface="+mn-lt"/>
-                  <a:ea typeface="+mn-ea"/>
-                  <a:cs typeface="+mn-cs"/>
-                </a:defRPr>
-              </a:lvl5pPr>
-              <a:lvl6pPr marL="2286000" algn="l" defTabSz="457200" rtl="0" eaLnBrk="1" latinLnBrk="0" hangingPunct="1">
-                <a:defRPr sz="1800" kern="1200">
-                  <a:solidFill>
-                    <a:schemeClr val="lt1"/>
-                  </a:solidFill>
-                  <a:latin typeface="+mn-lt"/>
-                  <a:ea typeface="+mn-ea"/>
-                  <a:cs typeface="+mn-cs"/>
-                </a:defRPr>
-              </a:lvl6pPr>
-              <a:lvl7pPr marL="2743200" algn="l" defTabSz="457200" rtl="0" eaLnBrk="1" latinLnBrk="0" hangingPunct="1">
-                <a:defRPr sz="1800" kern="1200">
-                  <a:solidFill>
-                    <a:schemeClr val="lt1"/>
-                  </a:solidFill>
-                  <a:latin typeface="+mn-lt"/>
-                  <a:ea typeface="+mn-ea"/>
-                  <a:cs typeface="+mn-cs"/>
-                </a:defRPr>
-              </a:lvl7pPr>
-              <a:lvl8pPr marL="3200400" algn="l" defTabSz="457200" rtl="0" eaLnBrk="1" latinLnBrk="0" hangingPunct="1">
-                <a:defRPr sz="1800" kern="1200">
-                  <a:solidFill>
-                    <a:schemeClr val="lt1"/>
-                  </a:solidFill>
-                  <a:latin typeface="+mn-lt"/>
-                  <a:ea typeface="+mn-ea"/>
-                  <a:cs typeface="+mn-cs"/>
-                </a:defRPr>
-              </a:lvl8pPr>
-              <a:lvl9pPr marL="3657600" algn="l" defTabSz="457200" rtl="0" eaLnBrk="1" latinLnBrk="0" hangingPunct="1">
-                <a:defRPr sz="1800" kern="1200">
-                  <a:solidFill>
-                    <a:schemeClr val="lt1"/>
-                  </a:solidFill>
-                  <a:latin typeface="+mn-lt"/>
-                  <a:ea typeface="+mn-ea"/>
-                  <a:cs typeface="+mn-cs"/>
-                </a:defRPr>
-              </a:lvl9pPr>
-            </a:lstStyle>
-            <a:p>
-              <a:pPr algn="ctr"/>
-              <a:endParaRPr lang="en-US"/>
-            </a:p>
-          </p:txBody>
-        </p:sp>
-        <p:sp>
-          <p:nvSpPr>
-            <p:cNvPr id="15" name="Oval 14">
-              <a:extLst>
-                <a:ext uri="{FF2B5EF4-FFF2-40B4-BE49-F238E27FC236}">
-                  <a16:creationId xmlns:a16="http://schemas.microsoft.com/office/drawing/2014/main" id="{23CF1BB0-9455-E64A-379F-F324FC8ECDE2}"/>
-                </a:ext>
-              </a:extLst>
-            </p:cNvPr>
-            <p:cNvSpPr/>
-            <p:nvPr/>
-          </p:nvSpPr>
-          <p:spPr>
-            <a:xfrm>
-              <a:off x="2950144" y="1241658"/>
-              <a:ext cx="221381" cy="221381"/>
-            </a:xfrm>
-            <a:prstGeom prst="ellipse">
-              <a:avLst/>
-            </a:prstGeom>
-            <a:solidFill>
-              <a:srgbClr val="FFC000"/>
-            </a:solidFill>
-          </p:spPr>
-          <p:style>
-            <a:lnRef idx="2">
-              <a:schemeClr val="accent1">
-                <a:shade val="50000"/>
-              </a:schemeClr>
-            </a:lnRef>
-            <a:fillRef idx="1">
-              <a:schemeClr val="accent1"/>
-            </a:fillRef>
-            <a:effectRef idx="0">
-              <a:schemeClr val="accent1"/>
-            </a:effectRef>
-            <a:fontRef idx="minor">
-              <a:schemeClr val="lt1"/>
-            </a:fontRef>
-          </p:style>
-          <p:txBody>
-            <a:bodyPr rtlCol="0" anchor="ctr"/>
-            <a:lstStyle>
-              <a:defPPr>
-                <a:defRPr lang="en-US"/>
-              </a:defPPr>
-              <a:lvl1pPr marL="0" algn="l" defTabSz="457200" rtl="0" eaLnBrk="1" latinLnBrk="0" hangingPunct="1">
-                <a:defRPr sz="1800" kern="1200">
-                  <a:solidFill>
-                    <a:schemeClr val="lt1"/>
-                  </a:solidFill>
-                  <a:latin typeface="+mn-lt"/>
-                  <a:ea typeface="+mn-ea"/>
-                  <a:cs typeface="+mn-cs"/>
-                </a:defRPr>
-              </a:lvl1pPr>
-              <a:lvl2pPr marL="457200" algn="l" defTabSz="457200" rtl="0" eaLnBrk="1" latinLnBrk="0" hangingPunct="1">
-                <a:defRPr sz="1800" kern="1200">
-                  <a:solidFill>
-                    <a:schemeClr val="lt1"/>
-                  </a:solidFill>
-                  <a:latin typeface="+mn-lt"/>
-                  <a:ea typeface="+mn-ea"/>
-                  <a:cs typeface="+mn-cs"/>
-                </a:defRPr>
-              </a:lvl2pPr>
-              <a:lvl3pPr marL="914400" algn="l" defTabSz="457200" rtl="0" eaLnBrk="1" latinLnBrk="0" hangingPunct="1">
-                <a:defRPr sz="1800" kern="1200">
-                  <a:solidFill>
-                    <a:schemeClr val="lt1"/>
-                  </a:solidFill>
-                  <a:latin typeface="+mn-lt"/>
-                  <a:ea typeface="+mn-ea"/>
-                  <a:cs typeface="+mn-cs"/>
-                </a:defRPr>
-              </a:lvl3pPr>
-              <a:lvl4pPr marL="1371600" algn="l" defTabSz="457200" rtl="0" eaLnBrk="1" latinLnBrk="0" hangingPunct="1">
-                <a:defRPr sz="1800" kern="1200">
-                  <a:solidFill>
-                    <a:schemeClr val="lt1"/>
-                  </a:solidFill>
-                  <a:latin typeface="+mn-lt"/>
-                  <a:ea typeface="+mn-ea"/>
-                  <a:cs typeface="+mn-cs"/>
-                </a:defRPr>
-              </a:lvl4pPr>
-              <a:lvl5pPr marL="1828800" algn="l" defTabSz="457200" rtl="0" eaLnBrk="1" latinLnBrk="0" hangingPunct="1">
-                <a:defRPr sz="1800" kern="1200">
-                  <a:solidFill>
-                    <a:schemeClr val="lt1"/>
-                  </a:solidFill>
-                  <a:latin typeface="+mn-lt"/>
-                  <a:ea typeface="+mn-ea"/>
-                  <a:cs typeface="+mn-cs"/>
-                </a:defRPr>
-              </a:lvl5pPr>
-              <a:lvl6pPr marL="2286000" algn="l" defTabSz="457200" rtl="0" eaLnBrk="1" latinLnBrk="0" hangingPunct="1">
-                <a:defRPr sz="1800" kern="1200">
-                  <a:solidFill>
-                    <a:schemeClr val="lt1"/>
-                  </a:solidFill>
-                  <a:latin typeface="+mn-lt"/>
-                  <a:ea typeface="+mn-ea"/>
-                  <a:cs typeface="+mn-cs"/>
-                </a:defRPr>
-              </a:lvl6pPr>
-              <a:lvl7pPr marL="2743200" algn="l" defTabSz="457200" rtl="0" eaLnBrk="1" latinLnBrk="0" hangingPunct="1">
-                <a:defRPr sz="1800" kern="1200">
-                  <a:solidFill>
-                    <a:schemeClr val="lt1"/>
-                  </a:solidFill>
-                  <a:latin typeface="+mn-lt"/>
-                  <a:ea typeface="+mn-ea"/>
-                  <a:cs typeface="+mn-cs"/>
-                </a:defRPr>
-              </a:lvl7pPr>
-              <a:lvl8pPr marL="3200400" algn="l" defTabSz="457200" rtl="0" eaLnBrk="1" latinLnBrk="0" hangingPunct="1">
-                <a:defRPr sz="1800" kern="1200">
-                  <a:solidFill>
-                    <a:schemeClr val="lt1"/>
-                  </a:solidFill>
-                  <a:latin typeface="+mn-lt"/>
-                  <a:ea typeface="+mn-ea"/>
-                  <a:cs typeface="+mn-cs"/>
-                </a:defRPr>
-              </a:lvl8pPr>
-              <a:lvl9pPr marL="3657600" algn="l" defTabSz="457200" rtl="0" eaLnBrk="1" latinLnBrk="0" hangingPunct="1">
-                <a:defRPr sz="1800" kern="1200">
-                  <a:solidFill>
-                    <a:schemeClr val="lt1"/>
-                  </a:solidFill>
-                  <a:latin typeface="+mn-lt"/>
-                  <a:ea typeface="+mn-ea"/>
-                  <a:cs typeface="+mn-cs"/>
-                </a:defRPr>
-              </a:lvl9pPr>
-            </a:lstStyle>
-            <a:p>
-              <a:pPr algn="ctr"/>
-              <a:endParaRPr lang="en-US"/>
-            </a:p>
-          </p:txBody>
-        </p:sp>
-        <p:sp>
-          <p:nvSpPr>
-            <p:cNvPr id="16" name="Oval 15">
-              <a:extLst>
-                <a:ext uri="{FF2B5EF4-FFF2-40B4-BE49-F238E27FC236}">
-                  <a16:creationId xmlns:a16="http://schemas.microsoft.com/office/drawing/2014/main" id="{3DDD4FD0-48D8-9B68-C477-77B573E87B19}"/>
-                </a:ext>
-              </a:extLst>
-            </p:cNvPr>
-            <p:cNvSpPr/>
-            <p:nvPr/>
-          </p:nvSpPr>
-          <p:spPr>
-            <a:xfrm>
-              <a:off x="1145406" y="1698858"/>
-              <a:ext cx="221381" cy="221381"/>
-            </a:xfrm>
-            <a:prstGeom prst="ellipse">
-              <a:avLst/>
-            </a:prstGeom>
-            <a:solidFill>
-              <a:srgbClr val="FFC000"/>
-            </a:solidFill>
-          </p:spPr>
-          <p:style>
-            <a:lnRef idx="2">
-              <a:schemeClr val="accent1">
-                <a:shade val="50000"/>
-              </a:schemeClr>
-            </a:lnRef>
-            <a:fillRef idx="1">
-              <a:schemeClr val="accent1"/>
-            </a:fillRef>
-            <a:effectRef idx="0">
-              <a:schemeClr val="accent1"/>
-            </a:effectRef>
-            <a:fontRef idx="minor">
-              <a:schemeClr val="lt1"/>
-            </a:fontRef>
-          </p:style>
-          <p:txBody>
-            <a:bodyPr rtlCol="0" anchor="ctr"/>
-            <a:lstStyle>
-              <a:defPPr>
-                <a:defRPr lang="en-US"/>
-              </a:defPPr>
-              <a:lvl1pPr marL="0" algn="l" defTabSz="457200" rtl="0" eaLnBrk="1" latinLnBrk="0" hangingPunct="1">
-                <a:defRPr sz="1800" kern="1200">
-                  <a:solidFill>
-                    <a:schemeClr val="lt1"/>
-                  </a:solidFill>
-                  <a:latin typeface="+mn-lt"/>
-                  <a:ea typeface="+mn-ea"/>
-                  <a:cs typeface="+mn-cs"/>
-                </a:defRPr>
-              </a:lvl1pPr>
-              <a:lvl2pPr marL="457200" algn="l" defTabSz="457200" rtl="0" eaLnBrk="1" latinLnBrk="0" hangingPunct="1">
-                <a:defRPr sz="1800" kern="1200">
-                  <a:solidFill>
-                    <a:schemeClr val="lt1"/>
-                  </a:solidFill>
-                  <a:latin typeface="+mn-lt"/>
-                  <a:ea typeface="+mn-ea"/>
-                  <a:cs typeface="+mn-cs"/>
-                </a:defRPr>
-              </a:lvl2pPr>
-              <a:lvl3pPr marL="914400" algn="l" defTabSz="457200" rtl="0" eaLnBrk="1" latinLnBrk="0" hangingPunct="1">
-                <a:defRPr sz="1800" kern="1200">
-                  <a:solidFill>
-                    <a:schemeClr val="lt1"/>
-                  </a:solidFill>
-                  <a:latin typeface="+mn-lt"/>
-                  <a:ea typeface="+mn-ea"/>
-                  <a:cs typeface="+mn-cs"/>
-                </a:defRPr>
-              </a:lvl3pPr>
-              <a:lvl4pPr marL="1371600" algn="l" defTabSz="457200" rtl="0" eaLnBrk="1" latinLnBrk="0" hangingPunct="1">
-                <a:defRPr sz="1800" kern="1200">
-                  <a:solidFill>
-                    <a:schemeClr val="lt1"/>
-                  </a:solidFill>
-                  <a:latin typeface="+mn-lt"/>
-                  <a:ea typeface="+mn-ea"/>
-                  <a:cs typeface="+mn-cs"/>
-                </a:defRPr>
-              </a:lvl4pPr>
-              <a:lvl5pPr marL="1828800" algn="l" defTabSz="457200" rtl="0" eaLnBrk="1" latinLnBrk="0" hangingPunct="1">
-                <a:defRPr sz="1800" kern="1200">
-                  <a:solidFill>
-                    <a:schemeClr val="lt1"/>
-                  </a:solidFill>
-                  <a:latin typeface="+mn-lt"/>
-                  <a:ea typeface="+mn-ea"/>
-                  <a:cs typeface="+mn-cs"/>
-                </a:defRPr>
-              </a:lvl5pPr>
-              <a:lvl6pPr marL="2286000" algn="l" defTabSz="457200" rtl="0" eaLnBrk="1" latinLnBrk="0" hangingPunct="1">
-                <a:defRPr sz="1800" kern="1200">
-                  <a:solidFill>
-                    <a:schemeClr val="lt1"/>
-                  </a:solidFill>
-                  <a:latin typeface="+mn-lt"/>
-                  <a:ea typeface="+mn-ea"/>
-                  <a:cs typeface="+mn-cs"/>
-                </a:defRPr>
-              </a:lvl6pPr>
-              <a:lvl7pPr marL="2743200" algn="l" defTabSz="457200" rtl="0" eaLnBrk="1" latinLnBrk="0" hangingPunct="1">
-                <a:defRPr sz="1800" kern="1200">
-                  <a:solidFill>
-                    <a:schemeClr val="lt1"/>
-                  </a:solidFill>
-                  <a:latin typeface="+mn-lt"/>
-                  <a:ea typeface="+mn-ea"/>
-                  <a:cs typeface="+mn-cs"/>
-                </a:defRPr>
-              </a:lvl7pPr>
-              <a:lvl8pPr marL="3200400" algn="l" defTabSz="457200" rtl="0" eaLnBrk="1" latinLnBrk="0" hangingPunct="1">
-                <a:defRPr sz="1800" kern="1200">
-                  <a:solidFill>
-                    <a:schemeClr val="lt1"/>
-                  </a:solidFill>
-                  <a:latin typeface="+mn-lt"/>
-                  <a:ea typeface="+mn-ea"/>
-                  <a:cs typeface="+mn-cs"/>
-                </a:defRPr>
-              </a:lvl8pPr>
-              <a:lvl9pPr marL="3657600" algn="l" defTabSz="457200" rtl="0" eaLnBrk="1" latinLnBrk="0" hangingPunct="1">
-                <a:defRPr sz="1800" kern="1200">
-                  <a:solidFill>
-                    <a:schemeClr val="lt1"/>
-                  </a:solidFill>
-                  <a:latin typeface="+mn-lt"/>
-                  <a:ea typeface="+mn-ea"/>
-                  <a:cs typeface="+mn-cs"/>
-                </a:defRPr>
-              </a:lvl9pPr>
-            </a:lstStyle>
-            <a:p>
-              <a:pPr algn="ctr"/>
-              <a:endParaRPr lang="en-US"/>
-            </a:p>
-          </p:txBody>
-        </p:sp>
-        <p:sp>
-          <p:nvSpPr>
-            <p:cNvPr id="17" name="Oval 16">
-              <a:extLst>
-                <a:ext uri="{FF2B5EF4-FFF2-40B4-BE49-F238E27FC236}">
-                  <a16:creationId xmlns:a16="http://schemas.microsoft.com/office/drawing/2014/main" id="{EDBCC74D-ED96-B462-A320-46B846C64A55}"/>
-                </a:ext>
-              </a:extLst>
-            </p:cNvPr>
-            <p:cNvSpPr/>
-            <p:nvPr/>
-          </p:nvSpPr>
-          <p:spPr>
-            <a:xfrm>
-              <a:off x="1145406" y="3503594"/>
-              <a:ext cx="221381" cy="221381"/>
-            </a:xfrm>
-            <a:prstGeom prst="ellipse">
-              <a:avLst/>
-            </a:prstGeom>
-            <a:solidFill>
-              <a:srgbClr val="FFC000"/>
-            </a:solidFill>
-          </p:spPr>
-          <p:style>
-            <a:lnRef idx="2">
-              <a:schemeClr val="accent1">
-                <a:shade val="50000"/>
-              </a:schemeClr>
-            </a:lnRef>
-            <a:fillRef idx="1">
-              <a:schemeClr val="accent1"/>
-            </a:fillRef>
-            <a:effectRef idx="0">
-              <a:schemeClr val="accent1"/>
-            </a:effectRef>
-            <a:fontRef idx="minor">
-              <a:schemeClr val="lt1"/>
-            </a:fontRef>
-          </p:style>
-          <p:txBody>
-            <a:bodyPr rtlCol="0" anchor="ctr"/>
-            <a:lstStyle>
-              <a:defPPr>
-                <a:defRPr lang="en-US"/>
-              </a:defPPr>
-              <a:lvl1pPr marL="0" algn="l" defTabSz="457200" rtl="0" eaLnBrk="1" latinLnBrk="0" hangingPunct="1">
-                <a:defRPr sz="1800" kern="1200">
-                  <a:solidFill>
-                    <a:schemeClr val="lt1"/>
-                  </a:solidFill>
-                  <a:latin typeface="+mn-lt"/>
-                  <a:ea typeface="+mn-ea"/>
-                  <a:cs typeface="+mn-cs"/>
-                </a:defRPr>
-              </a:lvl1pPr>
-              <a:lvl2pPr marL="457200" algn="l" defTabSz="457200" rtl="0" eaLnBrk="1" latinLnBrk="0" hangingPunct="1">
-                <a:defRPr sz="1800" kern="1200">
-                  <a:solidFill>
-                    <a:schemeClr val="lt1"/>
-                  </a:solidFill>
-                  <a:latin typeface="+mn-lt"/>
-                  <a:ea typeface="+mn-ea"/>
-                  <a:cs typeface="+mn-cs"/>
-                </a:defRPr>
-              </a:lvl2pPr>
-              <a:lvl3pPr marL="914400" algn="l" defTabSz="457200" rtl="0" eaLnBrk="1" latinLnBrk="0" hangingPunct="1">
-                <a:defRPr sz="1800" kern="1200">
-                  <a:solidFill>
-                    <a:schemeClr val="lt1"/>
-                  </a:solidFill>
-                  <a:latin typeface="+mn-lt"/>
-                  <a:ea typeface="+mn-ea"/>
-                  <a:cs typeface="+mn-cs"/>
-                </a:defRPr>
-              </a:lvl3pPr>
-              <a:lvl4pPr marL="1371600" algn="l" defTabSz="457200" rtl="0" eaLnBrk="1" latinLnBrk="0" hangingPunct="1">
-                <a:defRPr sz="1800" kern="1200">
-                  <a:solidFill>
-                    <a:schemeClr val="lt1"/>
-                  </a:solidFill>
-                  <a:latin typeface="+mn-lt"/>
-                  <a:ea typeface="+mn-ea"/>
-                  <a:cs typeface="+mn-cs"/>
-                </a:defRPr>
-              </a:lvl4pPr>
-              <a:lvl5pPr marL="1828800" algn="l" defTabSz="457200" rtl="0" eaLnBrk="1" latinLnBrk="0" hangingPunct="1">
-                <a:defRPr sz="1800" kern="1200">
-                  <a:solidFill>
-                    <a:schemeClr val="lt1"/>
-                  </a:solidFill>
-                  <a:latin typeface="+mn-lt"/>
-                  <a:ea typeface="+mn-ea"/>
-                  <a:cs typeface="+mn-cs"/>
-                </a:defRPr>
-              </a:lvl5pPr>
-              <a:lvl6pPr marL="2286000" algn="l" defTabSz="457200" rtl="0" eaLnBrk="1" latinLnBrk="0" hangingPunct="1">
-                <a:defRPr sz="1800" kern="1200">
-                  <a:solidFill>
-                    <a:schemeClr val="lt1"/>
-                  </a:solidFill>
-                  <a:latin typeface="+mn-lt"/>
-                  <a:ea typeface="+mn-ea"/>
-                  <a:cs typeface="+mn-cs"/>
-                </a:defRPr>
-              </a:lvl6pPr>
-              <a:lvl7pPr marL="2743200" algn="l" defTabSz="457200" rtl="0" eaLnBrk="1" latinLnBrk="0" hangingPunct="1">
-                <a:defRPr sz="1800" kern="1200">
-                  <a:solidFill>
-                    <a:schemeClr val="lt1"/>
-                  </a:solidFill>
-                  <a:latin typeface="+mn-lt"/>
-                  <a:ea typeface="+mn-ea"/>
-                  <a:cs typeface="+mn-cs"/>
-                </a:defRPr>
-              </a:lvl7pPr>
-              <a:lvl8pPr marL="3200400" algn="l" defTabSz="457200" rtl="0" eaLnBrk="1" latinLnBrk="0" hangingPunct="1">
-                <a:defRPr sz="1800" kern="1200">
-                  <a:solidFill>
-                    <a:schemeClr val="lt1"/>
-                  </a:solidFill>
-                  <a:latin typeface="+mn-lt"/>
-                  <a:ea typeface="+mn-ea"/>
-                  <a:cs typeface="+mn-cs"/>
-                </a:defRPr>
-              </a:lvl8pPr>
-              <a:lvl9pPr marL="3657600" algn="l" defTabSz="457200" rtl="0" eaLnBrk="1" latinLnBrk="0" hangingPunct="1">
-                <a:defRPr sz="1800" kern="1200">
-                  <a:solidFill>
-                    <a:schemeClr val="lt1"/>
-                  </a:solidFill>
-                  <a:latin typeface="+mn-lt"/>
-                  <a:ea typeface="+mn-ea"/>
-                  <a:cs typeface="+mn-cs"/>
-                </a:defRPr>
-              </a:lvl9pPr>
-            </a:lstStyle>
-            <a:p>
-              <a:pPr algn="ctr"/>
-              <a:endParaRPr lang="en-US"/>
-            </a:p>
-          </p:txBody>
-        </p:sp>
-        <p:sp>
-          <p:nvSpPr>
-            <p:cNvPr id="18" name="Oval 17">
-              <a:extLst>
-                <a:ext uri="{FF2B5EF4-FFF2-40B4-BE49-F238E27FC236}">
-                  <a16:creationId xmlns:a16="http://schemas.microsoft.com/office/drawing/2014/main" id="{05294E98-7CDB-F44B-1386-D86552953524}"/>
-                </a:ext>
-              </a:extLst>
-            </p:cNvPr>
-            <p:cNvSpPr/>
-            <p:nvPr/>
-          </p:nvSpPr>
-          <p:spPr>
-            <a:xfrm>
-              <a:off x="3397718" y="1698858"/>
-              <a:ext cx="221381" cy="221381"/>
-            </a:xfrm>
-            <a:prstGeom prst="ellipse">
-              <a:avLst/>
-            </a:prstGeom>
-            <a:solidFill>
-              <a:srgbClr val="FFC000"/>
-            </a:solidFill>
-          </p:spPr>
-          <p:style>
-            <a:lnRef idx="2">
-              <a:schemeClr val="accent1">
-                <a:shade val="50000"/>
-              </a:schemeClr>
-            </a:lnRef>
-            <a:fillRef idx="1">
-              <a:schemeClr val="accent1"/>
-            </a:fillRef>
-            <a:effectRef idx="0">
-              <a:schemeClr val="accent1"/>
-            </a:effectRef>
-            <a:fontRef idx="minor">
-              <a:schemeClr val="lt1"/>
-            </a:fontRef>
-          </p:style>
-          <p:txBody>
-            <a:bodyPr rtlCol="0" anchor="ctr"/>
-            <a:lstStyle>
-              <a:defPPr>
-                <a:defRPr lang="en-US"/>
-              </a:defPPr>
-              <a:lvl1pPr marL="0" algn="l" defTabSz="457200" rtl="0" eaLnBrk="1" latinLnBrk="0" hangingPunct="1">
-                <a:defRPr sz="1800" kern="1200">
-                  <a:solidFill>
-                    <a:schemeClr val="lt1"/>
-                  </a:solidFill>
-                  <a:latin typeface="+mn-lt"/>
-                  <a:ea typeface="+mn-ea"/>
-                  <a:cs typeface="+mn-cs"/>
-                </a:defRPr>
-              </a:lvl1pPr>
-              <a:lvl2pPr marL="457200" algn="l" defTabSz="457200" rtl="0" eaLnBrk="1" latinLnBrk="0" hangingPunct="1">
-                <a:defRPr sz="1800" kern="1200">
-                  <a:solidFill>
-                    <a:schemeClr val="lt1"/>
-                  </a:solidFill>
-                  <a:latin typeface="+mn-lt"/>
-                  <a:ea typeface="+mn-ea"/>
-                  <a:cs typeface="+mn-cs"/>
-                </a:defRPr>
-              </a:lvl2pPr>
-              <a:lvl3pPr marL="914400" algn="l" defTabSz="457200" rtl="0" eaLnBrk="1" latinLnBrk="0" hangingPunct="1">
-                <a:defRPr sz="1800" kern="1200">
-                  <a:solidFill>
-                    <a:schemeClr val="lt1"/>
-                  </a:solidFill>
-                  <a:latin typeface="+mn-lt"/>
-                  <a:ea typeface="+mn-ea"/>
-                  <a:cs typeface="+mn-cs"/>
-                </a:defRPr>
-              </a:lvl3pPr>
-              <a:lvl4pPr marL="1371600" algn="l" defTabSz="457200" rtl="0" eaLnBrk="1" latinLnBrk="0" hangingPunct="1">
-                <a:defRPr sz="1800" kern="1200">
-                  <a:solidFill>
-                    <a:schemeClr val="lt1"/>
-                  </a:solidFill>
-                  <a:latin typeface="+mn-lt"/>
-                  <a:ea typeface="+mn-ea"/>
-                  <a:cs typeface="+mn-cs"/>
-                </a:defRPr>
-              </a:lvl4pPr>
-              <a:lvl5pPr marL="1828800" algn="l" defTabSz="457200" rtl="0" eaLnBrk="1" latinLnBrk="0" hangingPunct="1">
-                <a:defRPr sz="1800" kern="1200">
-                  <a:solidFill>
-                    <a:schemeClr val="lt1"/>
-                  </a:solidFill>
-                  <a:latin typeface="+mn-lt"/>
-                  <a:ea typeface="+mn-ea"/>
-                  <a:cs typeface="+mn-cs"/>
-                </a:defRPr>
-              </a:lvl5pPr>
-              <a:lvl6pPr marL="2286000" algn="l" defTabSz="457200" rtl="0" eaLnBrk="1" latinLnBrk="0" hangingPunct="1">
-                <a:defRPr sz="1800" kern="1200">
-                  <a:solidFill>
-                    <a:schemeClr val="lt1"/>
-                  </a:solidFill>
-                  <a:latin typeface="+mn-lt"/>
-                  <a:ea typeface="+mn-ea"/>
-                  <a:cs typeface="+mn-cs"/>
-                </a:defRPr>
-              </a:lvl6pPr>
-              <a:lvl7pPr marL="2743200" algn="l" defTabSz="457200" rtl="0" eaLnBrk="1" latinLnBrk="0" hangingPunct="1">
-                <a:defRPr sz="1800" kern="1200">
-                  <a:solidFill>
-                    <a:schemeClr val="lt1"/>
-                  </a:solidFill>
-                  <a:latin typeface="+mn-lt"/>
-                  <a:ea typeface="+mn-ea"/>
-                  <a:cs typeface="+mn-cs"/>
-                </a:defRPr>
-              </a:lvl7pPr>
-              <a:lvl8pPr marL="3200400" algn="l" defTabSz="457200" rtl="0" eaLnBrk="1" latinLnBrk="0" hangingPunct="1">
-                <a:defRPr sz="1800" kern="1200">
-                  <a:solidFill>
-                    <a:schemeClr val="lt1"/>
-                  </a:solidFill>
-                  <a:latin typeface="+mn-lt"/>
-                  <a:ea typeface="+mn-ea"/>
-                  <a:cs typeface="+mn-cs"/>
-                </a:defRPr>
-              </a:lvl8pPr>
-              <a:lvl9pPr marL="3657600" algn="l" defTabSz="457200" rtl="0" eaLnBrk="1" latinLnBrk="0" hangingPunct="1">
-                <a:defRPr sz="1800" kern="1200">
-                  <a:solidFill>
-                    <a:schemeClr val="lt1"/>
-                  </a:solidFill>
-                  <a:latin typeface="+mn-lt"/>
-                  <a:ea typeface="+mn-ea"/>
-                  <a:cs typeface="+mn-cs"/>
-                </a:defRPr>
-              </a:lvl9pPr>
-            </a:lstStyle>
-            <a:p>
-              <a:pPr algn="ctr"/>
-              <a:endParaRPr lang="en-US"/>
-            </a:p>
-          </p:txBody>
-        </p:sp>
-        <p:sp>
-          <p:nvSpPr>
-            <p:cNvPr id="19" name="Oval 18">
-              <a:extLst>
-                <a:ext uri="{FF2B5EF4-FFF2-40B4-BE49-F238E27FC236}">
-                  <a16:creationId xmlns:a16="http://schemas.microsoft.com/office/drawing/2014/main" id="{6F3761EA-1DB9-5D53-433D-A73D186446E4}"/>
-                </a:ext>
-              </a:extLst>
-            </p:cNvPr>
-            <p:cNvSpPr/>
-            <p:nvPr/>
-          </p:nvSpPr>
-          <p:spPr>
-            <a:xfrm>
-              <a:off x="3397718" y="3503594"/>
-              <a:ext cx="221381" cy="221381"/>
-            </a:xfrm>
-            <a:prstGeom prst="ellipse">
-              <a:avLst/>
-            </a:prstGeom>
-            <a:solidFill>
-              <a:srgbClr val="FFC000"/>
-            </a:solidFill>
-          </p:spPr>
-          <p:style>
-            <a:lnRef idx="2">
-              <a:schemeClr val="accent1">
-                <a:shade val="50000"/>
-              </a:schemeClr>
-            </a:lnRef>
-            <a:fillRef idx="1">
-              <a:schemeClr val="accent1"/>
-            </a:fillRef>
-            <a:effectRef idx="0">
-              <a:schemeClr val="accent1"/>
-            </a:effectRef>
-            <a:fontRef idx="minor">
-              <a:schemeClr val="lt1"/>
-            </a:fontRef>
-          </p:style>
-          <p:txBody>
-            <a:bodyPr rtlCol="0" anchor="ctr"/>
-            <a:lstStyle>
-              <a:defPPr>
-                <a:defRPr lang="en-US"/>
-              </a:defPPr>
-              <a:lvl1pPr marL="0" algn="l" defTabSz="457200" rtl="0" eaLnBrk="1" latinLnBrk="0" hangingPunct="1">
-                <a:defRPr sz="1800" kern="1200">
-                  <a:solidFill>
-                    <a:schemeClr val="lt1"/>
-                  </a:solidFill>
-                  <a:latin typeface="+mn-lt"/>
-                  <a:ea typeface="+mn-ea"/>
-                  <a:cs typeface="+mn-cs"/>
-                </a:defRPr>
-              </a:lvl1pPr>
-              <a:lvl2pPr marL="457200" algn="l" defTabSz="457200" rtl="0" eaLnBrk="1" latinLnBrk="0" hangingPunct="1">
-                <a:defRPr sz="1800" kern="1200">
-                  <a:solidFill>
-                    <a:schemeClr val="lt1"/>
-                  </a:solidFill>
-                  <a:latin typeface="+mn-lt"/>
-                  <a:ea typeface="+mn-ea"/>
-                  <a:cs typeface="+mn-cs"/>
-                </a:defRPr>
-              </a:lvl2pPr>
-              <a:lvl3pPr marL="914400" algn="l" defTabSz="457200" rtl="0" eaLnBrk="1" latinLnBrk="0" hangingPunct="1">
-                <a:defRPr sz="1800" kern="1200">
-                  <a:solidFill>
-                    <a:schemeClr val="lt1"/>
-                  </a:solidFill>
-                  <a:latin typeface="+mn-lt"/>
-                  <a:ea typeface="+mn-ea"/>
-                  <a:cs typeface="+mn-cs"/>
-                </a:defRPr>
-              </a:lvl3pPr>
-              <a:lvl4pPr marL="1371600" algn="l" defTabSz="457200" rtl="0" eaLnBrk="1" latinLnBrk="0" hangingPunct="1">
-                <a:defRPr sz="1800" kern="1200">
-                  <a:solidFill>
-                    <a:schemeClr val="lt1"/>
-                  </a:solidFill>
-                  <a:latin typeface="+mn-lt"/>
-                  <a:ea typeface="+mn-ea"/>
-                  <a:cs typeface="+mn-cs"/>
-                </a:defRPr>
-              </a:lvl4pPr>
-              <a:lvl5pPr marL="1828800" algn="l" defTabSz="457200" rtl="0" eaLnBrk="1" latinLnBrk="0" hangingPunct="1">
-                <a:defRPr sz="1800" kern="1200">
-                  <a:solidFill>
-                    <a:schemeClr val="lt1"/>
-                  </a:solidFill>
-                  <a:latin typeface="+mn-lt"/>
-                  <a:ea typeface="+mn-ea"/>
-                  <a:cs typeface="+mn-cs"/>
-                </a:defRPr>
-              </a:lvl5pPr>
-              <a:lvl6pPr marL="2286000" algn="l" defTabSz="457200" rtl="0" eaLnBrk="1" latinLnBrk="0" hangingPunct="1">
-                <a:defRPr sz="1800" kern="1200">
-                  <a:solidFill>
-                    <a:schemeClr val="lt1"/>
-                  </a:solidFill>
-                  <a:latin typeface="+mn-lt"/>
-                  <a:ea typeface="+mn-ea"/>
-                  <a:cs typeface="+mn-cs"/>
-                </a:defRPr>
-              </a:lvl6pPr>
-              <a:lvl7pPr marL="2743200" algn="l" defTabSz="457200" rtl="0" eaLnBrk="1" latinLnBrk="0" hangingPunct="1">
-                <a:defRPr sz="1800" kern="1200">
-                  <a:solidFill>
-                    <a:schemeClr val="lt1"/>
-                  </a:solidFill>
-                  <a:latin typeface="+mn-lt"/>
-                  <a:ea typeface="+mn-ea"/>
-                  <a:cs typeface="+mn-cs"/>
-                </a:defRPr>
-              </a:lvl7pPr>
-              <a:lvl8pPr marL="3200400" algn="l" defTabSz="457200" rtl="0" eaLnBrk="1" latinLnBrk="0" hangingPunct="1">
-                <a:defRPr sz="1800" kern="1200">
-                  <a:solidFill>
-                    <a:schemeClr val="lt1"/>
-                  </a:solidFill>
-                  <a:latin typeface="+mn-lt"/>
-                  <a:ea typeface="+mn-ea"/>
-                  <a:cs typeface="+mn-cs"/>
-                </a:defRPr>
-              </a:lvl8pPr>
-              <a:lvl9pPr marL="3657600" algn="l" defTabSz="457200" rtl="0" eaLnBrk="1" latinLnBrk="0" hangingPunct="1">
-                <a:defRPr sz="1800" kern="1200">
-                  <a:solidFill>
-                    <a:schemeClr val="lt1"/>
-                  </a:solidFill>
-                  <a:latin typeface="+mn-lt"/>
-                  <a:ea typeface="+mn-ea"/>
-                  <a:cs typeface="+mn-cs"/>
-                </a:defRPr>
-              </a:lvl9pPr>
-            </a:lstStyle>
-            <a:p>
-              <a:pPr algn="ctr"/>
-              <a:endParaRPr lang="en-US"/>
-            </a:p>
-          </p:txBody>
-        </p:sp>
-        <p:cxnSp>
-          <p:nvCxnSpPr>
-            <p:cNvPr id="20" name="Straight Connector 19">
-              <a:extLst>
-                <a:ext uri="{FF2B5EF4-FFF2-40B4-BE49-F238E27FC236}">
-                  <a16:creationId xmlns:a16="http://schemas.microsoft.com/office/drawing/2014/main" id="{11249966-2923-5F39-CF35-FBCDDCDB3298}"/>
-                </a:ext>
-              </a:extLst>
-            </p:cNvPr>
-            <p:cNvCxnSpPr>
-              <a:cxnSpLocks/>
-              <a:stCxn id="16" idx="4"/>
-              <a:endCxn id="17" idx="0"/>
-            </p:cNvCxnSpPr>
-            <p:nvPr/>
-          </p:nvCxnSpPr>
-          <p:spPr>
-            <a:xfrm>
-              <a:off x="1256097" y="1920239"/>
-              <a:ext cx="0" cy="1583355"/>
-            </a:xfrm>
-            <a:prstGeom prst="line">
-              <a:avLst/>
-            </a:prstGeom>
-            <a:ln w="28575">
-              <a:solidFill>
-                <a:srgbClr val="FFC000"/>
-              </a:solidFill>
-            </a:ln>
-          </p:spPr>
-          <p:style>
-            <a:lnRef idx="1">
-              <a:schemeClr val="accent1"/>
-            </a:lnRef>
-            <a:fillRef idx="0">
-              <a:schemeClr val="accent1"/>
-            </a:fillRef>
-            <a:effectRef idx="0">
-              <a:schemeClr val="accent1"/>
-            </a:effectRef>
-            <a:fontRef idx="minor">
-              <a:schemeClr val="tx1"/>
-            </a:fontRef>
-          </p:style>
-        </p:cxnSp>
-        <p:cxnSp>
-          <p:nvCxnSpPr>
-            <p:cNvPr id="21" name="Straight Connector 20">
-              <a:extLst>
-                <a:ext uri="{FF2B5EF4-FFF2-40B4-BE49-F238E27FC236}">
-                  <a16:creationId xmlns:a16="http://schemas.microsoft.com/office/drawing/2014/main" id="{5173DBF7-F214-CEBF-929E-90AB8E474ACC}"/>
-                </a:ext>
-              </a:extLst>
-            </p:cNvPr>
-            <p:cNvCxnSpPr>
-              <a:cxnSpLocks/>
-              <a:stCxn id="14" idx="6"/>
-              <a:endCxn id="15" idx="2"/>
-            </p:cNvCxnSpPr>
-            <p:nvPr/>
-          </p:nvCxnSpPr>
-          <p:spPr>
-            <a:xfrm>
-              <a:off x="1823987" y="1352349"/>
-              <a:ext cx="1126157" cy="0"/>
-            </a:xfrm>
-            <a:prstGeom prst="line">
-              <a:avLst/>
-            </a:prstGeom>
-            <a:ln w="28575">
-              <a:solidFill>
-                <a:srgbClr val="FFC000"/>
-              </a:solidFill>
-            </a:ln>
-          </p:spPr>
-          <p:style>
-            <a:lnRef idx="1">
-              <a:schemeClr val="accent1"/>
-            </a:lnRef>
-            <a:fillRef idx="0">
-              <a:schemeClr val="accent1"/>
-            </a:fillRef>
-            <a:effectRef idx="0">
-              <a:schemeClr val="accent1"/>
-            </a:effectRef>
-            <a:fontRef idx="minor">
-              <a:schemeClr val="tx1"/>
-            </a:fontRef>
-          </p:style>
-        </p:cxnSp>
-        <p:cxnSp>
-          <p:nvCxnSpPr>
-            <p:cNvPr id="22" name="Straight Connector 21">
-              <a:extLst>
-                <a:ext uri="{FF2B5EF4-FFF2-40B4-BE49-F238E27FC236}">
-                  <a16:creationId xmlns:a16="http://schemas.microsoft.com/office/drawing/2014/main" id="{E057EE96-4BC2-484C-A61F-9930722ADDC9}"/>
-                </a:ext>
-              </a:extLst>
-            </p:cNvPr>
-            <p:cNvCxnSpPr>
-              <a:cxnSpLocks/>
-              <a:stCxn id="18" idx="4"/>
-              <a:endCxn id="19" idx="0"/>
-            </p:cNvCxnSpPr>
-            <p:nvPr/>
-          </p:nvCxnSpPr>
-          <p:spPr>
-            <a:xfrm>
-              <a:off x="3508409" y="1920239"/>
-              <a:ext cx="0" cy="1583355"/>
-            </a:xfrm>
-            <a:prstGeom prst="line">
-              <a:avLst/>
-            </a:prstGeom>
-            <a:ln w="28575">
-              <a:solidFill>
-                <a:srgbClr val="FFC000"/>
-              </a:solidFill>
-            </a:ln>
-          </p:spPr>
-          <p:style>
-            <a:lnRef idx="1">
-              <a:schemeClr val="accent1"/>
-            </a:lnRef>
-            <a:fillRef idx="0">
-              <a:schemeClr val="accent1"/>
-            </a:fillRef>
-            <a:effectRef idx="0">
-              <a:schemeClr val="accent1"/>
-            </a:effectRef>
-            <a:fontRef idx="minor">
-              <a:schemeClr val="tx1"/>
-            </a:fontRef>
-          </p:style>
-        </p:cxnSp>
-        <p:sp>
-          <p:nvSpPr>
-            <p:cNvPr id="23" name="Oval 22">
-              <a:extLst>
-                <a:ext uri="{FF2B5EF4-FFF2-40B4-BE49-F238E27FC236}">
-                  <a16:creationId xmlns:a16="http://schemas.microsoft.com/office/drawing/2014/main" id="{A5634327-9A52-187B-767F-69AC0939EBFD}"/>
-                </a:ext>
-              </a:extLst>
-            </p:cNvPr>
-            <p:cNvSpPr/>
-            <p:nvPr/>
-          </p:nvSpPr>
-          <p:spPr>
-            <a:xfrm>
-              <a:off x="1602606" y="3975233"/>
-              <a:ext cx="221381" cy="221381"/>
-            </a:xfrm>
-            <a:prstGeom prst="ellipse">
-              <a:avLst/>
-            </a:prstGeom>
-            <a:solidFill>
-              <a:srgbClr val="FFC000"/>
-            </a:solidFill>
-          </p:spPr>
-          <p:style>
-            <a:lnRef idx="2">
-              <a:schemeClr val="accent1">
-                <a:shade val="50000"/>
-              </a:schemeClr>
-            </a:lnRef>
-            <a:fillRef idx="1">
-              <a:schemeClr val="accent1"/>
-            </a:fillRef>
-            <a:effectRef idx="0">
-              <a:schemeClr val="accent1"/>
-            </a:effectRef>
-            <a:fontRef idx="minor">
-              <a:schemeClr val="lt1"/>
-            </a:fontRef>
-          </p:style>
-          <p:txBody>
-            <a:bodyPr rtlCol="0" anchor="ctr"/>
-            <a:lstStyle>
-              <a:defPPr>
-                <a:defRPr lang="en-US"/>
-              </a:defPPr>
-              <a:lvl1pPr marL="0" algn="l" defTabSz="457200" rtl="0" eaLnBrk="1" latinLnBrk="0" hangingPunct="1">
-                <a:defRPr sz="1800" kern="1200">
-                  <a:solidFill>
-                    <a:schemeClr val="lt1"/>
-                  </a:solidFill>
-                  <a:latin typeface="+mn-lt"/>
-                  <a:ea typeface="+mn-ea"/>
-                  <a:cs typeface="+mn-cs"/>
-                </a:defRPr>
-              </a:lvl1pPr>
-              <a:lvl2pPr marL="457200" algn="l" defTabSz="457200" rtl="0" eaLnBrk="1" latinLnBrk="0" hangingPunct="1">
-                <a:defRPr sz="1800" kern="1200">
-                  <a:solidFill>
-                    <a:schemeClr val="lt1"/>
-                  </a:solidFill>
-                  <a:latin typeface="+mn-lt"/>
-                  <a:ea typeface="+mn-ea"/>
-                  <a:cs typeface="+mn-cs"/>
-                </a:defRPr>
-              </a:lvl2pPr>
-              <a:lvl3pPr marL="914400" algn="l" defTabSz="457200" rtl="0" eaLnBrk="1" latinLnBrk="0" hangingPunct="1">
-                <a:defRPr sz="1800" kern="1200">
-                  <a:solidFill>
-                    <a:schemeClr val="lt1"/>
-                  </a:solidFill>
-                  <a:latin typeface="+mn-lt"/>
-                  <a:ea typeface="+mn-ea"/>
-                  <a:cs typeface="+mn-cs"/>
-                </a:defRPr>
-              </a:lvl3pPr>
-              <a:lvl4pPr marL="1371600" algn="l" defTabSz="457200" rtl="0" eaLnBrk="1" latinLnBrk="0" hangingPunct="1">
-                <a:defRPr sz="1800" kern="1200">
-                  <a:solidFill>
-                    <a:schemeClr val="lt1"/>
-                  </a:solidFill>
-                  <a:latin typeface="+mn-lt"/>
-                  <a:ea typeface="+mn-ea"/>
-                  <a:cs typeface="+mn-cs"/>
-                </a:defRPr>
-              </a:lvl4pPr>
-              <a:lvl5pPr marL="1828800" algn="l" defTabSz="457200" rtl="0" eaLnBrk="1" latinLnBrk="0" hangingPunct="1">
-                <a:defRPr sz="1800" kern="1200">
-                  <a:solidFill>
-                    <a:schemeClr val="lt1"/>
-                  </a:solidFill>
-                  <a:latin typeface="+mn-lt"/>
-                  <a:ea typeface="+mn-ea"/>
-                  <a:cs typeface="+mn-cs"/>
-                </a:defRPr>
-              </a:lvl5pPr>
-              <a:lvl6pPr marL="2286000" algn="l" defTabSz="457200" rtl="0" eaLnBrk="1" latinLnBrk="0" hangingPunct="1">
-                <a:defRPr sz="1800" kern="1200">
-                  <a:solidFill>
-                    <a:schemeClr val="lt1"/>
-                  </a:solidFill>
-                  <a:latin typeface="+mn-lt"/>
-                  <a:ea typeface="+mn-ea"/>
-                  <a:cs typeface="+mn-cs"/>
-                </a:defRPr>
-              </a:lvl6pPr>
-              <a:lvl7pPr marL="2743200" algn="l" defTabSz="457200" rtl="0" eaLnBrk="1" latinLnBrk="0" hangingPunct="1">
-                <a:defRPr sz="1800" kern="1200">
-                  <a:solidFill>
-                    <a:schemeClr val="lt1"/>
-                  </a:solidFill>
-                  <a:latin typeface="+mn-lt"/>
-                  <a:ea typeface="+mn-ea"/>
-                  <a:cs typeface="+mn-cs"/>
-                </a:defRPr>
-              </a:lvl7pPr>
-              <a:lvl8pPr marL="3200400" algn="l" defTabSz="457200" rtl="0" eaLnBrk="1" latinLnBrk="0" hangingPunct="1">
-                <a:defRPr sz="1800" kern="1200">
-                  <a:solidFill>
-                    <a:schemeClr val="lt1"/>
-                  </a:solidFill>
-                  <a:latin typeface="+mn-lt"/>
-                  <a:ea typeface="+mn-ea"/>
-                  <a:cs typeface="+mn-cs"/>
-                </a:defRPr>
-              </a:lvl8pPr>
-              <a:lvl9pPr marL="3657600" algn="l" defTabSz="457200" rtl="0" eaLnBrk="1" latinLnBrk="0" hangingPunct="1">
-                <a:defRPr sz="1800" kern="1200">
-                  <a:solidFill>
-                    <a:schemeClr val="lt1"/>
-                  </a:solidFill>
-                  <a:latin typeface="+mn-lt"/>
-                  <a:ea typeface="+mn-ea"/>
-                  <a:cs typeface="+mn-cs"/>
-                </a:defRPr>
-              </a:lvl9pPr>
-            </a:lstStyle>
-            <a:p>
-              <a:pPr algn="ctr"/>
-              <a:endParaRPr lang="en-US"/>
-            </a:p>
-          </p:txBody>
-        </p:sp>
-        <p:sp>
-          <p:nvSpPr>
-            <p:cNvPr id="24" name="Oval 23">
-              <a:extLst>
-                <a:ext uri="{FF2B5EF4-FFF2-40B4-BE49-F238E27FC236}">
-                  <a16:creationId xmlns:a16="http://schemas.microsoft.com/office/drawing/2014/main" id="{9D36AFA8-C852-1885-29F1-22B72AF0FC05}"/>
-                </a:ext>
-              </a:extLst>
-            </p:cNvPr>
-            <p:cNvSpPr/>
-            <p:nvPr/>
-          </p:nvSpPr>
-          <p:spPr>
-            <a:xfrm>
-              <a:off x="2945331" y="3975232"/>
-              <a:ext cx="221381" cy="221381"/>
-            </a:xfrm>
-            <a:prstGeom prst="ellipse">
-              <a:avLst/>
-            </a:prstGeom>
-            <a:solidFill>
-              <a:srgbClr val="FFC000"/>
-            </a:solidFill>
-          </p:spPr>
-          <p:style>
-            <a:lnRef idx="2">
-              <a:schemeClr val="accent1">
-                <a:shade val="50000"/>
-              </a:schemeClr>
-            </a:lnRef>
-            <a:fillRef idx="1">
-              <a:schemeClr val="accent1"/>
-            </a:fillRef>
-            <a:effectRef idx="0">
-              <a:schemeClr val="accent1"/>
-            </a:effectRef>
-            <a:fontRef idx="minor">
-              <a:schemeClr val="lt1"/>
-            </a:fontRef>
-          </p:style>
-          <p:txBody>
-            <a:bodyPr rtlCol="0" anchor="ctr"/>
-            <a:lstStyle>
-              <a:defPPr>
-                <a:defRPr lang="en-US"/>
-              </a:defPPr>
-              <a:lvl1pPr marL="0" algn="l" defTabSz="457200" rtl="0" eaLnBrk="1" latinLnBrk="0" hangingPunct="1">
-                <a:defRPr sz="1800" kern="1200">
-                  <a:solidFill>
-                    <a:schemeClr val="lt1"/>
-                  </a:solidFill>
-                  <a:latin typeface="+mn-lt"/>
-                  <a:ea typeface="+mn-ea"/>
-                  <a:cs typeface="+mn-cs"/>
-                </a:defRPr>
-              </a:lvl1pPr>
-              <a:lvl2pPr marL="457200" algn="l" defTabSz="457200" rtl="0" eaLnBrk="1" latinLnBrk="0" hangingPunct="1">
-                <a:defRPr sz="1800" kern="1200">
-                  <a:solidFill>
-                    <a:schemeClr val="lt1"/>
-                  </a:solidFill>
-                  <a:latin typeface="+mn-lt"/>
-                  <a:ea typeface="+mn-ea"/>
-                  <a:cs typeface="+mn-cs"/>
-                </a:defRPr>
-              </a:lvl2pPr>
-              <a:lvl3pPr marL="914400" algn="l" defTabSz="457200" rtl="0" eaLnBrk="1" latinLnBrk="0" hangingPunct="1">
-                <a:defRPr sz="1800" kern="1200">
-                  <a:solidFill>
-                    <a:schemeClr val="lt1"/>
-                  </a:solidFill>
-                  <a:latin typeface="+mn-lt"/>
-                  <a:ea typeface="+mn-ea"/>
-                  <a:cs typeface="+mn-cs"/>
-                </a:defRPr>
-              </a:lvl3pPr>
-              <a:lvl4pPr marL="1371600" algn="l" defTabSz="457200" rtl="0" eaLnBrk="1" latinLnBrk="0" hangingPunct="1">
-                <a:defRPr sz="1800" kern="1200">
-                  <a:solidFill>
-                    <a:schemeClr val="lt1"/>
-                  </a:solidFill>
-                  <a:latin typeface="+mn-lt"/>
-                  <a:ea typeface="+mn-ea"/>
-                  <a:cs typeface="+mn-cs"/>
-                </a:defRPr>
-              </a:lvl4pPr>
-              <a:lvl5pPr marL="1828800" algn="l" defTabSz="457200" rtl="0" eaLnBrk="1" latinLnBrk="0" hangingPunct="1">
-                <a:defRPr sz="1800" kern="1200">
-                  <a:solidFill>
-                    <a:schemeClr val="lt1"/>
-                  </a:solidFill>
-                  <a:latin typeface="+mn-lt"/>
-                  <a:ea typeface="+mn-ea"/>
-                  <a:cs typeface="+mn-cs"/>
-                </a:defRPr>
-              </a:lvl5pPr>
-              <a:lvl6pPr marL="2286000" algn="l" defTabSz="457200" rtl="0" eaLnBrk="1" latinLnBrk="0" hangingPunct="1">
-                <a:defRPr sz="1800" kern="1200">
-                  <a:solidFill>
-                    <a:schemeClr val="lt1"/>
-                  </a:solidFill>
-                  <a:latin typeface="+mn-lt"/>
-                  <a:ea typeface="+mn-ea"/>
-                  <a:cs typeface="+mn-cs"/>
-                </a:defRPr>
-              </a:lvl6pPr>
-              <a:lvl7pPr marL="2743200" algn="l" defTabSz="457200" rtl="0" eaLnBrk="1" latinLnBrk="0" hangingPunct="1">
-                <a:defRPr sz="1800" kern="1200">
-                  <a:solidFill>
-                    <a:schemeClr val="lt1"/>
-                  </a:solidFill>
-                  <a:latin typeface="+mn-lt"/>
-                  <a:ea typeface="+mn-ea"/>
-                  <a:cs typeface="+mn-cs"/>
-                </a:defRPr>
-              </a:lvl7pPr>
-              <a:lvl8pPr marL="3200400" algn="l" defTabSz="457200" rtl="0" eaLnBrk="1" latinLnBrk="0" hangingPunct="1">
-                <a:defRPr sz="1800" kern="1200">
-                  <a:solidFill>
-                    <a:schemeClr val="lt1"/>
-                  </a:solidFill>
-                  <a:latin typeface="+mn-lt"/>
-                  <a:ea typeface="+mn-ea"/>
-                  <a:cs typeface="+mn-cs"/>
-                </a:defRPr>
-              </a:lvl8pPr>
-              <a:lvl9pPr marL="3657600" algn="l" defTabSz="457200" rtl="0" eaLnBrk="1" latinLnBrk="0" hangingPunct="1">
-                <a:defRPr sz="1800" kern="1200">
-                  <a:solidFill>
-                    <a:schemeClr val="lt1"/>
-                  </a:solidFill>
-                  <a:latin typeface="+mn-lt"/>
-                  <a:ea typeface="+mn-ea"/>
-                  <a:cs typeface="+mn-cs"/>
-                </a:defRPr>
-              </a:lvl9pPr>
-            </a:lstStyle>
-            <a:p>
-              <a:pPr algn="ctr"/>
-              <a:endParaRPr lang="en-US"/>
-            </a:p>
-          </p:txBody>
-        </p:sp>
-        <p:cxnSp>
-          <p:nvCxnSpPr>
-            <p:cNvPr id="25" name="Straight Connector 24">
-              <a:extLst>
-                <a:ext uri="{FF2B5EF4-FFF2-40B4-BE49-F238E27FC236}">
-                  <a16:creationId xmlns:a16="http://schemas.microsoft.com/office/drawing/2014/main" id="{0510879E-0350-4EFB-23F0-0908F4A3613C}"/>
-                </a:ext>
-              </a:extLst>
-            </p:cNvPr>
-            <p:cNvCxnSpPr>
-              <a:cxnSpLocks/>
-              <a:stCxn id="23" idx="6"/>
-              <a:endCxn id="24" idx="2"/>
-            </p:cNvCxnSpPr>
-            <p:nvPr/>
-          </p:nvCxnSpPr>
-          <p:spPr>
-            <a:xfrm flipV="1">
-              <a:off x="1823987" y="4085923"/>
-              <a:ext cx="1121344" cy="1"/>
-            </a:xfrm>
-            <a:prstGeom prst="line">
-              <a:avLst/>
-            </a:prstGeom>
-            <a:ln w="28575">
-              <a:solidFill>
-                <a:srgbClr val="FFC000"/>
-              </a:solidFill>
-            </a:ln>
-          </p:spPr>
-          <p:style>
-            <a:lnRef idx="1">
-              <a:schemeClr val="accent1"/>
-            </a:lnRef>
-            <a:fillRef idx="0">
-              <a:schemeClr val="accent1"/>
-            </a:fillRef>
-            <a:effectRef idx="0">
-              <a:schemeClr val="accent1"/>
-            </a:effectRef>
-            <a:fontRef idx="minor">
-              <a:schemeClr val="tx1"/>
-            </a:fontRef>
-          </p:style>
-        </p:cxnSp>
-        <p:sp>
-          <p:nvSpPr>
-            <p:cNvPr id="26" name="Rectangle 25">
-              <a:extLst>
-                <a:ext uri="{FF2B5EF4-FFF2-40B4-BE49-F238E27FC236}">
-                  <a16:creationId xmlns:a16="http://schemas.microsoft.com/office/drawing/2014/main" id="{6277BA88-97C9-5C56-72CB-6BDB95A1D837}"/>
-                </a:ext>
-              </a:extLst>
-            </p:cNvPr>
-            <p:cNvSpPr/>
-            <p:nvPr/>
-          </p:nvSpPr>
-          <p:spPr>
-            <a:xfrm>
-              <a:off x="6641432" y="895149"/>
-              <a:ext cx="914400" cy="914400"/>
-            </a:xfrm>
-            <a:prstGeom prst="rect">
-              <a:avLst/>
-            </a:prstGeom>
-            <a:solidFill>
-              <a:schemeClr val="bg1"/>
-            </a:solidFill>
-          </p:spPr>
-          <p:style>
-            <a:lnRef idx="2">
-              <a:schemeClr val="accent1">
-                <a:shade val="50000"/>
-              </a:schemeClr>
-            </a:lnRef>
-            <a:fillRef idx="1">
-              <a:schemeClr val="accent1"/>
-            </a:fillRef>
-            <a:effectRef idx="0">
-              <a:schemeClr val="accent1"/>
-            </a:effectRef>
-            <a:fontRef idx="minor">
-              <a:schemeClr val="lt1"/>
-            </a:fontRef>
-          </p:style>
-          <p:txBody>
-            <a:bodyPr rtlCol="0" anchor="ctr"/>
-            <a:lstStyle>
-              <a:defPPr>
-                <a:defRPr lang="en-US"/>
-              </a:defPPr>
-              <a:lvl1pPr marL="0" algn="l" defTabSz="457200" rtl="0" eaLnBrk="1" latinLnBrk="0" hangingPunct="1">
-                <a:defRPr sz="1800" kern="1200">
-                  <a:solidFill>
-                    <a:schemeClr val="lt1"/>
-                  </a:solidFill>
-                  <a:latin typeface="+mn-lt"/>
-                  <a:ea typeface="+mn-ea"/>
-                  <a:cs typeface="+mn-cs"/>
-                </a:defRPr>
-              </a:lvl1pPr>
-              <a:lvl2pPr marL="457200" algn="l" defTabSz="457200" rtl="0" eaLnBrk="1" latinLnBrk="0" hangingPunct="1">
-                <a:defRPr sz="1800" kern="1200">
-                  <a:solidFill>
-                    <a:schemeClr val="lt1"/>
-                  </a:solidFill>
-                  <a:latin typeface="+mn-lt"/>
-                  <a:ea typeface="+mn-ea"/>
-                  <a:cs typeface="+mn-cs"/>
-                </a:defRPr>
-              </a:lvl2pPr>
-              <a:lvl3pPr marL="914400" algn="l" defTabSz="457200" rtl="0" eaLnBrk="1" latinLnBrk="0" hangingPunct="1">
-                <a:defRPr sz="1800" kern="1200">
-                  <a:solidFill>
-                    <a:schemeClr val="lt1"/>
-                  </a:solidFill>
-                  <a:latin typeface="+mn-lt"/>
-                  <a:ea typeface="+mn-ea"/>
-                  <a:cs typeface="+mn-cs"/>
-                </a:defRPr>
-              </a:lvl3pPr>
-              <a:lvl4pPr marL="1371600" algn="l" defTabSz="457200" rtl="0" eaLnBrk="1" latinLnBrk="0" hangingPunct="1">
-                <a:defRPr sz="1800" kern="1200">
-                  <a:solidFill>
-                    <a:schemeClr val="lt1"/>
-                  </a:solidFill>
-                  <a:latin typeface="+mn-lt"/>
-                  <a:ea typeface="+mn-ea"/>
-                  <a:cs typeface="+mn-cs"/>
-                </a:defRPr>
-              </a:lvl4pPr>
-              <a:lvl5pPr marL="1828800" algn="l" defTabSz="457200" rtl="0" eaLnBrk="1" latinLnBrk="0" hangingPunct="1">
-                <a:defRPr sz="1800" kern="1200">
-                  <a:solidFill>
-                    <a:schemeClr val="lt1"/>
-                  </a:solidFill>
-                  <a:latin typeface="+mn-lt"/>
-                  <a:ea typeface="+mn-ea"/>
-                  <a:cs typeface="+mn-cs"/>
-                </a:defRPr>
-              </a:lvl5pPr>
-              <a:lvl6pPr marL="2286000" algn="l" defTabSz="457200" rtl="0" eaLnBrk="1" latinLnBrk="0" hangingPunct="1">
-                <a:defRPr sz="1800" kern="1200">
-                  <a:solidFill>
-                    <a:schemeClr val="lt1"/>
-                  </a:solidFill>
-                  <a:latin typeface="+mn-lt"/>
-                  <a:ea typeface="+mn-ea"/>
-                  <a:cs typeface="+mn-cs"/>
-                </a:defRPr>
-              </a:lvl6pPr>
-              <a:lvl7pPr marL="2743200" algn="l" defTabSz="457200" rtl="0" eaLnBrk="1" latinLnBrk="0" hangingPunct="1">
-                <a:defRPr sz="1800" kern="1200">
-                  <a:solidFill>
-                    <a:schemeClr val="lt1"/>
-                  </a:solidFill>
-                  <a:latin typeface="+mn-lt"/>
-                  <a:ea typeface="+mn-ea"/>
-                  <a:cs typeface="+mn-cs"/>
-                </a:defRPr>
-              </a:lvl7pPr>
-              <a:lvl8pPr marL="3200400" algn="l" defTabSz="457200" rtl="0" eaLnBrk="1" latinLnBrk="0" hangingPunct="1">
-                <a:defRPr sz="1800" kern="1200">
-                  <a:solidFill>
-                    <a:schemeClr val="lt1"/>
-                  </a:solidFill>
-                  <a:latin typeface="+mn-lt"/>
-                  <a:ea typeface="+mn-ea"/>
-                  <a:cs typeface="+mn-cs"/>
-                </a:defRPr>
-              </a:lvl8pPr>
-              <a:lvl9pPr marL="3657600" algn="l" defTabSz="457200" rtl="0" eaLnBrk="1" latinLnBrk="0" hangingPunct="1">
-                <a:defRPr sz="1800" kern="1200">
-                  <a:solidFill>
-                    <a:schemeClr val="lt1"/>
-                  </a:solidFill>
-                  <a:latin typeface="+mn-lt"/>
-                  <a:ea typeface="+mn-ea"/>
-                  <a:cs typeface="+mn-cs"/>
-                </a:defRPr>
-              </a:lvl9pPr>
-            </a:lstStyle>
-            <a:p>
-              <a:pPr algn="ctr"/>
-              <a:endParaRPr lang="en-US"/>
-            </a:p>
-          </p:txBody>
-        </p:sp>
-        <p:sp>
-          <p:nvSpPr>
-            <p:cNvPr id="27" name="Rectangle 26">
-              <a:extLst>
-                <a:ext uri="{FF2B5EF4-FFF2-40B4-BE49-F238E27FC236}">
-                  <a16:creationId xmlns:a16="http://schemas.microsoft.com/office/drawing/2014/main" id="{72628806-2E2B-9D7D-D859-878DCBE40F34}"/>
-                </a:ext>
-              </a:extLst>
-            </p:cNvPr>
-            <p:cNvSpPr/>
-            <p:nvPr/>
-          </p:nvSpPr>
-          <p:spPr>
-            <a:xfrm>
-              <a:off x="6641432" y="3628724"/>
-              <a:ext cx="914400" cy="914400"/>
-            </a:xfrm>
-            <a:prstGeom prst="rect">
-              <a:avLst/>
-            </a:prstGeom>
-            <a:noFill/>
-          </p:spPr>
-          <p:style>
-            <a:lnRef idx="2">
-              <a:schemeClr val="accent1">
-                <a:shade val="50000"/>
-              </a:schemeClr>
-            </a:lnRef>
-            <a:fillRef idx="1">
-              <a:schemeClr val="accent1"/>
-            </a:fillRef>
-            <a:effectRef idx="0">
-              <a:schemeClr val="accent1"/>
-            </a:effectRef>
-            <a:fontRef idx="minor">
-              <a:schemeClr val="lt1"/>
-            </a:fontRef>
-          </p:style>
-          <p:txBody>
-            <a:bodyPr rtlCol="0" anchor="ctr"/>
-            <a:lstStyle>
-              <a:defPPr>
-                <a:defRPr lang="en-US"/>
-              </a:defPPr>
-              <a:lvl1pPr marL="0" algn="l" defTabSz="457200" rtl="0" eaLnBrk="1" latinLnBrk="0" hangingPunct="1">
-                <a:defRPr sz="1800" kern="1200">
-                  <a:solidFill>
-                    <a:schemeClr val="lt1"/>
-                  </a:solidFill>
-                  <a:latin typeface="+mn-lt"/>
-                  <a:ea typeface="+mn-ea"/>
-                  <a:cs typeface="+mn-cs"/>
-                </a:defRPr>
-              </a:lvl1pPr>
-              <a:lvl2pPr marL="457200" algn="l" defTabSz="457200" rtl="0" eaLnBrk="1" latinLnBrk="0" hangingPunct="1">
-                <a:defRPr sz="1800" kern="1200">
-                  <a:solidFill>
-                    <a:schemeClr val="lt1"/>
-                  </a:solidFill>
-                  <a:latin typeface="+mn-lt"/>
-                  <a:ea typeface="+mn-ea"/>
-                  <a:cs typeface="+mn-cs"/>
-                </a:defRPr>
-              </a:lvl2pPr>
-              <a:lvl3pPr marL="914400" algn="l" defTabSz="457200" rtl="0" eaLnBrk="1" latinLnBrk="0" hangingPunct="1">
-                <a:defRPr sz="1800" kern="1200">
-                  <a:solidFill>
-                    <a:schemeClr val="lt1"/>
-                  </a:solidFill>
-                  <a:latin typeface="+mn-lt"/>
-                  <a:ea typeface="+mn-ea"/>
-                  <a:cs typeface="+mn-cs"/>
-                </a:defRPr>
-              </a:lvl3pPr>
-              <a:lvl4pPr marL="1371600" algn="l" defTabSz="457200" rtl="0" eaLnBrk="1" latinLnBrk="0" hangingPunct="1">
-                <a:defRPr sz="1800" kern="1200">
-                  <a:solidFill>
-                    <a:schemeClr val="lt1"/>
-                  </a:solidFill>
-                  <a:latin typeface="+mn-lt"/>
-                  <a:ea typeface="+mn-ea"/>
-                  <a:cs typeface="+mn-cs"/>
-                </a:defRPr>
-              </a:lvl4pPr>
-              <a:lvl5pPr marL="1828800" algn="l" defTabSz="457200" rtl="0" eaLnBrk="1" latinLnBrk="0" hangingPunct="1">
-                <a:defRPr sz="1800" kern="1200">
-                  <a:solidFill>
-                    <a:schemeClr val="lt1"/>
-                  </a:solidFill>
-                  <a:latin typeface="+mn-lt"/>
-                  <a:ea typeface="+mn-ea"/>
-                  <a:cs typeface="+mn-cs"/>
-                </a:defRPr>
-              </a:lvl5pPr>
-              <a:lvl6pPr marL="2286000" algn="l" defTabSz="457200" rtl="0" eaLnBrk="1" latinLnBrk="0" hangingPunct="1">
-                <a:defRPr sz="1800" kern="1200">
-                  <a:solidFill>
-                    <a:schemeClr val="lt1"/>
-                  </a:solidFill>
-                  <a:latin typeface="+mn-lt"/>
-                  <a:ea typeface="+mn-ea"/>
-                  <a:cs typeface="+mn-cs"/>
-                </a:defRPr>
-              </a:lvl6pPr>
-              <a:lvl7pPr marL="2743200" algn="l" defTabSz="457200" rtl="0" eaLnBrk="1" latinLnBrk="0" hangingPunct="1">
-                <a:defRPr sz="1800" kern="1200">
-                  <a:solidFill>
-                    <a:schemeClr val="lt1"/>
-                  </a:solidFill>
-                  <a:latin typeface="+mn-lt"/>
-                  <a:ea typeface="+mn-ea"/>
-                  <a:cs typeface="+mn-cs"/>
-                </a:defRPr>
-              </a:lvl7pPr>
-              <a:lvl8pPr marL="3200400" algn="l" defTabSz="457200" rtl="0" eaLnBrk="1" latinLnBrk="0" hangingPunct="1">
-                <a:defRPr sz="1800" kern="1200">
-                  <a:solidFill>
-                    <a:schemeClr val="lt1"/>
-                  </a:solidFill>
-                  <a:latin typeface="+mn-lt"/>
-                  <a:ea typeface="+mn-ea"/>
-                  <a:cs typeface="+mn-cs"/>
-                </a:defRPr>
-              </a:lvl8pPr>
-              <a:lvl9pPr marL="3657600" algn="l" defTabSz="457200" rtl="0" eaLnBrk="1" latinLnBrk="0" hangingPunct="1">
-                <a:defRPr sz="1800" kern="1200">
-                  <a:solidFill>
-                    <a:schemeClr val="lt1"/>
-                  </a:solidFill>
-                  <a:latin typeface="+mn-lt"/>
-                  <a:ea typeface="+mn-ea"/>
-                  <a:cs typeface="+mn-cs"/>
-                </a:defRPr>
-              </a:lvl9pPr>
-            </a:lstStyle>
-            <a:p>
-              <a:pPr algn="ctr"/>
-              <a:endParaRPr lang="en-US"/>
-            </a:p>
-          </p:txBody>
-        </p:sp>
-        <p:sp>
-          <p:nvSpPr>
-            <p:cNvPr id="28" name="Rectangle 27">
-              <a:extLst>
-                <a:ext uri="{FF2B5EF4-FFF2-40B4-BE49-F238E27FC236}">
-                  <a16:creationId xmlns:a16="http://schemas.microsoft.com/office/drawing/2014/main" id="{624CB0E3-1AB6-4C90-B6F4-8840C061BDB1}"/>
-                </a:ext>
-              </a:extLst>
-            </p:cNvPr>
-            <p:cNvSpPr/>
-            <p:nvPr/>
-          </p:nvSpPr>
-          <p:spPr>
-            <a:xfrm>
-              <a:off x="8898556" y="3628724"/>
-              <a:ext cx="914400" cy="914400"/>
-            </a:xfrm>
-            <a:prstGeom prst="rect">
-              <a:avLst/>
-            </a:prstGeom>
-            <a:noFill/>
-          </p:spPr>
-          <p:style>
-            <a:lnRef idx="2">
-              <a:schemeClr val="accent1">
-                <a:shade val="50000"/>
-              </a:schemeClr>
-            </a:lnRef>
-            <a:fillRef idx="1">
-              <a:schemeClr val="accent1"/>
-            </a:fillRef>
-            <a:effectRef idx="0">
-              <a:schemeClr val="accent1"/>
-            </a:effectRef>
-            <a:fontRef idx="minor">
-              <a:schemeClr val="lt1"/>
-            </a:fontRef>
-          </p:style>
-          <p:txBody>
-            <a:bodyPr rtlCol="0" anchor="ctr"/>
-            <a:lstStyle>
-              <a:defPPr>
-                <a:defRPr lang="en-US"/>
-              </a:defPPr>
-              <a:lvl1pPr marL="0" algn="l" defTabSz="457200" rtl="0" eaLnBrk="1" latinLnBrk="0" hangingPunct="1">
-                <a:defRPr sz="1800" kern="1200">
-                  <a:solidFill>
-                    <a:schemeClr val="lt1"/>
-                  </a:solidFill>
-                  <a:latin typeface="+mn-lt"/>
-                  <a:ea typeface="+mn-ea"/>
-                  <a:cs typeface="+mn-cs"/>
-                </a:defRPr>
-              </a:lvl1pPr>
-              <a:lvl2pPr marL="457200" algn="l" defTabSz="457200" rtl="0" eaLnBrk="1" latinLnBrk="0" hangingPunct="1">
-                <a:defRPr sz="1800" kern="1200">
-                  <a:solidFill>
-                    <a:schemeClr val="lt1"/>
-                  </a:solidFill>
-                  <a:latin typeface="+mn-lt"/>
-                  <a:ea typeface="+mn-ea"/>
-                  <a:cs typeface="+mn-cs"/>
-                </a:defRPr>
-              </a:lvl2pPr>
-              <a:lvl3pPr marL="914400" algn="l" defTabSz="457200" rtl="0" eaLnBrk="1" latinLnBrk="0" hangingPunct="1">
-                <a:defRPr sz="1800" kern="1200">
-                  <a:solidFill>
-                    <a:schemeClr val="lt1"/>
-                  </a:solidFill>
-                  <a:latin typeface="+mn-lt"/>
-                  <a:ea typeface="+mn-ea"/>
-                  <a:cs typeface="+mn-cs"/>
-                </a:defRPr>
-              </a:lvl3pPr>
-              <a:lvl4pPr marL="1371600" algn="l" defTabSz="457200" rtl="0" eaLnBrk="1" latinLnBrk="0" hangingPunct="1">
-                <a:defRPr sz="1800" kern="1200">
-                  <a:solidFill>
-                    <a:schemeClr val="lt1"/>
-                  </a:solidFill>
-                  <a:latin typeface="+mn-lt"/>
-                  <a:ea typeface="+mn-ea"/>
-                  <a:cs typeface="+mn-cs"/>
-                </a:defRPr>
-              </a:lvl4pPr>
-              <a:lvl5pPr marL="1828800" algn="l" defTabSz="457200" rtl="0" eaLnBrk="1" latinLnBrk="0" hangingPunct="1">
-                <a:defRPr sz="1800" kern="1200">
-                  <a:solidFill>
-                    <a:schemeClr val="lt1"/>
-                  </a:solidFill>
-                  <a:latin typeface="+mn-lt"/>
-                  <a:ea typeface="+mn-ea"/>
-                  <a:cs typeface="+mn-cs"/>
-                </a:defRPr>
-              </a:lvl5pPr>
-              <a:lvl6pPr marL="2286000" algn="l" defTabSz="457200" rtl="0" eaLnBrk="1" latinLnBrk="0" hangingPunct="1">
-                <a:defRPr sz="1800" kern="1200">
-                  <a:solidFill>
-                    <a:schemeClr val="lt1"/>
-                  </a:solidFill>
-                  <a:latin typeface="+mn-lt"/>
-                  <a:ea typeface="+mn-ea"/>
-                  <a:cs typeface="+mn-cs"/>
-                </a:defRPr>
-              </a:lvl6pPr>
-              <a:lvl7pPr marL="2743200" algn="l" defTabSz="457200" rtl="0" eaLnBrk="1" latinLnBrk="0" hangingPunct="1">
-                <a:defRPr sz="1800" kern="1200">
-                  <a:solidFill>
-                    <a:schemeClr val="lt1"/>
-                  </a:solidFill>
-                  <a:latin typeface="+mn-lt"/>
-                  <a:ea typeface="+mn-ea"/>
-                  <a:cs typeface="+mn-cs"/>
-                </a:defRPr>
-              </a:lvl7pPr>
-              <a:lvl8pPr marL="3200400" algn="l" defTabSz="457200" rtl="0" eaLnBrk="1" latinLnBrk="0" hangingPunct="1">
-                <a:defRPr sz="1800" kern="1200">
-                  <a:solidFill>
-                    <a:schemeClr val="lt1"/>
-                  </a:solidFill>
-                  <a:latin typeface="+mn-lt"/>
-                  <a:ea typeface="+mn-ea"/>
-                  <a:cs typeface="+mn-cs"/>
-                </a:defRPr>
-              </a:lvl8pPr>
-              <a:lvl9pPr marL="3657600" algn="l" defTabSz="457200" rtl="0" eaLnBrk="1" latinLnBrk="0" hangingPunct="1">
-                <a:defRPr sz="1800" kern="1200">
-                  <a:solidFill>
-                    <a:schemeClr val="lt1"/>
-                  </a:solidFill>
-                  <a:latin typeface="+mn-lt"/>
-                  <a:ea typeface="+mn-ea"/>
-                  <a:cs typeface="+mn-cs"/>
-                </a:defRPr>
-              </a:lvl9pPr>
-            </a:lstStyle>
-            <a:p>
-              <a:pPr algn="ctr"/>
-              <a:endParaRPr lang="en-US"/>
-            </a:p>
-          </p:txBody>
-        </p:sp>
-        <p:sp>
-          <p:nvSpPr>
-            <p:cNvPr id="29" name="Rectangle 28">
-              <a:extLst>
-                <a:ext uri="{FF2B5EF4-FFF2-40B4-BE49-F238E27FC236}">
-                  <a16:creationId xmlns:a16="http://schemas.microsoft.com/office/drawing/2014/main" id="{53C9655E-2F9F-9664-7B92-F8FE0C96E2EA}"/>
-                </a:ext>
-              </a:extLst>
-            </p:cNvPr>
-            <p:cNvSpPr/>
-            <p:nvPr/>
-          </p:nvSpPr>
-          <p:spPr>
-            <a:xfrm>
-              <a:off x="8898556" y="895149"/>
-              <a:ext cx="914400" cy="914400"/>
-            </a:xfrm>
-            <a:prstGeom prst="rect">
-              <a:avLst/>
-            </a:prstGeom>
-            <a:noFill/>
-          </p:spPr>
-          <p:style>
-            <a:lnRef idx="2">
-              <a:schemeClr val="accent1">
-                <a:shade val="50000"/>
-              </a:schemeClr>
-            </a:lnRef>
-            <a:fillRef idx="1">
-              <a:schemeClr val="accent1"/>
-            </a:fillRef>
-            <a:effectRef idx="0">
-              <a:schemeClr val="accent1"/>
-            </a:effectRef>
-            <a:fontRef idx="minor">
-              <a:schemeClr val="lt1"/>
-            </a:fontRef>
-          </p:style>
-          <p:txBody>
-            <a:bodyPr rtlCol="0" anchor="ctr"/>
-            <a:lstStyle>
-              <a:defPPr>
-                <a:defRPr lang="en-US"/>
-              </a:defPPr>
-              <a:lvl1pPr marL="0" algn="l" defTabSz="457200" rtl="0" eaLnBrk="1" latinLnBrk="0" hangingPunct="1">
-                <a:defRPr sz="1800" kern="1200">
-                  <a:solidFill>
-                    <a:schemeClr val="lt1"/>
-                  </a:solidFill>
-                  <a:latin typeface="+mn-lt"/>
-                  <a:ea typeface="+mn-ea"/>
-                  <a:cs typeface="+mn-cs"/>
-                </a:defRPr>
-              </a:lvl1pPr>
-              <a:lvl2pPr marL="457200" algn="l" defTabSz="457200" rtl="0" eaLnBrk="1" latinLnBrk="0" hangingPunct="1">
-                <a:defRPr sz="1800" kern="1200">
-                  <a:solidFill>
-                    <a:schemeClr val="lt1"/>
-                  </a:solidFill>
-                  <a:latin typeface="+mn-lt"/>
-                  <a:ea typeface="+mn-ea"/>
-                  <a:cs typeface="+mn-cs"/>
-                </a:defRPr>
-              </a:lvl2pPr>
-              <a:lvl3pPr marL="914400" algn="l" defTabSz="457200" rtl="0" eaLnBrk="1" latinLnBrk="0" hangingPunct="1">
-                <a:defRPr sz="1800" kern="1200">
-                  <a:solidFill>
-                    <a:schemeClr val="lt1"/>
-                  </a:solidFill>
-                  <a:latin typeface="+mn-lt"/>
-                  <a:ea typeface="+mn-ea"/>
-                  <a:cs typeface="+mn-cs"/>
-                </a:defRPr>
-              </a:lvl3pPr>
-              <a:lvl4pPr marL="1371600" algn="l" defTabSz="457200" rtl="0" eaLnBrk="1" latinLnBrk="0" hangingPunct="1">
-                <a:defRPr sz="1800" kern="1200">
-                  <a:solidFill>
-                    <a:schemeClr val="lt1"/>
-                  </a:solidFill>
-                  <a:latin typeface="+mn-lt"/>
-                  <a:ea typeface="+mn-ea"/>
-                  <a:cs typeface="+mn-cs"/>
-                </a:defRPr>
-              </a:lvl4pPr>
-              <a:lvl5pPr marL="1828800" algn="l" defTabSz="457200" rtl="0" eaLnBrk="1" latinLnBrk="0" hangingPunct="1">
-                <a:defRPr sz="1800" kern="1200">
-                  <a:solidFill>
-                    <a:schemeClr val="lt1"/>
-                  </a:solidFill>
-                  <a:latin typeface="+mn-lt"/>
-                  <a:ea typeface="+mn-ea"/>
-                  <a:cs typeface="+mn-cs"/>
-                </a:defRPr>
-              </a:lvl5pPr>
-              <a:lvl6pPr marL="2286000" algn="l" defTabSz="457200" rtl="0" eaLnBrk="1" latinLnBrk="0" hangingPunct="1">
-                <a:defRPr sz="1800" kern="1200">
-                  <a:solidFill>
-                    <a:schemeClr val="lt1"/>
-                  </a:solidFill>
-                  <a:latin typeface="+mn-lt"/>
-                  <a:ea typeface="+mn-ea"/>
-                  <a:cs typeface="+mn-cs"/>
-                </a:defRPr>
-              </a:lvl6pPr>
-              <a:lvl7pPr marL="2743200" algn="l" defTabSz="457200" rtl="0" eaLnBrk="1" latinLnBrk="0" hangingPunct="1">
-                <a:defRPr sz="1800" kern="1200">
-                  <a:solidFill>
-                    <a:schemeClr val="lt1"/>
-                  </a:solidFill>
-                  <a:latin typeface="+mn-lt"/>
-                  <a:ea typeface="+mn-ea"/>
-                  <a:cs typeface="+mn-cs"/>
-                </a:defRPr>
-              </a:lvl7pPr>
-              <a:lvl8pPr marL="3200400" algn="l" defTabSz="457200" rtl="0" eaLnBrk="1" latinLnBrk="0" hangingPunct="1">
-                <a:defRPr sz="1800" kern="1200">
-                  <a:solidFill>
-                    <a:schemeClr val="lt1"/>
-                  </a:solidFill>
-                  <a:latin typeface="+mn-lt"/>
-                  <a:ea typeface="+mn-ea"/>
-                  <a:cs typeface="+mn-cs"/>
-                </a:defRPr>
-              </a:lvl8pPr>
-              <a:lvl9pPr marL="3657600" algn="l" defTabSz="457200" rtl="0" eaLnBrk="1" latinLnBrk="0" hangingPunct="1">
-                <a:defRPr sz="1800" kern="1200">
-                  <a:solidFill>
-                    <a:schemeClr val="lt1"/>
-                  </a:solidFill>
-                  <a:latin typeface="+mn-lt"/>
-                  <a:ea typeface="+mn-ea"/>
-                  <a:cs typeface="+mn-cs"/>
-                </a:defRPr>
-              </a:lvl9pPr>
-            </a:lstStyle>
-            <a:p>
-              <a:pPr algn="ctr"/>
-              <a:r>
-                <a:rPr lang="it-IT" dirty="0">
-                  <a:solidFill>
-                    <a:schemeClr val="tx1"/>
-                  </a:solidFill>
-                </a:rPr>
-                <a:t>Z</a:t>
-              </a:r>
-              <a:endParaRPr lang="en-US" dirty="0">
-                <a:solidFill>
-                  <a:schemeClr val="tx1"/>
-                </a:solidFill>
-              </a:endParaRPr>
-            </a:p>
-          </p:txBody>
-        </p:sp>
-        <p:sp>
-          <p:nvSpPr>
-            <p:cNvPr id="30" name="Oval 29">
-              <a:extLst>
-                <a:ext uri="{FF2B5EF4-FFF2-40B4-BE49-F238E27FC236}">
-                  <a16:creationId xmlns:a16="http://schemas.microsoft.com/office/drawing/2014/main" id="{DB96E96C-7E4C-1E34-016F-5153385E5728}"/>
-                </a:ext>
-              </a:extLst>
-            </p:cNvPr>
-            <p:cNvSpPr/>
-            <p:nvPr/>
-          </p:nvSpPr>
-          <p:spPr>
-            <a:xfrm>
-              <a:off x="7445141" y="1241658"/>
-              <a:ext cx="221381" cy="221381"/>
-            </a:xfrm>
-            <a:prstGeom prst="ellipse">
-              <a:avLst/>
-            </a:prstGeom>
-            <a:solidFill>
-              <a:srgbClr val="FF0000"/>
-            </a:solidFill>
-          </p:spPr>
-          <p:style>
-            <a:lnRef idx="2">
-              <a:schemeClr val="accent1">
-                <a:shade val="50000"/>
-              </a:schemeClr>
-            </a:lnRef>
-            <a:fillRef idx="1">
-              <a:schemeClr val="accent1"/>
-            </a:fillRef>
-            <a:effectRef idx="0">
-              <a:schemeClr val="accent1"/>
-            </a:effectRef>
-            <a:fontRef idx="minor">
-              <a:schemeClr val="lt1"/>
-            </a:fontRef>
-          </p:style>
-          <p:txBody>
-            <a:bodyPr rtlCol="0" anchor="ctr"/>
-            <a:lstStyle>
-              <a:defPPr>
-                <a:defRPr lang="en-US"/>
-              </a:defPPr>
-              <a:lvl1pPr marL="0" algn="l" defTabSz="457200" rtl="0" eaLnBrk="1" latinLnBrk="0" hangingPunct="1">
-                <a:defRPr sz="1800" kern="1200">
-                  <a:solidFill>
-                    <a:schemeClr val="lt1"/>
-                  </a:solidFill>
-                  <a:latin typeface="+mn-lt"/>
-                  <a:ea typeface="+mn-ea"/>
-                  <a:cs typeface="+mn-cs"/>
-                </a:defRPr>
-              </a:lvl1pPr>
-              <a:lvl2pPr marL="457200" algn="l" defTabSz="457200" rtl="0" eaLnBrk="1" latinLnBrk="0" hangingPunct="1">
-                <a:defRPr sz="1800" kern="1200">
-                  <a:solidFill>
-                    <a:schemeClr val="lt1"/>
-                  </a:solidFill>
-                  <a:latin typeface="+mn-lt"/>
-                  <a:ea typeface="+mn-ea"/>
-                  <a:cs typeface="+mn-cs"/>
-                </a:defRPr>
-              </a:lvl2pPr>
-              <a:lvl3pPr marL="914400" algn="l" defTabSz="457200" rtl="0" eaLnBrk="1" latinLnBrk="0" hangingPunct="1">
-                <a:defRPr sz="1800" kern="1200">
-                  <a:solidFill>
-                    <a:schemeClr val="lt1"/>
-                  </a:solidFill>
-                  <a:latin typeface="+mn-lt"/>
-                  <a:ea typeface="+mn-ea"/>
-                  <a:cs typeface="+mn-cs"/>
-                </a:defRPr>
-              </a:lvl3pPr>
-              <a:lvl4pPr marL="1371600" algn="l" defTabSz="457200" rtl="0" eaLnBrk="1" latinLnBrk="0" hangingPunct="1">
-                <a:defRPr sz="1800" kern="1200">
-                  <a:solidFill>
-                    <a:schemeClr val="lt1"/>
-                  </a:solidFill>
-                  <a:latin typeface="+mn-lt"/>
-                  <a:ea typeface="+mn-ea"/>
-                  <a:cs typeface="+mn-cs"/>
-                </a:defRPr>
-              </a:lvl4pPr>
-              <a:lvl5pPr marL="1828800" algn="l" defTabSz="457200" rtl="0" eaLnBrk="1" latinLnBrk="0" hangingPunct="1">
-                <a:defRPr sz="1800" kern="1200">
-                  <a:solidFill>
-                    <a:schemeClr val="lt1"/>
-                  </a:solidFill>
-                  <a:latin typeface="+mn-lt"/>
-                  <a:ea typeface="+mn-ea"/>
-                  <a:cs typeface="+mn-cs"/>
-                </a:defRPr>
-              </a:lvl5pPr>
-              <a:lvl6pPr marL="2286000" algn="l" defTabSz="457200" rtl="0" eaLnBrk="1" latinLnBrk="0" hangingPunct="1">
-                <a:defRPr sz="1800" kern="1200">
-                  <a:solidFill>
-                    <a:schemeClr val="lt1"/>
-                  </a:solidFill>
-                  <a:latin typeface="+mn-lt"/>
-                  <a:ea typeface="+mn-ea"/>
-                  <a:cs typeface="+mn-cs"/>
-                </a:defRPr>
-              </a:lvl6pPr>
-              <a:lvl7pPr marL="2743200" algn="l" defTabSz="457200" rtl="0" eaLnBrk="1" latinLnBrk="0" hangingPunct="1">
-                <a:defRPr sz="1800" kern="1200">
-                  <a:solidFill>
-                    <a:schemeClr val="lt1"/>
-                  </a:solidFill>
-                  <a:latin typeface="+mn-lt"/>
-                  <a:ea typeface="+mn-ea"/>
-                  <a:cs typeface="+mn-cs"/>
-                </a:defRPr>
-              </a:lvl7pPr>
-              <a:lvl8pPr marL="3200400" algn="l" defTabSz="457200" rtl="0" eaLnBrk="1" latinLnBrk="0" hangingPunct="1">
-                <a:defRPr sz="1800" kern="1200">
-                  <a:solidFill>
-                    <a:schemeClr val="lt1"/>
-                  </a:solidFill>
-                  <a:latin typeface="+mn-lt"/>
-                  <a:ea typeface="+mn-ea"/>
-                  <a:cs typeface="+mn-cs"/>
-                </a:defRPr>
-              </a:lvl8pPr>
-              <a:lvl9pPr marL="3657600" algn="l" defTabSz="457200" rtl="0" eaLnBrk="1" latinLnBrk="0" hangingPunct="1">
-                <a:defRPr sz="1800" kern="1200">
-                  <a:solidFill>
-                    <a:schemeClr val="lt1"/>
-                  </a:solidFill>
-                  <a:latin typeface="+mn-lt"/>
-                  <a:ea typeface="+mn-ea"/>
-                  <a:cs typeface="+mn-cs"/>
-                </a:defRPr>
-              </a:lvl9pPr>
-            </a:lstStyle>
-            <a:p>
-              <a:pPr algn="ctr"/>
-              <a:endParaRPr lang="en-US"/>
-            </a:p>
-          </p:txBody>
-        </p:sp>
-        <p:sp>
-          <p:nvSpPr>
-            <p:cNvPr id="31" name="Oval 30">
-              <a:extLst>
-                <a:ext uri="{FF2B5EF4-FFF2-40B4-BE49-F238E27FC236}">
-                  <a16:creationId xmlns:a16="http://schemas.microsoft.com/office/drawing/2014/main" id="{68D2494D-9C28-A82C-651C-96814FC968E1}"/>
-                </a:ext>
-              </a:extLst>
-            </p:cNvPr>
-            <p:cNvSpPr/>
-            <p:nvPr/>
-          </p:nvSpPr>
-          <p:spPr>
-            <a:xfrm>
-              <a:off x="8792679" y="1241658"/>
-              <a:ext cx="221381" cy="221381"/>
-            </a:xfrm>
-            <a:prstGeom prst="ellipse">
-              <a:avLst/>
-            </a:prstGeom>
-            <a:solidFill>
-              <a:srgbClr val="FF0000"/>
-            </a:solidFill>
-          </p:spPr>
-          <p:style>
-            <a:lnRef idx="2">
-              <a:schemeClr val="accent1">
-                <a:shade val="50000"/>
-              </a:schemeClr>
-            </a:lnRef>
-            <a:fillRef idx="1">
-              <a:schemeClr val="accent1"/>
-            </a:fillRef>
-            <a:effectRef idx="0">
-              <a:schemeClr val="accent1"/>
-            </a:effectRef>
-            <a:fontRef idx="minor">
-              <a:schemeClr val="lt1"/>
-            </a:fontRef>
-          </p:style>
-          <p:txBody>
-            <a:bodyPr rtlCol="0" anchor="ctr"/>
-            <a:lstStyle>
-              <a:defPPr>
-                <a:defRPr lang="en-US"/>
-              </a:defPPr>
-              <a:lvl1pPr marL="0" algn="l" defTabSz="457200" rtl="0" eaLnBrk="1" latinLnBrk="0" hangingPunct="1">
-                <a:defRPr sz="1800" kern="1200">
-                  <a:solidFill>
-                    <a:schemeClr val="lt1"/>
-                  </a:solidFill>
-                  <a:latin typeface="+mn-lt"/>
-                  <a:ea typeface="+mn-ea"/>
-                  <a:cs typeface="+mn-cs"/>
-                </a:defRPr>
-              </a:lvl1pPr>
-              <a:lvl2pPr marL="457200" algn="l" defTabSz="457200" rtl="0" eaLnBrk="1" latinLnBrk="0" hangingPunct="1">
-                <a:defRPr sz="1800" kern="1200">
-                  <a:solidFill>
-                    <a:schemeClr val="lt1"/>
-                  </a:solidFill>
-                  <a:latin typeface="+mn-lt"/>
-                  <a:ea typeface="+mn-ea"/>
-                  <a:cs typeface="+mn-cs"/>
-                </a:defRPr>
-              </a:lvl2pPr>
-              <a:lvl3pPr marL="914400" algn="l" defTabSz="457200" rtl="0" eaLnBrk="1" latinLnBrk="0" hangingPunct="1">
-                <a:defRPr sz="1800" kern="1200">
-                  <a:solidFill>
-                    <a:schemeClr val="lt1"/>
-                  </a:solidFill>
-                  <a:latin typeface="+mn-lt"/>
-                  <a:ea typeface="+mn-ea"/>
-                  <a:cs typeface="+mn-cs"/>
-                </a:defRPr>
-              </a:lvl3pPr>
-              <a:lvl4pPr marL="1371600" algn="l" defTabSz="457200" rtl="0" eaLnBrk="1" latinLnBrk="0" hangingPunct="1">
-                <a:defRPr sz="1800" kern="1200">
-                  <a:solidFill>
-                    <a:schemeClr val="lt1"/>
-                  </a:solidFill>
-                  <a:latin typeface="+mn-lt"/>
-                  <a:ea typeface="+mn-ea"/>
-                  <a:cs typeface="+mn-cs"/>
-                </a:defRPr>
-              </a:lvl4pPr>
-              <a:lvl5pPr marL="1828800" algn="l" defTabSz="457200" rtl="0" eaLnBrk="1" latinLnBrk="0" hangingPunct="1">
-                <a:defRPr sz="1800" kern="1200">
-                  <a:solidFill>
-                    <a:schemeClr val="lt1"/>
-                  </a:solidFill>
-                  <a:latin typeface="+mn-lt"/>
-                  <a:ea typeface="+mn-ea"/>
-                  <a:cs typeface="+mn-cs"/>
-                </a:defRPr>
-              </a:lvl5pPr>
-              <a:lvl6pPr marL="2286000" algn="l" defTabSz="457200" rtl="0" eaLnBrk="1" latinLnBrk="0" hangingPunct="1">
-                <a:defRPr sz="1800" kern="1200">
-                  <a:solidFill>
-                    <a:schemeClr val="lt1"/>
-                  </a:solidFill>
-                  <a:latin typeface="+mn-lt"/>
-                  <a:ea typeface="+mn-ea"/>
-                  <a:cs typeface="+mn-cs"/>
-                </a:defRPr>
-              </a:lvl6pPr>
-              <a:lvl7pPr marL="2743200" algn="l" defTabSz="457200" rtl="0" eaLnBrk="1" latinLnBrk="0" hangingPunct="1">
-                <a:defRPr sz="1800" kern="1200">
-                  <a:solidFill>
-                    <a:schemeClr val="lt1"/>
-                  </a:solidFill>
-                  <a:latin typeface="+mn-lt"/>
-                  <a:ea typeface="+mn-ea"/>
-                  <a:cs typeface="+mn-cs"/>
-                </a:defRPr>
-              </a:lvl7pPr>
-              <a:lvl8pPr marL="3200400" algn="l" defTabSz="457200" rtl="0" eaLnBrk="1" latinLnBrk="0" hangingPunct="1">
-                <a:defRPr sz="1800" kern="1200">
-                  <a:solidFill>
-                    <a:schemeClr val="lt1"/>
-                  </a:solidFill>
-                  <a:latin typeface="+mn-lt"/>
-                  <a:ea typeface="+mn-ea"/>
-                  <a:cs typeface="+mn-cs"/>
-                </a:defRPr>
-              </a:lvl8pPr>
-              <a:lvl9pPr marL="3657600" algn="l" defTabSz="457200" rtl="0" eaLnBrk="1" latinLnBrk="0" hangingPunct="1">
-                <a:defRPr sz="1800" kern="1200">
-                  <a:solidFill>
-                    <a:schemeClr val="lt1"/>
-                  </a:solidFill>
-                  <a:latin typeface="+mn-lt"/>
-                  <a:ea typeface="+mn-ea"/>
-                  <a:cs typeface="+mn-cs"/>
-                </a:defRPr>
-              </a:lvl9pPr>
-            </a:lstStyle>
-            <a:p>
-              <a:pPr algn="ctr"/>
-              <a:endParaRPr lang="en-US"/>
-            </a:p>
-          </p:txBody>
-        </p:sp>
-        <p:sp>
-          <p:nvSpPr>
-            <p:cNvPr id="32" name="Oval 31">
-              <a:extLst>
-                <a:ext uri="{FF2B5EF4-FFF2-40B4-BE49-F238E27FC236}">
-                  <a16:creationId xmlns:a16="http://schemas.microsoft.com/office/drawing/2014/main" id="{3CA1CB0E-F925-D238-A2D8-2156A69FA1A7}"/>
-                </a:ext>
-              </a:extLst>
-            </p:cNvPr>
-            <p:cNvSpPr/>
-            <p:nvPr/>
-          </p:nvSpPr>
-          <p:spPr>
-            <a:xfrm>
-              <a:off x="6987941" y="1698858"/>
-              <a:ext cx="221381" cy="221381"/>
-            </a:xfrm>
-            <a:prstGeom prst="ellipse">
-              <a:avLst/>
-            </a:prstGeom>
-            <a:solidFill>
-              <a:srgbClr val="FF0000"/>
-            </a:solidFill>
-          </p:spPr>
-          <p:style>
-            <a:lnRef idx="2">
-              <a:schemeClr val="accent1">
-                <a:shade val="50000"/>
-              </a:schemeClr>
-            </a:lnRef>
-            <a:fillRef idx="1">
-              <a:schemeClr val="accent1"/>
-            </a:fillRef>
-            <a:effectRef idx="0">
-              <a:schemeClr val="accent1"/>
-            </a:effectRef>
-            <a:fontRef idx="minor">
-              <a:schemeClr val="lt1"/>
-            </a:fontRef>
-          </p:style>
-          <p:txBody>
-            <a:bodyPr rtlCol="0" anchor="ctr"/>
-            <a:lstStyle>
-              <a:defPPr>
-                <a:defRPr lang="en-US"/>
-              </a:defPPr>
-              <a:lvl1pPr marL="0" algn="l" defTabSz="457200" rtl="0" eaLnBrk="1" latinLnBrk="0" hangingPunct="1">
-                <a:defRPr sz="1800" kern="1200">
-                  <a:solidFill>
-                    <a:schemeClr val="lt1"/>
-                  </a:solidFill>
-                  <a:latin typeface="+mn-lt"/>
-                  <a:ea typeface="+mn-ea"/>
-                  <a:cs typeface="+mn-cs"/>
-                </a:defRPr>
-              </a:lvl1pPr>
-              <a:lvl2pPr marL="457200" algn="l" defTabSz="457200" rtl="0" eaLnBrk="1" latinLnBrk="0" hangingPunct="1">
-                <a:defRPr sz="1800" kern="1200">
-                  <a:solidFill>
-                    <a:schemeClr val="lt1"/>
-                  </a:solidFill>
-                  <a:latin typeface="+mn-lt"/>
-                  <a:ea typeface="+mn-ea"/>
-                  <a:cs typeface="+mn-cs"/>
-                </a:defRPr>
-              </a:lvl2pPr>
-              <a:lvl3pPr marL="914400" algn="l" defTabSz="457200" rtl="0" eaLnBrk="1" latinLnBrk="0" hangingPunct="1">
-                <a:defRPr sz="1800" kern="1200">
-                  <a:solidFill>
-                    <a:schemeClr val="lt1"/>
-                  </a:solidFill>
-                  <a:latin typeface="+mn-lt"/>
-                  <a:ea typeface="+mn-ea"/>
-                  <a:cs typeface="+mn-cs"/>
-                </a:defRPr>
-              </a:lvl3pPr>
-              <a:lvl4pPr marL="1371600" algn="l" defTabSz="457200" rtl="0" eaLnBrk="1" latinLnBrk="0" hangingPunct="1">
-                <a:defRPr sz="1800" kern="1200">
-                  <a:solidFill>
-                    <a:schemeClr val="lt1"/>
-                  </a:solidFill>
-                  <a:latin typeface="+mn-lt"/>
-                  <a:ea typeface="+mn-ea"/>
-                  <a:cs typeface="+mn-cs"/>
-                </a:defRPr>
-              </a:lvl4pPr>
-              <a:lvl5pPr marL="1828800" algn="l" defTabSz="457200" rtl="0" eaLnBrk="1" latinLnBrk="0" hangingPunct="1">
-                <a:defRPr sz="1800" kern="1200">
-                  <a:solidFill>
-                    <a:schemeClr val="lt1"/>
-                  </a:solidFill>
-                  <a:latin typeface="+mn-lt"/>
-                  <a:ea typeface="+mn-ea"/>
-                  <a:cs typeface="+mn-cs"/>
-                </a:defRPr>
-              </a:lvl5pPr>
-              <a:lvl6pPr marL="2286000" algn="l" defTabSz="457200" rtl="0" eaLnBrk="1" latinLnBrk="0" hangingPunct="1">
-                <a:defRPr sz="1800" kern="1200">
-                  <a:solidFill>
-                    <a:schemeClr val="lt1"/>
-                  </a:solidFill>
-                  <a:latin typeface="+mn-lt"/>
-                  <a:ea typeface="+mn-ea"/>
-                  <a:cs typeface="+mn-cs"/>
-                </a:defRPr>
-              </a:lvl6pPr>
-              <a:lvl7pPr marL="2743200" algn="l" defTabSz="457200" rtl="0" eaLnBrk="1" latinLnBrk="0" hangingPunct="1">
-                <a:defRPr sz="1800" kern="1200">
-                  <a:solidFill>
-                    <a:schemeClr val="lt1"/>
-                  </a:solidFill>
-                  <a:latin typeface="+mn-lt"/>
-                  <a:ea typeface="+mn-ea"/>
-                  <a:cs typeface="+mn-cs"/>
-                </a:defRPr>
-              </a:lvl7pPr>
-              <a:lvl8pPr marL="3200400" algn="l" defTabSz="457200" rtl="0" eaLnBrk="1" latinLnBrk="0" hangingPunct="1">
-                <a:defRPr sz="1800" kern="1200">
-                  <a:solidFill>
-                    <a:schemeClr val="lt1"/>
-                  </a:solidFill>
-                  <a:latin typeface="+mn-lt"/>
-                  <a:ea typeface="+mn-ea"/>
-                  <a:cs typeface="+mn-cs"/>
-                </a:defRPr>
-              </a:lvl8pPr>
-              <a:lvl9pPr marL="3657600" algn="l" defTabSz="457200" rtl="0" eaLnBrk="1" latinLnBrk="0" hangingPunct="1">
-                <a:defRPr sz="1800" kern="1200">
-                  <a:solidFill>
-                    <a:schemeClr val="lt1"/>
-                  </a:solidFill>
-                  <a:latin typeface="+mn-lt"/>
-                  <a:ea typeface="+mn-ea"/>
-                  <a:cs typeface="+mn-cs"/>
-                </a:defRPr>
-              </a:lvl9pPr>
-            </a:lstStyle>
-            <a:p>
-              <a:pPr algn="ctr"/>
-              <a:endParaRPr lang="en-US"/>
-            </a:p>
-          </p:txBody>
-        </p:sp>
-        <p:sp>
-          <p:nvSpPr>
-            <p:cNvPr id="33" name="Oval 32">
-              <a:extLst>
-                <a:ext uri="{FF2B5EF4-FFF2-40B4-BE49-F238E27FC236}">
-                  <a16:creationId xmlns:a16="http://schemas.microsoft.com/office/drawing/2014/main" id="{4955C5A2-B30B-3530-A92B-6FD70B29E12B}"/>
-                </a:ext>
-              </a:extLst>
-            </p:cNvPr>
-            <p:cNvSpPr/>
-            <p:nvPr/>
-          </p:nvSpPr>
-          <p:spPr>
-            <a:xfrm>
-              <a:off x="6987941" y="3503594"/>
-              <a:ext cx="221381" cy="221381"/>
-            </a:xfrm>
-            <a:prstGeom prst="ellipse">
-              <a:avLst/>
-            </a:prstGeom>
-            <a:solidFill>
-              <a:srgbClr val="FF0000"/>
-            </a:solidFill>
-          </p:spPr>
-          <p:style>
-            <a:lnRef idx="2">
-              <a:schemeClr val="accent1">
-                <a:shade val="50000"/>
-              </a:schemeClr>
-            </a:lnRef>
-            <a:fillRef idx="1">
-              <a:schemeClr val="accent1"/>
-            </a:fillRef>
-            <a:effectRef idx="0">
-              <a:schemeClr val="accent1"/>
-            </a:effectRef>
-            <a:fontRef idx="minor">
-              <a:schemeClr val="lt1"/>
-            </a:fontRef>
-          </p:style>
-          <p:txBody>
-            <a:bodyPr rtlCol="0" anchor="ctr"/>
-            <a:lstStyle>
-              <a:defPPr>
-                <a:defRPr lang="en-US"/>
-              </a:defPPr>
-              <a:lvl1pPr marL="0" algn="l" defTabSz="457200" rtl="0" eaLnBrk="1" latinLnBrk="0" hangingPunct="1">
-                <a:defRPr sz="1800" kern="1200">
-                  <a:solidFill>
-                    <a:schemeClr val="lt1"/>
-                  </a:solidFill>
-                  <a:latin typeface="+mn-lt"/>
-                  <a:ea typeface="+mn-ea"/>
-                  <a:cs typeface="+mn-cs"/>
-                </a:defRPr>
-              </a:lvl1pPr>
-              <a:lvl2pPr marL="457200" algn="l" defTabSz="457200" rtl="0" eaLnBrk="1" latinLnBrk="0" hangingPunct="1">
-                <a:defRPr sz="1800" kern="1200">
-                  <a:solidFill>
-                    <a:schemeClr val="lt1"/>
-                  </a:solidFill>
-                  <a:latin typeface="+mn-lt"/>
-                  <a:ea typeface="+mn-ea"/>
-                  <a:cs typeface="+mn-cs"/>
-                </a:defRPr>
-              </a:lvl2pPr>
-              <a:lvl3pPr marL="914400" algn="l" defTabSz="457200" rtl="0" eaLnBrk="1" latinLnBrk="0" hangingPunct="1">
-                <a:defRPr sz="1800" kern="1200">
-                  <a:solidFill>
-                    <a:schemeClr val="lt1"/>
-                  </a:solidFill>
-                  <a:latin typeface="+mn-lt"/>
-                  <a:ea typeface="+mn-ea"/>
-                  <a:cs typeface="+mn-cs"/>
-                </a:defRPr>
-              </a:lvl3pPr>
-              <a:lvl4pPr marL="1371600" algn="l" defTabSz="457200" rtl="0" eaLnBrk="1" latinLnBrk="0" hangingPunct="1">
-                <a:defRPr sz="1800" kern="1200">
-                  <a:solidFill>
-                    <a:schemeClr val="lt1"/>
-                  </a:solidFill>
-                  <a:latin typeface="+mn-lt"/>
-                  <a:ea typeface="+mn-ea"/>
-                  <a:cs typeface="+mn-cs"/>
-                </a:defRPr>
-              </a:lvl4pPr>
-              <a:lvl5pPr marL="1828800" algn="l" defTabSz="457200" rtl="0" eaLnBrk="1" latinLnBrk="0" hangingPunct="1">
-                <a:defRPr sz="1800" kern="1200">
-                  <a:solidFill>
-                    <a:schemeClr val="lt1"/>
-                  </a:solidFill>
-                  <a:latin typeface="+mn-lt"/>
-                  <a:ea typeface="+mn-ea"/>
-                  <a:cs typeface="+mn-cs"/>
-                </a:defRPr>
-              </a:lvl5pPr>
-              <a:lvl6pPr marL="2286000" algn="l" defTabSz="457200" rtl="0" eaLnBrk="1" latinLnBrk="0" hangingPunct="1">
-                <a:defRPr sz="1800" kern="1200">
-                  <a:solidFill>
-                    <a:schemeClr val="lt1"/>
-                  </a:solidFill>
-                  <a:latin typeface="+mn-lt"/>
-                  <a:ea typeface="+mn-ea"/>
-                  <a:cs typeface="+mn-cs"/>
-                </a:defRPr>
-              </a:lvl6pPr>
-              <a:lvl7pPr marL="2743200" algn="l" defTabSz="457200" rtl="0" eaLnBrk="1" latinLnBrk="0" hangingPunct="1">
-                <a:defRPr sz="1800" kern="1200">
-                  <a:solidFill>
-                    <a:schemeClr val="lt1"/>
-                  </a:solidFill>
-                  <a:latin typeface="+mn-lt"/>
-                  <a:ea typeface="+mn-ea"/>
-                  <a:cs typeface="+mn-cs"/>
-                </a:defRPr>
-              </a:lvl7pPr>
-              <a:lvl8pPr marL="3200400" algn="l" defTabSz="457200" rtl="0" eaLnBrk="1" latinLnBrk="0" hangingPunct="1">
-                <a:defRPr sz="1800" kern="1200">
-                  <a:solidFill>
-                    <a:schemeClr val="lt1"/>
-                  </a:solidFill>
-                  <a:latin typeface="+mn-lt"/>
-                  <a:ea typeface="+mn-ea"/>
-                  <a:cs typeface="+mn-cs"/>
-                </a:defRPr>
-              </a:lvl8pPr>
-              <a:lvl9pPr marL="3657600" algn="l" defTabSz="457200" rtl="0" eaLnBrk="1" latinLnBrk="0" hangingPunct="1">
-                <a:defRPr sz="1800" kern="1200">
-                  <a:solidFill>
-                    <a:schemeClr val="lt1"/>
-                  </a:solidFill>
-                  <a:latin typeface="+mn-lt"/>
-                  <a:ea typeface="+mn-ea"/>
-                  <a:cs typeface="+mn-cs"/>
-                </a:defRPr>
-              </a:lvl9pPr>
-            </a:lstStyle>
-            <a:p>
-              <a:pPr algn="ctr"/>
-              <a:endParaRPr lang="en-US"/>
-            </a:p>
-          </p:txBody>
-        </p:sp>
-        <p:sp>
-          <p:nvSpPr>
-            <p:cNvPr id="34" name="Oval 33">
-              <a:extLst>
-                <a:ext uri="{FF2B5EF4-FFF2-40B4-BE49-F238E27FC236}">
-                  <a16:creationId xmlns:a16="http://schemas.microsoft.com/office/drawing/2014/main" id="{FD8C28D8-EB03-C26E-B537-388AFD74D347}"/>
-                </a:ext>
-              </a:extLst>
-            </p:cNvPr>
-            <p:cNvSpPr/>
-            <p:nvPr/>
-          </p:nvSpPr>
-          <p:spPr>
-            <a:xfrm>
-              <a:off x="9240253" y="1698858"/>
-              <a:ext cx="221381" cy="221381"/>
-            </a:xfrm>
-            <a:prstGeom prst="ellipse">
-              <a:avLst/>
-            </a:prstGeom>
-            <a:solidFill>
-              <a:srgbClr val="FF0000"/>
-            </a:solidFill>
-          </p:spPr>
-          <p:style>
-            <a:lnRef idx="2">
-              <a:schemeClr val="accent1">
-                <a:shade val="50000"/>
-              </a:schemeClr>
-            </a:lnRef>
-            <a:fillRef idx="1">
-              <a:schemeClr val="accent1"/>
-            </a:fillRef>
-            <a:effectRef idx="0">
-              <a:schemeClr val="accent1"/>
-            </a:effectRef>
-            <a:fontRef idx="minor">
-              <a:schemeClr val="lt1"/>
-            </a:fontRef>
-          </p:style>
-          <p:txBody>
-            <a:bodyPr rtlCol="0" anchor="ctr"/>
-            <a:lstStyle>
-              <a:defPPr>
-                <a:defRPr lang="en-US"/>
-              </a:defPPr>
-              <a:lvl1pPr marL="0" algn="l" defTabSz="457200" rtl="0" eaLnBrk="1" latinLnBrk="0" hangingPunct="1">
-                <a:defRPr sz="1800" kern="1200">
-                  <a:solidFill>
-                    <a:schemeClr val="lt1"/>
-                  </a:solidFill>
-                  <a:latin typeface="+mn-lt"/>
-                  <a:ea typeface="+mn-ea"/>
-                  <a:cs typeface="+mn-cs"/>
-                </a:defRPr>
-              </a:lvl1pPr>
-              <a:lvl2pPr marL="457200" algn="l" defTabSz="457200" rtl="0" eaLnBrk="1" latinLnBrk="0" hangingPunct="1">
-                <a:defRPr sz="1800" kern="1200">
-                  <a:solidFill>
-                    <a:schemeClr val="lt1"/>
-                  </a:solidFill>
-                  <a:latin typeface="+mn-lt"/>
-                  <a:ea typeface="+mn-ea"/>
-                  <a:cs typeface="+mn-cs"/>
-                </a:defRPr>
-              </a:lvl2pPr>
-              <a:lvl3pPr marL="914400" algn="l" defTabSz="457200" rtl="0" eaLnBrk="1" latinLnBrk="0" hangingPunct="1">
-                <a:defRPr sz="1800" kern="1200">
-                  <a:solidFill>
-                    <a:schemeClr val="lt1"/>
-                  </a:solidFill>
-                  <a:latin typeface="+mn-lt"/>
-                  <a:ea typeface="+mn-ea"/>
-                  <a:cs typeface="+mn-cs"/>
-                </a:defRPr>
-              </a:lvl3pPr>
-              <a:lvl4pPr marL="1371600" algn="l" defTabSz="457200" rtl="0" eaLnBrk="1" latinLnBrk="0" hangingPunct="1">
-                <a:defRPr sz="1800" kern="1200">
-                  <a:solidFill>
-                    <a:schemeClr val="lt1"/>
-                  </a:solidFill>
-                  <a:latin typeface="+mn-lt"/>
-                  <a:ea typeface="+mn-ea"/>
-                  <a:cs typeface="+mn-cs"/>
-                </a:defRPr>
-              </a:lvl4pPr>
-              <a:lvl5pPr marL="1828800" algn="l" defTabSz="457200" rtl="0" eaLnBrk="1" latinLnBrk="0" hangingPunct="1">
-                <a:defRPr sz="1800" kern="1200">
-                  <a:solidFill>
-                    <a:schemeClr val="lt1"/>
-                  </a:solidFill>
-                  <a:latin typeface="+mn-lt"/>
-                  <a:ea typeface="+mn-ea"/>
-                  <a:cs typeface="+mn-cs"/>
-                </a:defRPr>
-              </a:lvl5pPr>
-              <a:lvl6pPr marL="2286000" algn="l" defTabSz="457200" rtl="0" eaLnBrk="1" latinLnBrk="0" hangingPunct="1">
-                <a:defRPr sz="1800" kern="1200">
-                  <a:solidFill>
-                    <a:schemeClr val="lt1"/>
-                  </a:solidFill>
-                  <a:latin typeface="+mn-lt"/>
-                  <a:ea typeface="+mn-ea"/>
-                  <a:cs typeface="+mn-cs"/>
-                </a:defRPr>
-              </a:lvl6pPr>
-              <a:lvl7pPr marL="2743200" algn="l" defTabSz="457200" rtl="0" eaLnBrk="1" latinLnBrk="0" hangingPunct="1">
-                <a:defRPr sz="1800" kern="1200">
-                  <a:solidFill>
-                    <a:schemeClr val="lt1"/>
-                  </a:solidFill>
-                  <a:latin typeface="+mn-lt"/>
-                  <a:ea typeface="+mn-ea"/>
-                  <a:cs typeface="+mn-cs"/>
-                </a:defRPr>
-              </a:lvl7pPr>
-              <a:lvl8pPr marL="3200400" algn="l" defTabSz="457200" rtl="0" eaLnBrk="1" latinLnBrk="0" hangingPunct="1">
-                <a:defRPr sz="1800" kern="1200">
-                  <a:solidFill>
-                    <a:schemeClr val="lt1"/>
-                  </a:solidFill>
-                  <a:latin typeface="+mn-lt"/>
-                  <a:ea typeface="+mn-ea"/>
-                  <a:cs typeface="+mn-cs"/>
-                </a:defRPr>
-              </a:lvl8pPr>
-              <a:lvl9pPr marL="3657600" algn="l" defTabSz="457200" rtl="0" eaLnBrk="1" latinLnBrk="0" hangingPunct="1">
-                <a:defRPr sz="1800" kern="1200">
-                  <a:solidFill>
-                    <a:schemeClr val="lt1"/>
-                  </a:solidFill>
-                  <a:latin typeface="+mn-lt"/>
-                  <a:ea typeface="+mn-ea"/>
-                  <a:cs typeface="+mn-cs"/>
-                </a:defRPr>
-              </a:lvl9pPr>
-            </a:lstStyle>
-            <a:p>
-              <a:pPr algn="ctr"/>
-              <a:endParaRPr lang="en-US"/>
-            </a:p>
-          </p:txBody>
-        </p:sp>
-        <p:sp>
-          <p:nvSpPr>
-            <p:cNvPr id="35" name="Oval 34">
-              <a:extLst>
-                <a:ext uri="{FF2B5EF4-FFF2-40B4-BE49-F238E27FC236}">
-                  <a16:creationId xmlns:a16="http://schemas.microsoft.com/office/drawing/2014/main" id="{B6D78077-0F3E-1A4F-FBE7-55ED1D347A54}"/>
-                </a:ext>
-              </a:extLst>
-            </p:cNvPr>
-            <p:cNvSpPr/>
-            <p:nvPr/>
-          </p:nvSpPr>
-          <p:spPr>
-            <a:xfrm>
-              <a:off x="9240253" y="3503594"/>
-              <a:ext cx="221381" cy="221381"/>
-            </a:xfrm>
-            <a:prstGeom prst="ellipse">
-              <a:avLst/>
-            </a:prstGeom>
-            <a:solidFill>
-              <a:srgbClr val="FF0000"/>
-            </a:solidFill>
-          </p:spPr>
-          <p:style>
-            <a:lnRef idx="2">
-              <a:schemeClr val="accent1">
-                <a:shade val="50000"/>
-              </a:schemeClr>
-            </a:lnRef>
-            <a:fillRef idx="1">
-              <a:schemeClr val="accent1"/>
-            </a:fillRef>
-            <a:effectRef idx="0">
-              <a:schemeClr val="accent1"/>
-            </a:effectRef>
-            <a:fontRef idx="minor">
-              <a:schemeClr val="lt1"/>
-            </a:fontRef>
-          </p:style>
-          <p:txBody>
-            <a:bodyPr rtlCol="0" anchor="ctr"/>
-            <a:lstStyle>
-              <a:defPPr>
-                <a:defRPr lang="en-US"/>
-              </a:defPPr>
-              <a:lvl1pPr marL="0" algn="l" defTabSz="457200" rtl="0" eaLnBrk="1" latinLnBrk="0" hangingPunct="1">
-                <a:defRPr sz="1800" kern="1200">
-                  <a:solidFill>
-                    <a:schemeClr val="lt1"/>
-                  </a:solidFill>
-                  <a:latin typeface="+mn-lt"/>
-                  <a:ea typeface="+mn-ea"/>
-                  <a:cs typeface="+mn-cs"/>
-                </a:defRPr>
-              </a:lvl1pPr>
-              <a:lvl2pPr marL="457200" algn="l" defTabSz="457200" rtl="0" eaLnBrk="1" latinLnBrk="0" hangingPunct="1">
-                <a:defRPr sz="1800" kern="1200">
-                  <a:solidFill>
-                    <a:schemeClr val="lt1"/>
-                  </a:solidFill>
-                  <a:latin typeface="+mn-lt"/>
-                  <a:ea typeface="+mn-ea"/>
-                  <a:cs typeface="+mn-cs"/>
-                </a:defRPr>
-              </a:lvl2pPr>
-              <a:lvl3pPr marL="914400" algn="l" defTabSz="457200" rtl="0" eaLnBrk="1" latinLnBrk="0" hangingPunct="1">
-                <a:defRPr sz="1800" kern="1200">
-                  <a:solidFill>
-                    <a:schemeClr val="lt1"/>
-                  </a:solidFill>
-                  <a:latin typeface="+mn-lt"/>
-                  <a:ea typeface="+mn-ea"/>
-                  <a:cs typeface="+mn-cs"/>
-                </a:defRPr>
-              </a:lvl3pPr>
-              <a:lvl4pPr marL="1371600" algn="l" defTabSz="457200" rtl="0" eaLnBrk="1" latinLnBrk="0" hangingPunct="1">
-                <a:defRPr sz="1800" kern="1200">
-                  <a:solidFill>
-                    <a:schemeClr val="lt1"/>
-                  </a:solidFill>
-                  <a:latin typeface="+mn-lt"/>
-                  <a:ea typeface="+mn-ea"/>
-                  <a:cs typeface="+mn-cs"/>
-                </a:defRPr>
-              </a:lvl4pPr>
-              <a:lvl5pPr marL="1828800" algn="l" defTabSz="457200" rtl="0" eaLnBrk="1" latinLnBrk="0" hangingPunct="1">
-                <a:defRPr sz="1800" kern="1200">
-                  <a:solidFill>
-                    <a:schemeClr val="lt1"/>
-                  </a:solidFill>
-                  <a:latin typeface="+mn-lt"/>
-                  <a:ea typeface="+mn-ea"/>
-                  <a:cs typeface="+mn-cs"/>
-                </a:defRPr>
-              </a:lvl5pPr>
-              <a:lvl6pPr marL="2286000" algn="l" defTabSz="457200" rtl="0" eaLnBrk="1" latinLnBrk="0" hangingPunct="1">
-                <a:defRPr sz="1800" kern="1200">
-                  <a:solidFill>
-                    <a:schemeClr val="lt1"/>
-                  </a:solidFill>
-                  <a:latin typeface="+mn-lt"/>
-                  <a:ea typeface="+mn-ea"/>
-                  <a:cs typeface="+mn-cs"/>
-                </a:defRPr>
-              </a:lvl6pPr>
-              <a:lvl7pPr marL="2743200" algn="l" defTabSz="457200" rtl="0" eaLnBrk="1" latinLnBrk="0" hangingPunct="1">
-                <a:defRPr sz="1800" kern="1200">
-                  <a:solidFill>
-                    <a:schemeClr val="lt1"/>
-                  </a:solidFill>
-                  <a:latin typeface="+mn-lt"/>
-                  <a:ea typeface="+mn-ea"/>
-                  <a:cs typeface="+mn-cs"/>
-                </a:defRPr>
-              </a:lvl7pPr>
-              <a:lvl8pPr marL="3200400" algn="l" defTabSz="457200" rtl="0" eaLnBrk="1" latinLnBrk="0" hangingPunct="1">
-                <a:defRPr sz="1800" kern="1200">
-                  <a:solidFill>
-                    <a:schemeClr val="lt1"/>
-                  </a:solidFill>
-                  <a:latin typeface="+mn-lt"/>
-                  <a:ea typeface="+mn-ea"/>
-                  <a:cs typeface="+mn-cs"/>
-                </a:defRPr>
-              </a:lvl8pPr>
-              <a:lvl9pPr marL="3657600" algn="l" defTabSz="457200" rtl="0" eaLnBrk="1" latinLnBrk="0" hangingPunct="1">
-                <a:defRPr sz="1800" kern="1200">
-                  <a:solidFill>
-                    <a:schemeClr val="lt1"/>
-                  </a:solidFill>
-                  <a:latin typeface="+mn-lt"/>
-                  <a:ea typeface="+mn-ea"/>
-                  <a:cs typeface="+mn-cs"/>
-                </a:defRPr>
-              </a:lvl9pPr>
-            </a:lstStyle>
-            <a:p>
-              <a:pPr algn="ctr"/>
-              <a:endParaRPr lang="en-US"/>
-            </a:p>
-          </p:txBody>
-        </p:sp>
-        <p:cxnSp>
-          <p:nvCxnSpPr>
-            <p:cNvPr id="36" name="Straight Connector 35">
-              <a:extLst>
-                <a:ext uri="{FF2B5EF4-FFF2-40B4-BE49-F238E27FC236}">
-                  <a16:creationId xmlns:a16="http://schemas.microsoft.com/office/drawing/2014/main" id="{EDA4EB53-B583-5B0B-BD94-E3BC4D5B4EB0}"/>
-                </a:ext>
-              </a:extLst>
-            </p:cNvPr>
-            <p:cNvCxnSpPr>
-              <a:cxnSpLocks/>
-              <a:stCxn id="32" idx="4"/>
-              <a:endCxn id="33" idx="0"/>
-            </p:cNvCxnSpPr>
-            <p:nvPr/>
-          </p:nvCxnSpPr>
-          <p:spPr>
-            <a:xfrm>
-              <a:off x="7098632" y="1920239"/>
-              <a:ext cx="0" cy="1583355"/>
-            </a:xfrm>
-            <a:prstGeom prst="line">
-              <a:avLst/>
-            </a:prstGeom>
-            <a:ln w="28575">
-              <a:solidFill>
-                <a:srgbClr val="FF0000"/>
-              </a:solidFill>
-            </a:ln>
-          </p:spPr>
-          <p:style>
-            <a:lnRef idx="1">
-              <a:schemeClr val="accent1"/>
-            </a:lnRef>
-            <a:fillRef idx="0">
-              <a:schemeClr val="accent1"/>
-            </a:fillRef>
-            <a:effectRef idx="0">
-              <a:schemeClr val="accent1"/>
-            </a:effectRef>
-            <a:fontRef idx="minor">
-              <a:schemeClr val="tx1"/>
-            </a:fontRef>
-          </p:style>
-        </p:cxnSp>
-        <p:cxnSp>
-          <p:nvCxnSpPr>
-            <p:cNvPr id="37" name="Straight Connector 36">
-              <a:extLst>
-                <a:ext uri="{FF2B5EF4-FFF2-40B4-BE49-F238E27FC236}">
-                  <a16:creationId xmlns:a16="http://schemas.microsoft.com/office/drawing/2014/main" id="{7B0864F1-2F3E-DB9C-4260-CD008F2CC53D}"/>
-                </a:ext>
-              </a:extLst>
-            </p:cNvPr>
-            <p:cNvCxnSpPr>
-              <a:cxnSpLocks/>
-              <a:stCxn id="30" idx="6"/>
-              <a:endCxn id="31" idx="2"/>
-            </p:cNvCxnSpPr>
-            <p:nvPr/>
-          </p:nvCxnSpPr>
-          <p:spPr>
-            <a:xfrm>
-              <a:off x="7666522" y="1352349"/>
-              <a:ext cx="1126157" cy="0"/>
-            </a:xfrm>
-            <a:prstGeom prst="line">
-              <a:avLst/>
-            </a:prstGeom>
-            <a:ln w="28575">
-              <a:solidFill>
-                <a:srgbClr val="FF0000"/>
-              </a:solidFill>
-            </a:ln>
-          </p:spPr>
-          <p:style>
-            <a:lnRef idx="1">
-              <a:schemeClr val="accent1"/>
-            </a:lnRef>
-            <a:fillRef idx="0">
-              <a:schemeClr val="accent1"/>
-            </a:fillRef>
-            <a:effectRef idx="0">
-              <a:schemeClr val="accent1"/>
-            </a:effectRef>
-            <a:fontRef idx="minor">
-              <a:schemeClr val="tx1"/>
-            </a:fontRef>
-          </p:style>
-        </p:cxnSp>
-        <p:cxnSp>
-          <p:nvCxnSpPr>
-            <p:cNvPr id="38" name="Straight Connector 37">
-              <a:extLst>
-                <a:ext uri="{FF2B5EF4-FFF2-40B4-BE49-F238E27FC236}">
-                  <a16:creationId xmlns:a16="http://schemas.microsoft.com/office/drawing/2014/main" id="{5A0792F6-88EC-D074-9DBF-F18D4723BFF8}"/>
-                </a:ext>
-              </a:extLst>
-            </p:cNvPr>
-            <p:cNvCxnSpPr>
-              <a:cxnSpLocks/>
-              <a:stCxn id="34" idx="4"/>
-              <a:endCxn id="35" idx="0"/>
-            </p:cNvCxnSpPr>
-            <p:nvPr/>
-          </p:nvCxnSpPr>
-          <p:spPr>
-            <a:xfrm>
-              <a:off x="9350944" y="1920239"/>
-              <a:ext cx="0" cy="1583355"/>
-            </a:xfrm>
-            <a:prstGeom prst="line">
-              <a:avLst/>
-            </a:prstGeom>
-            <a:ln w="28575">
-              <a:solidFill>
-                <a:srgbClr val="FF0000"/>
-              </a:solidFill>
-            </a:ln>
-          </p:spPr>
-          <p:style>
-            <a:lnRef idx="1">
-              <a:schemeClr val="accent1"/>
-            </a:lnRef>
-            <a:fillRef idx="0">
-              <a:schemeClr val="accent1"/>
-            </a:fillRef>
-            <a:effectRef idx="0">
-              <a:schemeClr val="accent1"/>
-            </a:effectRef>
-            <a:fontRef idx="minor">
-              <a:schemeClr val="tx1"/>
-            </a:fontRef>
-          </p:style>
-        </p:cxnSp>
-        <p:sp>
-          <p:nvSpPr>
-            <p:cNvPr id="39" name="Oval 38">
-              <a:extLst>
-                <a:ext uri="{FF2B5EF4-FFF2-40B4-BE49-F238E27FC236}">
-                  <a16:creationId xmlns:a16="http://schemas.microsoft.com/office/drawing/2014/main" id="{243BE797-A7FA-5661-745D-74BC3DAFB996}"/>
-                </a:ext>
-              </a:extLst>
-            </p:cNvPr>
-            <p:cNvSpPr/>
-            <p:nvPr/>
-          </p:nvSpPr>
-          <p:spPr>
-            <a:xfrm>
-              <a:off x="7445141" y="3975233"/>
-              <a:ext cx="221381" cy="221381"/>
-            </a:xfrm>
-            <a:prstGeom prst="ellipse">
-              <a:avLst/>
-            </a:prstGeom>
-            <a:solidFill>
-              <a:srgbClr val="FF0000"/>
-            </a:solidFill>
-          </p:spPr>
-          <p:style>
-            <a:lnRef idx="2">
-              <a:schemeClr val="accent1">
-                <a:shade val="50000"/>
-              </a:schemeClr>
-            </a:lnRef>
-            <a:fillRef idx="1">
-              <a:schemeClr val="accent1"/>
-            </a:fillRef>
-            <a:effectRef idx="0">
-              <a:schemeClr val="accent1"/>
-            </a:effectRef>
-            <a:fontRef idx="minor">
-              <a:schemeClr val="lt1"/>
-            </a:fontRef>
-          </p:style>
-          <p:txBody>
-            <a:bodyPr rtlCol="0" anchor="ctr"/>
-            <a:lstStyle>
-              <a:defPPr>
-                <a:defRPr lang="en-US"/>
-              </a:defPPr>
-              <a:lvl1pPr marL="0" algn="l" defTabSz="457200" rtl="0" eaLnBrk="1" latinLnBrk="0" hangingPunct="1">
-                <a:defRPr sz="1800" kern="1200">
-                  <a:solidFill>
-                    <a:schemeClr val="lt1"/>
-                  </a:solidFill>
-                  <a:latin typeface="+mn-lt"/>
-                  <a:ea typeface="+mn-ea"/>
-                  <a:cs typeface="+mn-cs"/>
-                </a:defRPr>
-              </a:lvl1pPr>
-              <a:lvl2pPr marL="457200" algn="l" defTabSz="457200" rtl="0" eaLnBrk="1" latinLnBrk="0" hangingPunct="1">
-                <a:defRPr sz="1800" kern="1200">
-                  <a:solidFill>
-                    <a:schemeClr val="lt1"/>
-                  </a:solidFill>
-                  <a:latin typeface="+mn-lt"/>
-                  <a:ea typeface="+mn-ea"/>
-                  <a:cs typeface="+mn-cs"/>
-                </a:defRPr>
-              </a:lvl2pPr>
-              <a:lvl3pPr marL="914400" algn="l" defTabSz="457200" rtl="0" eaLnBrk="1" latinLnBrk="0" hangingPunct="1">
-                <a:defRPr sz="1800" kern="1200">
-                  <a:solidFill>
-                    <a:schemeClr val="lt1"/>
-                  </a:solidFill>
-                  <a:latin typeface="+mn-lt"/>
-                  <a:ea typeface="+mn-ea"/>
-                  <a:cs typeface="+mn-cs"/>
-                </a:defRPr>
-              </a:lvl3pPr>
-              <a:lvl4pPr marL="1371600" algn="l" defTabSz="457200" rtl="0" eaLnBrk="1" latinLnBrk="0" hangingPunct="1">
-                <a:defRPr sz="1800" kern="1200">
-                  <a:solidFill>
-                    <a:schemeClr val="lt1"/>
-                  </a:solidFill>
-                  <a:latin typeface="+mn-lt"/>
-                  <a:ea typeface="+mn-ea"/>
-                  <a:cs typeface="+mn-cs"/>
-                </a:defRPr>
-              </a:lvl4pPr>
-              <a:lvl5pPr marL="1828800" algn="l" defTabSz="457200" rtl="0" eaLnBrk="1" latinLnBrk="0" hangingPunct="1">
-                <a:defRPr sz="1800" kern="1200">
-                  <a:solidFill>
-                    <a:schemeClr val="lt1"/>
-                  </a:solidFill>
-                  <a:latin typeface="+mn-lt"/>
-                  <a:ea typeface="+mn-ea"/>
-                  <a:cs typeface="+mn-cs"/>
-                </a:defRPr>
-              </a:lvl5pPr>
-              <a:lvl6pPr marL="2286000" algn="l" defTabSz="457200" rtl="0" eaLnBrk="1" latinLnBrk="0" hangingPunct="1">
-                <a:defRPr sz="1800" kern="1200">
-                  <a:solidFill>
-                    <a:schemeClr val="lt1"/>
-                  </a:solidFill>
-                  <a:latin typeface="+mn-lt"/>
-                  <a:ea typeface="+mn-ea"/>
-                  <a:cs typeface="+mn-cs"/>
-                </a:defRPr>
-              </a:lvl6pPr>
-              <a:lvl7pPr marL="2743200" algn="l" defTabSz="457200" rtl="0" eaLnBrk="1" latinLnBrk="0" hangingPunct="1">
-                <a:defRPr sz="1800" kern="1200">
-                  <a:solidFill>
-                    <a:schemeClr val="lt1"/>
-                  </a:solidFill>
-                  <a:latin typeface="+mn-lt"/>
-                  <a:ea typeface="+mn-ea"/>
-                  <a:cs typeface="+mn-cs"/>
-                </a:defRPr>
-              </a:lvl7pPr>
-              <a:lvl8pPr marL="3200400" algn="l" defTabSz="457200" rtl="0" eaLnBrk="1" latinLnBrk="0" hangingPunct="1">
-                <a:defRPr sz="1800" kern="1200">
-                  <a:solidFill>
-                    <a:schemeClr val="lt1"/>
-                  </a:solidFill>
-                  <a:latin typeface="+mn-lt"/>
-                  <a:ea typeface="+mn-ea"/>
-                  <a:cs typeface="+mn-cs"/>
-                </a:defRPr>
-              </a:lvl8pPr>
-              <a:lvl9pPr marL="3657600" algn="l" defTabSz="457200" rtl="0" eaLnBrk="1" latinLnBrk="0" hangingPunct="1">
-                <a:defRPr sz="1800" kern="1200">
-                  <a:solidFill>
-                    <a:schemeClr val="lt1"/>
-                  </a:solidFill>
-                  <a:latin typeface="+mn-lt"/>
-                  <a:ea typeface="+mn-ea"/>
-                  <a:cs typeface="+mn-cs"/>
-                </a:defRPr>
-              </a:lvl9pPr>
-            </a:lstStyle>
-            <a:p>
-              <a:pPr algn="ctr"/>
-              <a:endParaRPr lang="en-US"/>
-            </a:p>
-          </p:txBody>
-        </p:sp>
-        <p:sp>
-          <p:nvSpPr>
-            <p:cNvPr id="40" name="Oval 39">
-              <a:extLst>
-                <a:ext uri="{FF2B5EF4-FFF2-40B4-BE49-F238E27FC236}">
-                  <a16:creationId xmlns:a16="http://schemas.microsoft.com/office/drawing/2014/main" id="{519BAC6B-48E4-62E4-9A08-EFB808E97500}"/>
-                </a:ext>
-              </a:extLst>
-            </p:cNvPr>
-            <p:cNvSpPr/>
-            <p:nvPr/>
-          </p:nvSpPr>
-          <p:spPr>
-            <a:xfrm>
-              <a:off x="8787866" y="3975232"/>
-              <a:ext cx="221381" cy="221381"/>
-            </a:xfrm>
-            <a:prstGeom prst="ellipse">
-              <a:avLst/>
-            </a:prstGeom>
-            <a:solidFill>
-              <a:srgbClr val="FF0000"/>
-            </a:solidFill>
-          </p:spPr>
-          <p:style>
-            <a:lnRef idx="2">
-              <a:schemeClr val="accent1">
-                <a:shade val="50000"/>
-              </a:schemeClr>
-            </a:lnRef>
-            <a:fillRef idx="1">
-              <a:schemeClr val="accent1"/>
-            </a:fillRef>
-            <a:effectRef idx="0">
-              <a:schemeClr val="accent1"/>
-            </a:effectRef>
-            <a:fontRef idx="minor">
-              <a:schemeClr val="lt1"/>
-            </a:fontRef>
-          </p:style>
-          <p:txBody>
-            <a:bodyPr rtlCol="0" anchor="ctr"/>
-            <a:lstStyle>
-              <a:defPPr>
-                <a:defRPr lang="en-US"/>
-              </a:defPPr>
-              <a:lvl1pPr marL="0" algn="l" defTabSz="457200" rtl="0" eaLnBrk="1" latinLnBrk="0" hangingPunct="1">
-                <a:defRPr sz="1800" kern="1200">
-                  <a:solidFill>
-                    <a:schemeClr val="lt1"/>
-                  </a:solidFill>
-                  <a:latin typeface="+mn-lt"/>
-                  <a:ea typeface="+mn-ea"/>
-                  <a:cs typeface="+mn-cs"/>
-                </a:defRPr>
-              </a:lvl1pPr>
-              <a:lvl2pPr marL="457200" algn="l" defTabSz="457200" rtl="0" eaLnBrk="1" latinLnBrk="0" hangingPunct="1">
-                <a:defRPr sz="1800" kern="1200">
-                  <a:solidFill>
-                    <a:schemeClr val="lt1"/>
-                  </a:solidFill>
-                  <a:latin typeface="+mn-lt"/>
-                  <a:ea typeface="+mn-ea"/>
-                  <a:cs typeface="+mn-cs"/>
-                </a:defRPr>
-              </a:lvl2pPr>
-              <a:lvl3pPr marL="914400" algn="l" defTabSz="457200" rtl="0" eaLnBrk="1" latinLnBrk="0" hangingPunct="1">
-                <a:defRPr sz="1800" kern="1200">
-                  <a:solidFill>
-                    <a:schemeClr val="lt1"/>
-                  </a:solidFill>
-                  <a:latin typeface="+mn-lt"/>
-                  <a:ea typeface="+mn-ea"/>
-                  <a:cs typeface="+mn-cs"/>
-                </a:defRPr>
-              </a:lvl3pPr>
-              <a:lvl4pPr marL="1371600" algn="l" defTabSz="457200" rtl="0" eaLnBrk="1" latinLnBrk="0" hangingPunct="1">
-                <a:defRPr sz="1800" kern="1200">
-                  <a:solidFill>
-                    <a:schemeClr val="lt1"/>
-                  </a:solidFill>
-                  <a:latin typeface="+mn-lt"/>
-                  <a:ea typeface="+mn-ea"/>
-                  <a:cs typeface="+mn-cs"/>
-                </a:defRPr>
-              </a:lvl4pPr>
-              <a:lvl5pPr marL="1828800" algn="l" defTabSz="457200" rtl="0" eaLnBrk="1" latinLnBrk="0" hangingPunct="1">
-                <a:defRPr sz="1800" kern="1200">
-                  <a:solidFill>
-                    <a:schemeClr val="lt1"/>
-                  </a:solidFill>
-                  <a:latin typeface="+mn-lt"/>
-                  <a:ea typeface="+mn-ea"/>
-                  <a:cs typeface="+mn-cs"/>
-                </a:defRPr>
-              </a:lvl5pPr>
-              <a:lvl6pPr marL="2286000" algn="l" defTabSz="457200" rtl="0" eaLnBrk="1" latinLnBrk="0" hangingPunct="1">
-                <a:defRPr sz="1800" kern="1200">
-                  <a:solidFill>
-                    <a:schemeClr val="lt1"/>
-                  </a:solidFill>
-                  <a:latin typeface="+mn-lt"/>
-                  <a:ea typeface="+mn-ea"/>
-                  <a:cs typeface="+mn-cs"/>
-                </a:defRPr>
-              </a:lvl6pPr>
-              <a:lvl7pPr marL="2743200" algn="l" defTabSz="457200" rtl="0" eaLnBrk="1" latinLnBrk="0" hangingPunct="1">
-                <a:defRPr sz="1800" kern="1200">
-                  <a:solidFill>
-                    <a:schemeClr val="lt1"/>
-                  </a:solidFill>
-                  <a:latin typeface="+mn-lt"/>
-                  <a:ea typeface="+mn-ea"/>
-                  <a:cs typeface="+mn-cs"/>
-                </a:defRPr>
-              </a:lvl7pPr>
-              <a:lvl8pPr marL="3200400" algn="l" defTabSz="457200" rtl="0" eaLnBrk="1" latinLnBrk="0" hangingPunct="1">
-                <a:defRPr sz="1800" kern="1200">
-                  <a:solidFill>
-                    <a:schemeClr val="lt1"/>
-                  </a:solidFill>
-                  <a:latin typeface="+mn-lt"/>
-                  <a:ea typeface="+mn-ea"/>
-                  <a:cs typeface="+mn-cs"/>
-                </a:defRPr>
-              </a:lvl8pPr>
-              <a:lvl9pPr marL="3657600" algn="l" defTabSz="457200" rtl="0" eaLnBrk="1" latinLnBrk="0" hangingPunct="1">
-                <a:defRPr sz="1800" kern="1200">
-                  <a:solidFill>
-                    <a:schemeClr val="lt1"/>
-                  </a:solidFill>
-                  <a:latin typeface="+mn-lt"/>
-                  <a:ea typeface="+mn-ea"/>
-                  <a:cs typeface="+mn-cs"/>
-                </a:defRPr>
-              </a:lvl9pPr>
-            </a:lstStyle>
-            <a:p>
-              <a:pPr algn="ctr"/>
-              <a:endParaRPr lang="en-US"/>
-            </a:p>
-          </p:txBody>
-        </p:sp>
-        <p:cxnSp>
-          <p:nvCxnSpPr>
-            <p:cNvPr id="41" name="Straight Connector 40">
-              <a:extLst>
-                <a:ext uri="{FF2B5EF4-FFF2-40B4-BE49-F238E27FC236}">
-                  <a16:creationId xmlns:a16="http://schemas.microsoft.com/office/drawing/2014/main" id="{0C10AC81-99B6-A6CE-998E-AA4225D3F818}"/>
-                </a:ext>
-              </a:extLst>
-            </p:cNvPr>
-            <p:cNvCxnSpPr>
-              <a:cxnSpLocks/>
-              <a:stCxn id="39" idx="6"/>
-              <a:endCxn id="40" idx="2"/>
-            </p:cNvCxnSpPr>
-            <p:nvPr/>
-          </p:nvCxnSpPr>
-          <p:spPr>
-            <a:xfrm flipV="1">
-              <a:off x="7666522" y="4085923"/>
-              <a:ext cx="1121344" cy="1"/>
-            </a:xfrm>
-            <a:prstGeom prst="line">
-              <a:avLst/>
-            </a:prstGeom>
-            <a:ln w="28575">
-              <a:solidFill>
-                <a:srgbClr val="FF0000"/>
-              </a:solidFill>
-            </a:ln>
-          </p:spPr>
-          <p:style>
-            <a:lnRef idx="1">
-              <a:schemeClr val="accent1"/>
-            </a:lnRef>
-            <a:fillRef idx="0">
-              <a:schemeClr val="accent1"/>
-            </a:fillRef>
-            <a:effectRef idx="0">
-              <a:schemeClr val="accent1"/>
-            </a:effectRef>
-            <a:fontRef idx="minor">
-              <a:schemeClr val="tx1"/>
-            </a:fontRef>
-          </p:style>
-        </p:cxnSp>
-        <p:sp>
-          <p:nvSpPr>
-            <p:cNvPr id="42" name="Oval 41">
-              <a:extLst>
-                <a:ext uri="{FF2B5EF4-FFF2-40B4-BE49-F238E27FC236}">
-                  <a16:creationId xmlns:a16="http://schemas.microsoft.com/office/drawing/2014/main" id="{73059D21-8C04-C8CA-89B4-54E80EE2C94F}"/>
-                </a:ext>
-              </a:extLst>
-            </p:cNvPr>
-            <p:cNvSpPr/>
-            <p:nvPr/>
-          </p:nvSpPr>
-          <p:spPr>
-            <a:xfrm>
-              <a:off x="3870157" y="1247807"/>
-              <a:ext cx="221381" cy="221381"/>
-            </a:xfrm>
-            <a:prstGeom prst="ellipse">
-              <a:avLst/>
-            </a:prstGeom>
-          </p:spPr>
-          <p:style>
-            <a:lnRef idx="2">
-              <a:schemeClr val="accent1">
-                <a:shade val="50000"/>
-              </a:schemeClr>
-            </a:lnRef>
-            <a:fillRef idx="1">
-              <a:schemeClr val="accent1"/>
-            </a:fillRef>
-            <a:effectRef idx="0">
-              <a:schemeClr val="accent1"/>
-            </a:effectRef>
-            <a:fontRef idx="minor">
-              <a:schemeClr val="lt1"/>
-            </a:fontRef>
-          </p:style>
-          <p:txBody>
-            <a:bodyPr rtlCol="0" anchor="ctr"/>
-            <a:lstStyle>
-              <a:defPPr>
-                <a:defRPr lang="en-US"/>
-              </a:defPPr>
-              <a:lvl1pPr marL="0" algn="l" defTabSz="457200" rtl="0" eaLnBrk="1" latinLnBrk="0" hangingPunct="1">
-                <a:defRPr sz="1800" kern="1200">
-                  <a:solidFill>
-                    <a:schemeClr val="lt1"/>
-                  </a:solidFill>
-                  <a:latin typeface="+mn-lt"/>
-                  <a:ea typeface="+mn-ea"/>
-                  <a:cs typeface="+mn-cs"/>
-                </a:defRPr>
-              </a:lvl1pPr>
-              <a:lvl2pPr marL="457200" algn="l" defTabSz="457200" rtl="0" eaLnBrk="1" latinLnBrk="0" hangingPunct="1">
-                <a:defRPr sz="1800" kern="1200">
-                  <a:solidFill>
-                    <a:schemeClr val="lt1"/>
-                  </a:solidFill>
-                  <a:latin typeface="+mn-lt"/>
-                  <a:ea typeface="+mn-ea"/>
-                  <a:cs typeface="+mn-cs"/>
-                </a:defRPr>
-              </a:lvl2pPr>
-              <a:lvl3pPr marL="914400" algn="l" defTabSz="457200" rtl="0" eaLnBrk="1" latinLnBrk="0" hangingPunct="1">
-                <a:defRPr sz="1800" kern="1200">
-                  <a:solidFill>
-                    <a:schemeClr val="lt1"/>
-                  </a:solidFill>
-                  <a:latin typeface="+mn-lt"/>
-                  <a:ea typeface="+mn-ea"/>
-                  <a:cs typeface="+mn-cs"/>
-                </a:defRPr>
-              </a:lvl3pPr>
-              <a:lvl4pPr marL="1371600" algn="l" defTabSz="457200" rtl="0" eaLnBrk="1" latinLnBrk="0" hangingPunct="1">
-                <a:defRPr sz="1800" kern="1200">
-                  <a:solidFill>
-                    <a:schemeClr val="lt1"/>
-                  </a:solidFill>
-                  <a:latin typeface="+mn-lt"/>
-                  <a:ea typeface="+mn-ea"/>
-                  <a:cs typeface="+mn-cs"/>
-                </a:defRPr>
-              </a:lvl4pPr>
-              <a:lvl5pPr marL="1828800" algn="l" defTabSz="457200" rtl="0" eaLnBrk="1" latinLnBrk="0" hangingPunct="1">
-                <a:defRPr sz="1800" kern="1200">
-                  <a:solidFill>
-                    <a:schemeClr val="lt1"/>
-                  </a:solidFill>
-                  <a:latin typeface="+mn-lt"/>
-                  <a:ea typeface="+mn-ea"/>
-                  <a:cs typeface="+mn-cs"/>
-                </a:defRPr>
-              </a:lvl5pPr>
-              <a:lvl6pPr marL="2286000" algn="l" defTabSz="457200" rtl="0" eaLnBrk="1" latinLnBrk="0" hangingPunct="1">
-                <a:defRPr sz="1800" kern="1200">
-                  <a:solidFill>
-                    <a:schemeClr val="lt1"/>
-                  </a:solidFill>
-                  <a:latin typeface="+mn-lt"/>
-                  <a:ea typeface="+mn-ea"/>
-                  <a:cs typeface="+mn-cs"/>
-                </a:defRPr>
-              </a:lvl6pPr>
-              <a:lvl7pPr marL="2743200" algn="l" defTabSz="457200" rtl="0" eaLnBrk="1" latinLnBrk="0" hangingPunct="1">
-                <a:defRPr sz="1800" kern="1200">
-                  <a:solidFill>
-                    <a:schemeClr val="lt1"/>
-                  </a:solidFill>
-                  <a:latin typeface="+mn-lt"/>
-                  <a:ea typeface="+mn-ea"/>
-                  <a:cs typeface="+mn-cs"/>
-                </a:defRPr>
-              </a:lvl7pPr>
-              <a:lvl8pPr marL="3200400" algn="l" defTabSz="457200" rtl="0" eaLnBrk="1" latinLnBrk="0" hangingPunct="1">
-                <a:defRPr sz="1800" kern="1200">
-                  <a:solidFill>
-                    <a:schemeClr val="lt1"/>
-                  </a:solidFill>
-                  <a:latin typeface="+mn-lt"/>
-                  <a:ea typeface="+mn-ea"/>
-                  <a:cs typeface="+mn-cs"/>
-                </a:defRPr>
-              </a:lvl8pPr>
-              <a:lvl9pPr marL="3657600" algn="l" defTabSz="457200" rtl="0" eaLnBrk="1" latinLnBrk="0" hangingPunct="1">
-                <a:defRPr sz="1800" kern="1200">
-                  <a:solidFill>
-                    <a:schemeClr val="lt1"/>
-                  </a:solidFill>
-                  <a:latin typeface="+mn-lt"/>
-                  <a:ea typeface="+mn-ea"/>
-                  <a:cs typeface="+mn-cs"/>
-                </a:defRPr>
-              </a:lvl9pPr>
-            </a:lstStyle>
-            <a:p>
-              <a:pPr algn="ctr"/>
-              <a:endParaRPr lang="en-US"/>
-            </a:p>
-          </p:txBody>
-        </p:sp>
-        <p:sp>
-          <p:nvSpPr>
-            <p:cNvPr id="43" name="Oval 42">
-              <a:extLst>
-                <a:ext uri="{FF2B5EF4-FFF2-40B4-BE49-F238E27FC236}">
-                  <a16:creationId xmlns:a16="http://schemas.microsoft.com/office/drawing/2014/main" id="{37D65988-8EBC-157F-648C-FA3B095E9B2E}"/>
-                </a:ext>
-              </a:extLst>
-            </p:cNvPr>
-            <p:cNvSpPr/>
-            <p:nvPr/>
-          </p:nvSpPr>
-          <p:spPr>
-            <a:xfrm>
-              <a:off x="6519200" y="1241658"/>
-              <a:ext cx="221381" cy="221381"/>
-            </a:xfrm>
-            <a:prstGeom prst="ellipse">
-              <a:avLst/>
-            </a:prstGeom>
-          </p:spPr>
-          <p:style>
-            <a:lnRef idx="2">
-              <a:schemeClr val="accent1">
-                <a:shade val="50000"/>
-              </a:schemeClr>
-            </a:lnRef>
-            <a:fillRef idx="1">
-              <a:schemeClr val="accent1"/>
-            </a:fillRef>
-            <a:effectRef idx="0">
-              <a:schemeClr val="accent1"/>
-            </a:effectRef>
-            <a:fontRef idx="minor">
-              <a:schemeClr val="lt1"/>
-            </a:fontRef>
-          </p:style>
-          <p:txBody>
-            <a:bodyPr rtlCol="0" anchor="ctr"/>
-            <a:lstStyle>
-              <a:defPPr>
-                <a:defRPr lang="en-US"/>
-              </a:defPPr>
-              <a:lvl1pPr marL="0" algn="l" defTabSz="457200" rtl="0" eaLnBrk="1" latinLnBrk="0" hangingPunct="1">
-                <a:defRPr sz="1800" kern="1200">
-                  <a:solidFill>
-                    <a:schemeClr val="lt1"/>
-                  </a:solidFill>
-                  <a:latin typeface="+mn-lt"/>
-                  <a:ea typeface="+mn-ea"/>
-                  <a:cs typeface="+mn-cs"/>
-                </a:defRPr>
-              </a:lvl1pPr>
-              <a:lvl2pPr marL="457200" algn="l" defTabSz="457200" rtl="0" eaLnBrk="1" latinLnBrk="0" hangingPunct="1">
-                <a:defRPr sz="1800" kern="1200">
-                  <a:solidFill>
-                    <a:schemeClr val="lt1"/>
-                  </a:solidFill>
-                  <a:latin typeface="+mn-lt"/>
-                  <a:ea typeface="+mn-ea"/>
-                  <a:cs typeface="+mn-cs"/>
-                </a:defRPr>
-              </a:lvl2pPr>
-              <a:lvl3pPr marL="914400" algn="l" defTabSz="457200" rtl="0" eaLnBrk="1" latinLnBrk="0" hangingPunct="1">
-                <a:defRPr sz="1800" kern="1200">
-                  <a:solidFill>
-                    <a:schemeClr val="lt1"/>
-                  </a:solidFill>
-                  <a:latin typeface="+mn-lt"/>
-                  <a:ea typeface="+mn-ea"/>
-                  <a:cs typeface="+mn-cs"/>
-                </a:defRPr>
-              </a:lvl3pPr>
-              <a:lvl4pPr marL="1371600" algn="l" defTabSz="457200" rtl="0" eaLnBrk="1" latinLnBrk="0" hangingPunct="1">
-                <a:defRPr sz="1800" kern="1200">
-                  <a:solidFill>
-                    <a:schemeClr val="lt1"/>
-                  </a:solidFill>
-                  <a:latin typeface="+mn-lt"/>
-                  <a:ea typeface="+mn-ea"/>
-                  <a:cs typeface="+mn-cs"/>
-                </a:defRPr>
-              </a:lvl4pPr>
-              <a:lvl5pPr marL="1828800" algn="l" defTabSz="457200" rtl="0" eaLnBrk="1" latinLnBrk="0" hangingPunct="1">
-                <a:defRPr sz="1800" kern="1200">
-                  <a:solidFill>
-                    <a:schemeClr val="lt1"/>
-                  </a:solidFill>
-                  <a:latin typeface="+mn-lt"/>
-                  <a:ea typeface="+mn-ea"/>
-                  <a:cs typeface="+mn-cs"/>
-                </a:defRPr>
-              </a:lvl5pPr>
-              <a:lvl6pPr marL="2286000" algn="l" defTabSz="457200" rtl="0" eaLnBrk="1" latinLnBrk="0" hangingPunct="1">
-                <a:defRPr sz="1800" kern="1200">
-                  <a:solidFill>
-                    <a:schemeClr val="lt1"/>
-                  </a:solidFill>
-                  <a:latin typeface="+mn-lt"/>
-                  <a:ea typeface="+mn-ea"/>
-                  <a:cs typeface="+mn-cs"/>
-                </a:defRPr>
-              </a:lvl6pPr>
-              <a:lvl7pPr marL="2743200" algn="l" defTabSz="457200" rtl="0" eaLnBrk="1" latinLnBrk="0" hangingPunct="1">
-                <a:defRPr sz="1800" kern="1200">
-                  <a:solidFill>
-                    <a:schemeClr val="lt1"/>
-                  </a:solidFill>
-                  <a:latin typeface="+mn-lt"/>
-                  <a:ea typeface="+mn-ea"/>
-                  <a:cs typeface="+mn-cs"/>
-                </a:defRPr>
-              </a:lvl7pPr>
-              <a:lvl8pPr marL="3200400" algn="l" defTabSz="457200" rtl="0" eaLnBrk="1" latinLnBrk="0" hangingPunct="1">
-                <a:defRPr sz="1800" kern="1200">
-                  <a:solidFill>
-                    <a:schemeClr val="lt1"/>
-                  </a:solidFill>
-                  <a:latin typeface="+mn-lt"/>
-                  <a:ea typeface="+mn-ea"/>
-                  <a:cs typeface="+mn-cs"/>
-                </a:defRPr>
-              </a:lvl8pPr>
-              <a:lvl9pPr marL="3657600" algn="l" defTabSz="457200" rtl="0" eaLnBrk="1" latinLnBrk="0" hangingPunct="1">
-                <a:defRPr sz="1800" kern="1200">
-                  <a:solidFill>
-                    <a:schemeClr val="lt1"/>
-                  </a:solidFill>
-                  <a:latin typeface="+mn-lt"/>
-                  <a:ea typeface="+mn-ea"/>
-                  <a:cs typeface="+mn-cs"/>
-                </a:defRPr>
-              </a:lvl9pPr>
-            </a:lstStyle>
-            <a:p>
-              <a:pPr algn="ctr"/>
-              <a:endParaRPr lang="en-US"/>
-            </a:p>
-          </p:txBody>
-        </p:sp>
-        <p:cxnSp>
-          <p:nvCxnSpPr>
-            <p:cNvPr id="44" name="Straight Connector 43">
-              <a:extLst>
-                <a:ext uri="{FF2B5EF4-FFF2-40B4-BE49-F238E27FC236}">
-                  <a16:creationId xmlns:a16="http://schemas.microsoft.com/office/drawing/2014/main" id="{F08667B8-1528-F094-3D5D-16394F740A36}"/>
-                </a:ext>
-              </a:extLst>
-            </p:cNvPr>
-            <p:cNvCxnSpPr>
-              <a:cxnSpLocks/>
-              <a:stCxn id="42" idx="6"/>
-              <a:endCxn id="43" idx="2"/>
-            </p:cNvCxnSpPr>
-            <p:nvPr/>
-          </p:nvCxnSpPr>
-          <p:spPr>
-            <a:xfrm flipV="1">
-              <a:off x="4091538" y="1352349"/>
-              <a:ext cx="2427662" cy="6149"/>
-            </a:xfrm>
-            <a:prstGeom prst="line">
-              <a:avLst/>
-            </a:prstGeom>
-            <a:ln w="28575">
-              <a:solidFill>
-                <a:srgbClr val="4472C4"/>
-              </a:solidFill>
-            </a:ln>
-          </p:spPr>
-          <p:style>
-            <a:lnRef idx="1">
-              <a:schemeClr val="accent1"/>
-            </a:lnRef>
-            <a:fillRef idx="0">
-              <a:schemeClr val="accent1"/>
-            </a:fillRef>
-            <a:effectRef idx="0">
-              <a:schemeClr val="accent1"/>
-            </a:effectRef>
-            <a:fontRef idx="minor">
-              <a:schemeClr val="tx1"/>
-            </a:fontRef>
-          </p:style>
-        </p:cxnSp>
-        <p:sp>
-          <p:nvSpPr>
-            <p:cNvPr id="45" name="Oval 44">
-              <a:extLst>
-                <a:ext uri="{FF2B5EF4-FFF2-40B4-BE49-F238E27FC236}">
-                  <a16:creationId xmlns:a16="http://schemas.microsoft.com/office/drawing/2014/main" id="{3B6D2F08-D614-DF64-EF0D-477BC2433F03}"/>
-                </a:ext>
-              </a:extLst>
-            </p:cNvPr>
-            <p:cNvSpPr/>
-            <p:nvPr/>
-          </p:nvSpPr>
-          <p:spPr>
-            <a:xfrm>
-              <a:off x="3870157" y="3981381"/>
-              <a:ext cx="221381" cy="221381"/>
-            </a:xfrm>
-            <a:prstGeom prst="ellipse">
-              <a:avLst/>
-            </a:prstGeom>
-          </p:spPr>
-          <p:style>
-            <a:lnRef idx="2">
-              <a:schemeClr val="accent1">
-                <a:shade val="50000"/>
-              </a:schemeClr>
-            </a:lnRef>
-            <a:fillRef idx="1">
-              <a:schemeClr val="accent1"/>
-            </a:fillRef>
-            <a:effectRef idx="0">
-              <a:schemeClr val="accent1"/>
-            </a:effectRef>
-            <a:fontRef idx="minor">
-              <a:schemeClr val="lt1"/>
-            </a:fontRef>
-          </p:style>
-          <p:txBody>
-            <a:bodyPr rtlCol="0" anchor="ctr"/>
-            <a:lstStyle>
-              <a:defPPr>
-                <a:defRPr lang="en-US"/>
-              </a:defPPr>
-              <a:lvl1pPr marL="0" algn="l" defTabSz="457200" rtl="0" eaLnBrk="1" latinLnBrk="0" hangingPunct="1">
-                <a:defRPr sz="1800" kern="1200">
-                  <a:solidFill>
-                    <a:schemeClr val="lt1"/>
-                  </a:solidFill>
-                  <a:latin typeface="+mn-lt"/>
-                  <a:ea typeface="+mn-ea"/>
-                  <a:cs typeface="+mn-cs"/>
-                </a:defRPr>
-              </a:lvl1pPr>
-              <a:lvl2pPr marL="457200" algn="l" defTabSz="457200" rtl="0" eaLnBrk="1" latinLnBrk="0" hangingPunct="1">
-                <a:defRPr sz="1800" kern="1200">
-                  <a:solidFill>
-                    <a:schemeClr val="lt1"/>
-                  </a:solidFill>
-                  <a:latin typeface="+mn-lt"/>
-                  <a:ea typeface="+mn-ea"/>
-                  <a:cs typeface="+mn-cs"/>
-                </a:defRPr>
-              </a:lvl2pPr>
-              <a:lvl3pPr marL="914400" algn="l" defTabSz="457200" rtl="0" eaLnBrk="1" latinLnBrk="0" hangingPunct="1">
-                <a:defRPr sz="1800" kern="1200">
-                  <a:solidFill>
-                    <a:schemeClr val="lt1"/>
-                  </a:solidFill>
-                  <a:latin typeface="+mn-lt"/>
-                  <a:ea typeface="+mn-ea"/>
-                  <a:cs typeface="+mn-cs"/>
-                </a:defRPr>
-              </a:lvl3pPr>
-              <a:lvl4pPr marL="1371600" algn="l" defTabSz="457200" rtl="0" eaLnBrk="1" latinLnBrk="0" hangingPunct="1">
-                <a:defRPr sz="1800" kern="1200">
-                  <a:solidFill>
-                    <a:schemeClr val="lt1"/>
-                  </a:solidFill>
-                  <a:latin typeface="+mn-lt"/>
-                  <a:ea typeface="+mn-ea"/>
-                  <a:cs typeface="+mn-cs"/>
-                </a:defRPr>
-              </a:lvl4pPr>
-              <a:lvl5pPr marL="1828800" algn="l" defTabSz="457200" rtl="0" eaLnBrk="1" latinLnBrk="0" hangingPunct="1">
-                <a:defRPr sz="1800" kern="1200">
-                  <a:solidFill>
-                    <a:schemeClr val="lt1"/>
-                  </a:solidFill>
-                  <a:latin typeface="+mn-lt"/>
-                  <a:ea typeface="+mn-ea"/>
-                  <a:cs typeface="+mn-cs"/>
-                </a:defRPr>
-              </a:lvl5pPr>
-              <a:lvl6pPr marL="2286000" algn="l" defTabSz="457200" rtl="0" eaLnBrk="1" latinLnBrk="0" hangingPunct="1">
-                <a:defRPr sz="1800" kern="1200">
-                  <a:solidFill>
-                    <a:schemeClr val="lt1"/>
-                  </a:solidFill>
-                  <a:latin typeface="+mn-lt"/>
-                  <a:ea typeface="+mn-ea"/>
-                  <a:cs typeface="+mn-cs"/>
-                </a:defRPr>
-              </a:lvl6pPr>
-              <a:lvl7pPr marL="2743200" algn="l" defTabSz="457200" rtl="0" eaLnBrk="1" latinLnBrk="0" hangingPunct="1">
-                <a:defRPr sz="1800" kern="1200">
-                  <a:solidFill>
-                    <a:schemeClr val="lt1"/>
-                  </a:solidFill>
-                  <a:latin typeface="+mn-lt"/>
-                  <a:ea typeface="+mn-ea"/>
-                  <a:cs typeface="+mn-cs"/>
-                </a:defRPr>
-              </a:lvl7pPr>
-              <a:lvl8pPr marL="3200400" algn="l" defTabSz="457200" rtl="0" eaLnBrk="1" latinLnBrk="0" hangingPunct="1">
-                <a:defRPr sz="1800" kern="1200">
-                  <a:solidFill>
-                    <a:schemeClr val="lt1"/>
-                  </a:solidFill>
-                  <a:latin typeface="+mn-lt"/>
-                  <a:ea typeface="+mn-ea"/>
-                  <a:cs typeface="+mn-cs"/>
-                </a:defRPr>
-              </a:lvl8pPr>
-              <a:lvl9pPr marL="3657600" algn="l" defTabSz="457200" rtl="0" eaLnBrk="1" latinLnBrk="0" hangingPunct="1">
-                <a:defRPr sz="1800" kern="1200">
-                  <a:solidFill>
-                    <a:schemeClr val="lt1"/>
-                  </a:solidFill>
-                  <a:latin typeface="+mn-lt"/>
-                  <a:ea typeface="+mn-ea"/>
-                  <a:cs typeface="+mn-cs"/>
-                </a:defRPr>
-              </a:lvl9pPr>
-            </a:lstStyle>
-            <a:p>
-              <a:pPr algn="ctr"/>
-              <a:endParaRPr lang="en-US"/>
-            </a:p>
-          </p:txBody>
-        </p:sp>
-        <p:sp>
-          <p:nvSpPr>
-            <p:cNvPr id="46" name="Oval 45">
-              <a:extLst>
-                <a:ext uri="{FF2B5EF4-FFF2-40B4-BE49-F238E27FC236}">
-                  <a16:creationId xmlns:a16="http://schemas.microsoft.com/office/drawing/2014/main" id="{DCDE59EA-A4B4-47BA-5CB2-1BA7395EA9F7}"/>
-                </a:ext>
-              </a:extLst>
-            </p:cNvPr>
-            <p:cNvSpPr/>
-            <p:nvPr/>
-          </p:nvSpPr>
-          <p:spPr>
-            <a:xfrm>
-              <a:off x="6519200" y="3975232"/>
-              <a:ext cx="221381" cy="221381"/>
-            </a:xfrm>
-            <a:prstGeom prst="ellipse">
-              <a:avLst/>
-            </a:prstGeom>
-          </p:spPr>
-          <p:style>
-            <a:lnRef idx="2">
-              <a:schemeClr val="accent1">
-                <a:shade val="50000"/>
-              </a:schemeClr>
-            </a:lnRef>
-            <a:fillRef idx="1">
-              <a:schemeClr val="accent1"/>
-            </a:fillRef>
-            <a:effectRef idx="0">
-              <a:schemeClr val="accent1"/>
-            </a:effectRef>
-            <a:fontRef idx="minor">
-              <a:schemeClr val="lt1"/>
-            </a:fontRef>
-          </p:style>
-          <p:txBody>
-            <a:bodyPr rtlCol="0" anchor="ctr"/>
-            <a:lstStyle>
-              <a:defPPr>
-                <a:defRPr lang="en-US"/>
-              </a:defPPr>
-              <a:lvl1pPr marL="0" algn="l" defTabSz="457200" rtl="0" eaLnBrk="1" latinLnBrk="0" hangingPunct="1">
-                <a:defRPr sz="1800" kern="1200">
-                  <a:solidFill>
-                    <a:schemeClr val="lt1"/>
-                  </a:solidFill>
-                  <a:latin typeface="+mn-lt"/>
-                  <a:ea typeface="+mn-ea"/>
-                  <a:cs typeface="+mn-cs"/>
-                </a:defRPr>
-              </a:lvl1pPr>
-              <a:lvl2pPr marL="457200" algn="l" defTabSz="457200" rtl="0" eaLnBrk="1" latinLnBrk="0" hangingPunct="1">
-                <a:defRPr sz="1800" kern="1200">
-                  <a:solidFill>
-                    <a:schemeClr val="lt1"/>
-                  </a:solidFill>
-                  <a:latin typeface="+mn-lt"/>
-                  <a:ea typeface="+mn-ea"/>
-                  <a:cs typeface="+mn-cs"/>
-                </a:defRPr>
-              </a:lvl2pPr>
-              <a:lvl3pPr marL="914400" algn="l" defTabSz="457200" rtl="0" eaLnBrk="1" latinLnBrk="0" hangingPunct="1">
-                <a:defRPr sz="1800" kern="1200">
-                  <a:solidFill>
-                    <a:schemeClr val="lt1"/>
-                  </a:solidFill>
-                  <a:latin typeface="+mn-lt"/>
-                  <a:ea typeface="+mn-ea"/>
-                  <a:cs typeface="+mn-cs"/>
-                </a:defRPr>
-              </a:lvl3pPr>
-              <a:lvl4pPr marL="1371600" algn="l" defTabSz="457200" rtl="0" eaLnBrk="1" latinLnBrk="0" hangingPunct="1">
-                <a:defRPr sz="1800" kern="1200">
-                  <a:solidFill>
-                    <a:schemeClr val="lt1"/>
-                  </a:solidFill>
-                  <a:latin typeface="+mn-lt"/>
-                  <a:ea typeface="+mn-ea"/>
-                  <a:cs typeface="+mn-cs"/>
-                </a:defRPr>
-              </a:lvl4pPr>
-              <a:lvl5pPr marL="1828800" algn="l" defTabSz="457200" rtl="0" eaLnBrk="1" latinLnBrk="0" hangingPunct="1">
-                <a:defRPr sz="1800" kern="1200">
-                  <a:solidFill>
-                    <a:schemeClr val="lt1"/>
-                  </a:solidFill>
-                  <a:latin typeface="+mn-lt"/>
-                  <a:ea typeface="+mn-ea"/>
-                  <a:cs typeface="+mn-cs"/>
-                </a:defRPr>
-              </a:lvl5pPr>
-              <a:lvl6pPr marL="2286000" algn="l" defTabSz="457200" rtl="0" eaLnBrk="1" latinLnBrk="0" hangingPunct="1">
-                <a:defRPr sz="1800" kern="1200">
-                  <a:solidFill>
-                    <a:schemeClr val="lt1"/>
-                  </a:solidFill>
-                  <a:latin typeface="+mn-lt"/>
-                  <a:ea typeface="+mn-ea"/>
-                  <a:cs typeface="+mn-cs"/>
-                </a:defRPr>
-              </a:lvl6pPr>
-              <a:lvl7pPr marL="2743200" algn="l" defTabSz="457200" rtl="0" eaLnBrk="1" latinLnBrk="0" hangingPunct="1">
-                <a:defRPr sz="1800" kern="1200">
-                  <a:solidFill>
-                    <a:schemeClr val="lt1"/>
-                  </a:solidFill>
-                  <a:latin typeface="+mn-lt"/>
-                  <a:ea typeface="+mn-ea"/>
-                  <a:cs typeface="+mn-cs"/>
-                </a:defRPr>
-              </a:lvl7pPr>
-              <a:lvl8pPr marL="3200400" algn="l" defTabSz="457200" rtl="0" eaLnBrk="1" latinLnBrk="0" hangingPunct="1">
-                <a:defRPr sz="1800" kern="1200">
-                  <a:solidFill>
-                    <a:schemeClr val="lt1"/>
-                  </a:solidFill>
-                  <a:latin typeface="+mn-lt"/>
-                  <a:ea typeface="+mn-ea"/>
-                  <a:cs typeface="+mn-cs"/>
-                </a:defRPr>
-              </a:lvl8pPr>
-              <a:lvl9pPr marL="3657600" algn="l" defTabSz="457200" rtl="0" eaLnBrk="1" latinLnBrk="0" hangingPunct="1">
-                <a:defRPr sz="1800" kern="1200">
-                  <a:solidFill>
-                    <a:schemeClr val="lt1"/>
-                  </a:solidFill>
-                  <a:latin typeface="+mn-lt"/>
-                  <a:ea typeface="+mn-ea"/>
-                  <a:cs typeface="+mn-cs"/>
-                </a:defRPr>
-              </a:lvl9pPr>
-            </a:lstStyle>
-            <a:p>
-              <a:pPr algn="ctr"/>
-              <a:endParaRPr lang="en-US"/>
-            </a:p>
-          </p:txBody>
-        </p:sp>
-        <p:cxnSp>
-          <p:nvCxnSpPr>
-            <p:cNvPr id="47" name="Straight Connector 46">
-              <a:extLst>
-                <a:ext uri="{FF2B5EF4-FFF2-40B4-BE49-F238E27FC236}">
-                  <a16:creationId xmlns:a16="http://schemas.microsoft.com/office/drawing/2014/main" id="{C6933342-8628-CC6E-B56B-27A5E7E9EDC6}"/>
-                </a:ext>
-              </a:extLst>
-            </p:cNvPr>
-            <p:cNvCxnSpPr>
-              <a:cxnSpLocks/>
-              <a:stCxn id="45" idx="6"/>
-              <a:endCxn id="46" idx="2"/>
-            </p:cNvCxnSpPr>
-            <p:nvPr/>
-          </p:nvCxnSpPr>
-          <p:spPr>
-            <a:xfrm flipV="1">
-              <a:off x="4091538" y="4085923"/>
-              <a:ext cx="2427662" cy="6149"/>
-            </a:xfrm>
-            <a:prstGeom prst="line">
-              <a:avLst/>
-            </a:prstGeom>
-            <a:ln w="28575">
-              <a:solidFill>
-                <a:srgbClr val="4472C4"/>
-              </a:solidFill>
-            </a:ln>
-          </p:spPr>
-          <p:style>
-            <a:lnRef idx="1">
-              <a:schemeClr val="accent1"/>
-            </a:lnRef>
-            <a:fillRef idx="0">
-              <a:schemeClr val="accent1"/>
-            </a:fillRef>
-            <a:effectRef idx="0">
-              <a:schemeClr val="accent1"/>
-            </a:effectRef>
-            <a:fontRef idx="minor">
-              <a:schemeClr val="tx1"/>
-            </a:fontRef>
-          </p:style>
-        </p:cxnSp>
-        <p:sp>
-          <p:nvSpPr>
-            <p:cNvPr id="48" name="Isosceles Triangle 47">
-              <a:extLst>
-                <a:ext uri="{FF2B5EF4-FFF2-40B4-BE49-F238E27FC236}">
-                  <a16:creationId xmlns:a16="http://schemas.microsoft.com/office/drawing/2014/main" id="{B41606A7-5E31-DD91-2437-9DF91C4C3D06}"/>
-                </a:ext>
-              </a:extLst>
-            </p:cNvPr>
-            <p:cNvSpPr/>
-            <p:nvPr/>
-          </p:nvSpPr>
-          <p:spPr>
-            <a:xfrm rot="10800000">
-              <a:off x="798897" y="543908"/>
-              <a:ext cx="524576" cy="452221"/>
-            </a:xfrm>
-            <a:prstGeom prst="triangle">
-              <a:avLst/>
-            </a:prstGeom>
-            <a:solidFill>
-              <a:srgbClr val="FFC000"/>
-            </a:solidFill>
-          </p:spPr>
-          <p:style>
-            <a:lnRef idx="2">
-              <a:schemeClr val="accent1">
-                <a:shade val="50000"/>
-              </a:schemeClr>
-            </a:lnRef>
-            <a:fillRef idx="1">
-              <a:schemeClr val="accent1"/>
-            </a:fillRef>
-            <a:effectRef idx="0">
-              <a:schemeClr val="accent1"/>
-            </a:effectRef>
-            <a:fontRef idx="minor">
-              <a:schemeClr val="lt1"/>
-            </a:fontRef>
-          </p:style>
-          <p:txBody>
-            <a:bodyPr rot="0" spcFirstLastPara="0" vert="horz" wrap="square" lIns="91440" tIns="45720" rIns="91440" bIns="45720" numCol="1" spcCol="0" rtlCol="0" fromWordArt="0" anchor="ctr" anchorCtr="0" forceAA="0" compatLnSpc="1">
-              <a:prstTxWarp prst="textNoShape">
-                <a:avLst/>
-              </a:prstTxWarp>
-              <a:noAutofit/>
-            </a:bodyPr>
-            <a:lstStyle>
-              <a:defPPr>
-                <a:defRPr lang="en-US"/>
-              </a:defPPr>
-              <a:lvl1pPr marL="0" algn="l" defTabSz="457200" rtl="0" eaLnBrk="1" latinLnBrk="0" hangingPunct="1">
-                <a:defRPr sz="1800" kern="1200">
-                  <a:solidFill>
-                    <a:schemeClr val="lt1"/>
-                  </a:solidFill>
-                  <a:latin typeface="+mn-lt"/>
-                  <a:ea typeface="+mn-ea"/>
-                  <a:cs typeface="+mn-cs"/>
-                </a:defRPr>
-              </a:lvl1pPr>
-              <a:lvl2pPr marL="457200" algn="l" defTabSz="457200" rtl="0" eaLnBrk="1" latinLnBrk="0" hangingPunct="1">
-                <a:defRPr sz="1800" kern="1200">
-                  <a:solidFill>
-                    <a:schemeClr val="lt1"/>
-                  </a:solidFill>
-                  <a:latin typeface="+mn-lt"/>
-                  <a:ea typeface="+mn-ea"/>
-                  <a:cs typeface="+mn-cs"/>
-                </a:defRPr>
-              </a:lvl2pPr>
-              <a:lvl3pPr marL="914400" algn="l" defTabSz="457200" rtl="0" eaLnBrk="1" latinLnBrk="0" hangingPunct="1">
-                <a:defRPr sz="1800" kern="1200">
-                  <a:solidFill>
-                    <a:schemeClr val="lt1"/>
-                  </a:solidFill>
-                  <a:latin typeface="+mn-lt"/>
-                  <a:ea typeface="+mn-ea"/>
-                  <a:cs typeface="+mn-cs"/>
-                </a:defRPr>
-              </a:lvl3pPr>
-              <a:lvl4pPr marL="1371600" algn="l" defTabSz="457200" rtl="0" eaLnBrk="1" latinLnBrk="0" hangingPunct="1">
-                <a:defRPr sz="1800" kern="1200">
-                  <a:solidFill>
-                    <a:schemeClr val="lt1"/>
-                  </a:solidFill>
-                  <a:latin typeface="+mn-lt"/>
-                  <a:ea typeface="+mn-ea"/>
-                  <a:cs typeface="+mn-cs"/>
-                </a:defRPr>
-              </a:lvl4pPr>
-              <a:lvl5pPr marL="1828800" algn="l" defTabSz="457200" rtl="0" eaLnBrk="1" latinLnBrk="0" hangingPunct="1">
-                <a:defRPr sz="1800" kern="1200">
-                  <a:solidFill>
-                    <a:schemeClr val="lt1"/>
-                  </a:solidFill>
-                  <a:latin typeface="+mn-lt"/>
-                  <a:ea typeface="+mn-ea"/>
-                  <a:cs typeface="+mn-cs"/>
-                </a:defRPr>
-              </a:lvl5pPr>
-              <a:lvl6pPr marL="2286000" algn="l" defTabSz="457200" rtl="0" eaLnBrk="1" latinLnBrk="0" hangingPunct="1">
-                <a:defRPr sz="1800" kern="1200">
-                  <a:solidFill>
-                    <a:schemeClr val="lt1"/>
-                  </a:solidFill>
-                  <a:latin typeface="+mn-lt"/>
-                  <a:ea typeface="+mn-ea"/>
-                  <a:cs typeface="+mn-cs"/>
-                </a:defRPr>
-              </a:lvl6pPr>
-              <a:lvl7pPr marL="2743200" algn="l" defTabSz="457200" rtl="0" eaLnBrk="1" latinLnBrk="0" hangingPunct="1">
-                <a:defRPr sz="1800" kern="1200">
-                  <a:solidFill>
-                    <a:schemeClr val="lt1"/>
-                  </a:solidFill>
-                  <a:latin typeface="+mn-lt"/>
-                  <a:ea typeface="+mn-ea"/>
-                  <a:cs typeface="+mn-cs"/>
-                </a:defRPr>
-              </a:lvl7pPr>
-              <a:lvl8pPr marL="3200400" algn="l" defTabSz="457200" rtl="0" eaLnBrk="1" latinLnBrk="0" hangingPunct="1">
-                <a:defRPr sz="1800" kern="1200">
-                  <a:solidFill>
-                    <a:schemeClr val="lt1"/>
-                  </a:solidFill>
-                  <a:latin typeface="+mn-lt"/>
-                  <a:ea typeface="+mn-ea"/>
-                  <a:cs typeface="+mn-cs"/>
-                </a:defRPr>
-              </a:lvl8pPr>
-              <a:lvl9pPr marL="3657600" algn="l" defTabSz="457200" rtl="0" eaLnBrk="1" latinLnBrk="0" hangingPunct="1">
-                <a:defRPr sz="1800" kern="1200">
-                  <a:solidFill>
-                    <a:schemeClr val="lt1"/>
-                  </a:solidFill>
-                  <a:latin typeface="+mn-lt"/>
-                  <a:ea typeface="+mn-ea"/>
-                  <a:cs typeface="+mn-cs"/>
-                </a:defRPr>
-              </a:lvl9pPr>
-            </a:lstStyle>
-            <a:p>
-              <a:pPr algn="ctr"/>
-              <a:endParaRPr lang="en-US"/>
-            </a:p>
-          </p:txBody>
-        </p:sp>
-        <p:cxnSp>
-          <p:nvCxnSpPr>
-            <p:cNvPr id="49" name="Straight Connector 48">
-              <a:extLst>
-                <a:ext uri="{FF2B5EF4-FFF2-40B4-BE49-F238E27FC236}">
-                  <a16:creationId xmlns:a16="http://schemas.microsoft.com/office/drawing/2014/main" id="{BF2AD0BB-EFD3-C0D8-68AF-63969DDC0AE9}"/>
-                </a:ext>
-              </a:extLst>
-            </p:cNvPr>
-            <p:cNvCxnSpPr>
-              <a:cxnSpLocks/>
-              <a:stCxn id="48" idx="0"/>
-            </p:cNvCxnSpPr>
-            <p:nvPr/>
-          </p:nvCxnSpPr>
-          <p:spPr>
-            <a:xfrm>
-              <a:off x="1061185" y="996129"/>
-              <a:ext cx="541421" cy="356220"/>
-            </a:xfrm>
-            <a:prstGeom prst="line">
-              <a:avLst/>
-            </a:prstGeom>
-            <a:ln w="28575">
-              <a:solidFill>
-                <a:srgbClr val="FFC000"/>
-              </a:solidFill>
-            </a:ln>
-          </p:spPr>
-          <p:style>
-            <a:lnRef idx="1">
-              <a:schemeClr val="accent1"/>
-            </a:lnRef>
-            <a:fillRef idx="0">
-              <a:schemeClr val="accent1"/>
-            </a:fillRef>
-            <a:effectRef idx="0">
-              <a:schemeClr val="accent1"/>
-            </a:effectRef>
-            <a:fontRef idx="minor">
-              <a:schemeClr val="tx1"/>
-            </a:fontRef>
-          </p:style>
-        </p:cxnSp>
-        <p:sp>
-          <p:nvSpPr>
-            <p:cNvPr id="50" name="Isosceles Triangle 49">
-              <a:extLst>
-                <a:ext uri="{FF2B5EF4-FFF2-40B4-BE49-F238E27FC236}">
-                  <a16:creationId xmlns:a16="http://schemas.microsoft.com/office/drawing/2014/main" id="{57959152-442C-C981-9D9C-99CBD6316556}"/>
-                </a:ext>
-              </a:extLst>
-            </p:cNvPr>
-            <p:cNvSpPr/>
-            <p:nvPr/>
-          </p:nvSpPr>
-          <p:spPr>
-            <a:xfrm rot="10800000">
-              <a:off x="9288380" y="519845"/>
-              <a:ext cx="524576" cy="452221"/>
-            </a:xfrm>
-            <a:prstGeom prst="triangle">
-              <a:avLst/>
-            </a:prstGeom>
-            <a:solidFill>
-              <a:srgbClr val="FF0000"/>
-            </a:solidFill>
-          </p:spPr>
-          <p:style>
-            <a:lnRef idx="2">
-              <a:schemeClr val="accent1">
-                <a:shade val="50000"/>
-              </a:schemeClr>
-            </a:lnRef>
-            <a:fillRef idx="1">
-              <a:schemeClr val="accent1"/>
-            </a:fillRef>
-            <a:effectRef idx="0">
-              <a:schemeClr val="accent1"/>
-            </a:effectRef>
-            <a:fontRef idx="minor">
-              <a:schemeClr val="lt1"/>
-            </a:fontRef>
-          </p:style>
-          <p:txBody>
-            <a:bodyPr rot="0" spcFirstLastPara="0" vert="horz" wrap="square" lIns="91440" tIns="45720" rIns="91440" bIns="45720" numCol="1" spcCol="0" rtlCol="0" fromWordArt="0" anchor="ctr" anchorCtr="0" forceAA="0" compatLnSpc="1">
-              <a:prstTxWarp prst="textNoShape">
-                <a:avLst/>
-              </a:prstTxWarp>
-              <a:noAutofit/>
-            </a:bodyPr>
-            <a:lstStyle>
-              <a:defPPr>
-                <a:defRPr lang="en-US"/>
-              </a:defPPr>
-              <a:lvl1pPr marL="0" algn="l" defTabSz="457200" rtl="0" eaLnBrk="1" latinLnBrk="0" hangingPunct="1">
-                <a:defRPr sz="1800" kern="1200">
-                  <a:solidFill>
-                    <a:schemeClr val="lt1"/>
-                  </a:solidFill>
-                  <a:latin typeface="+mn-lt"/>
-                  <a:ea typeface="+mn-ea"/>
-                  <a:cs typeface="+mn-cs"/>
-                </a:defRPr>
-              </a:lvl1pPr>
-              <a:lvl2pPr marL="457200" algn="l" defTabSz="457200" rtl="0" eaLnBrk="1" latinLnBrk="0" hangingPunct="1">
-                <a:defRPr sz="1800" kern="1200">
-                  <a:solidFill>
-                    <a:schemeClr val="lt1"/>
-                  </a:solidFill>
-                  <a:latin typeface="+mn-lt"/>
-                  <a:ea typeface="+mn-ea"/>
-                  <a:cs typeface="+mn-cs"/>
-                </a:defRPr>
-              </a:lvl2pPr>
-              <a:lvl3pPr marL="914400" algn="l" defTabSz="457200" rtl="0" eaLnBrk="1" latinLnBrk="0" hangingPunct="1">
-                <a:defRPr sz="1800" kern="1200">
-                  <a:solidFill>
-                    <a:schemeClr val="lt1"/>
-                  </a:solidFill>
-                  <a:latin typeface="+mn-lt"/>
-                  <a:ea typeface="+mn-ea"/>
-                  <a:cs typeface="+mn-cs"/>
-                </a:defRPr>
-              </a:lvl3pPr>
-              <a:lvl4pPr marL="1371600" algn="l" defTabSz="457200" rtl="0" eaLnBrk="1" latinLnBrk="0" hangingPunct="1">
-                <a:defRPr sz="1800" kern="1200">
-                  <a:solidFill>
-                    <a:schemeClr val="lt1"/>
-                  </a:solidFill>
-                  <a:latin typeface="+mn-lt"/>
-                  <a:ea typeface="+mn-ea"/>
-                  <a:cs typeface="+mn-cs"/>
-                </a:defRPr>
-              </a:lvl4pPr>
-              <a:lvl5pPr marL="1828800" algn="l" defTabSz="457200" rtl="0" eaLnBrk="1" latinLnBrk="0" hangingPunct="1">
-                <a:defRPr sz="1800" kern="1200">
-                  <a:solidFill>
-                    <a:schemeClr val="lt1"/>
-                  </a:solidFill>
-                  <a:latin typeface="+mn-lt"/>
-                  <a:ea typeface="+mn-ea"/>
-                  <a:cs typeface="+mn-cs"/>
-                </a:defRPr>
-              </a:lvl5pPr>
-              <a:lvl6pPr marL="2286000" algn="l" defTabSz="457200" rtl="0" eaLnBrk="1" latinLnBrk="0" hangingPunct="1">
-                <a:defRPr sz="1800" kern="1200">
-                  <a:solidFill>
-                    <a:schemeClr val="lt1"/>
-                  </a:solidFill>
-                  <a:latin typeface="+mn-lt"/>
-                  <a:ea typeface="+mn-ea"/>
-                  <a:cs typeface="+mn-cs"/>
-                </a:defRPr>
-              </a:lvl6pPr>
-              <a:lvl7pPr marL="2743200" algn="l" defTabSz="457200" rtl="0" eaLnBrk="1" latinLnBrk="0" hangingPunct="1">
-                <a:defRPr sz="1800" kern="1200">
-                  <a:solidFill>
-                    <a:schemeClr val="lt1"/>
-                  </a:solidFill>
-                  <a:latin typeface="+mn-lt"/>
-                  <a:ea typeface="+mn-ea"/>
-                  <a:cs typeface="+mn-cs"/>
-                </a:defRPr>
-              </a:lvl7pPr>
-              <a:lvl8pPr marL="3200400" algn="l" defTabSz="457200" rtl="0" eaLnBrk="1" latinLnBrk="0" hangingPunct="1">
-                <a:defRPr sz="1800" kern="1200">
-                  <a:solidFill>
-                    <a:schemeClr val="lt1"/>
-                  </a:solidFill>
-                  <a:latin typeface="+mn-lt"/>
-                  <a:ea typeface="+mn-ea"/>
-                  <a:cs typeface="+mn-cs"/>
-                </a:defRPr>
-              </a:lvl8pPr>
-              <a:lvl9pPr marL="3657600" algn="l" defTabSz="457200" rtl="0" eaLnBrk="1" latinLnBrk="0" hangingPunct="1">
-                <a:defRPr sz="1800" kern="1200">
-                  <a:solidFill>
-                    <a:schemeClr val="lt1"/>
-                  </a:solidFill>
-                  <a:latin typeface="+mn-lt"/>
-                  <a:ea typeface="+mn-ea"/>
-                  <a:cs typeface="+mn-cs"/>
-                </a:defRPr>
-              </a:lvl9pPr>
-            </a:lstStyle>
-            <a:p>
-              <a:pPr algn="ctr"/>
-              <a:endParaRPr lang="en-US"/>
-            </a:p>
-          </p:txBody>
-        </p:sp>
-        <p:cxnSp>
-          <p:nvCxnSpPr>
-            <p:cNvPr id="51" name="Straight Connector 50">
-              <a:extLst>
-                <a:ext uri="{FF2B5EF4-FFF2-40B4-BE49-F238E27FC236}">
-                  <a16:creationId xmlns:a16="http://schemas.microsoft.com/office/drawing/2014/main" id="{A6306A2F-C547-0863-003D-4AFC49D18177}"/>
-                </a:ext>
-              </a:extLst>
-            </p:cNvPr>
-            <p:cNvCxnSpPr>
-              <a:cxnSpLocks/>
-              <a:stCxn id="50" idx="0"/>
-            </p:cNvCxnSpPr>
-            <p:nvPr/>
-          </p:nvCxnSpPr>
-          <p:spPr>
-            <a:xfrm flipH="1">
-              <a:off x="9014060" y="972066"/>
-              <a:ext cx="536608" cy="380283"/>
-            </a:xfrm>
-            <a:prstGeom prst="line">
-              <a:avLst/>
-            </a:prstGeom>
-            <a:ln w="28575">
-              <a:solidFill>
-                <a:srgbClr val="FF0000"/>
-              </a:solidFill>
-            </a:ln>
-          </p:spPr>
-          <p:style>
-            <a:lnRef idx="1">
-              <a:schemeClr val="accent1"/>
-            </a:lnRef>
-            <a:fillRef idx="0">
-              <a:schemeClr val="accent1"/>
-            </a:fillRef>
-            <a:effectRef idx="0">
-              <a:schemeClr val="accent1"/>
-            </a:effectRef>
-            <a:fontRef idx="minor">
-              <a:schemeClr val="tx1"/>
-            </a:fontRef>
-          </p:style>
-        </p:cxnSp>
-        <p:sp>
-          <p:nvSpPr>
-            <p:cNvPr id="52" name="TextBox 48">
-              <a:extLst>
-                <a:ext uri="{FF2B5EF4-FFF2-40B4-BE49-F238E27FC236}">
-                  <a16:creationId xmlns:a16="http://schemas.microsoft.com/office/drawing/2014/main" id="{90A71E14-9C9C-B48B-EBD0-026A389DBD31}"/>
-                </a:ext>
-              </a:extLst>
-            </p:cNvPr>
-            <p:cNvSpPr txBox="1"/>
-            <p:nvPr/>
-          </p:nvSpPr>
-          <p:spPr>
-            <a:xfrm>
-              <a:off x="1995854" y="2321169"/>
-              <a:ext cx="918841" cy="923330"/>
-            </a:xfrm>
-            <a:prstGeom prst="rect">
-              <a:avLst/>
-            </a:prstGeom>
-            <a:noFill/>
-          </p:spPr>
-          <p:txBody>
-            <a:bodyPr wrap="none" rtlCol="0">
-              <a:spAutoFit/>
-            </a:bodyPr>
-            <a:lstStyle>
-              <a:defPPr>
-                <a:defRPr lang="en-US"/>
-              </a:defPPr>
-              <a:lvl1pPr marL="0" algn="l" defTabSz="457200" rtl="0" eaLnBrk="1" latinLnBrk="0" hangingPunct="1">
-                <a:defRPr sz="1800" kern="1200">
-                  <a:solidFill>
-                    <a:schemeClr val="tx1"/>
-                  </a:solidFill>
-                  <a:latin typeface="+mn-lt"/>
-                  <a:ea typeface="+mn-ea"/>
-                  <a:cs typeface="+mn-cs"/>
-                </a:defRPr>
-              </a:lvl1pPr>
-              <a:lvl2pPr marL="457200" algn="l" defTabSz="457200" rtl="0" eaLnBrk="1" latinLnBrk="0" hangingPunct="1">
-                <a:defRPr sz="1800" kern="1200">
-                  <a:solidFill>
-                    <a:schemeClr val="tx1"/>
-                  </a:solidFill>
-                  <a:latin typeface="+mn-lt"/>
-                  <a:ea typeface="+mn-ea"/>
-                  <a:cs typeface="+mn-cs"/>
-                </a:defRPr>
-              </a:lvl2pPr>
-              <a:lvl3pPr marL="914400" algn="l" defTabSz="457200" rtl="0" eaLnBrk="1" latinLnBrk="0" hangingPunct="1">
-                <a:defRPr sz="1800" kern="1200">
-                  <a:solidFill>
-                    <a:schemeClr val="tx1"/>
-                  </a:solidFill>
-                  <a:latin typeface="+mn-lt"/>
-                  <a:ea typeface="+mn-ea"/>
-                  <a:cs typeface="+mn-cs"/>
-                </a:defRPr>
-              </a:lvl3pPr>
-              <a:lvl4pPr marL="1371600" algn="l" defTabSz="457200" rtl="0" eaLnBrk="1" latinLnBrk="0" hangingPunct="1">
-                <a:defRPr sz="1800" kern="1200">
-                  <a:solidFill>
-                    <a:schemeClr val="tx1"/>
-                  </a:solidFill>
-                  <a:latin typeface="+mn-lt"/>
-                  <a:ea typeface="+mn-ea"/>
-                  <a:cs typeface="+mn-cs"/>
-                </a:defRPr>
-              </a:lvl4pPr>
-              <a:lvl5pPr marL="1828800" algn="l" defTabSz="457200" rtl="0" eaLnBrk="1" latinLnBrk="0" hangingPunct="1">
-                <a:defRPr sz="1800" kern="1200">
-                  <a:solidFill>
-                    <a:schemeClr val="tx1"/>
-                  </a:solidFill>
-                  <a:latin typeface="+mn-lt"/>
-                  <a:ea typeface="+mn-ea"/>
-                  <a:cs typeface="+mn-cs"/>
-                </a:defRPr>
-              </a:lvl5pPr>
-              <a:lvl6pPr marL="2286000" algn="l" defTabSz="457200" rtl="0" eaLnBrk="1" latinLnBrk="0" hangingPunct="1">
-                <a:defRPr sz="1800" kern="1200">
-                  <a:solidFill>
-                    <a:schemeClr val="tx1"/>
-                  </a:solidFill>
-                  <a:latin typeface="+mn-lt"/>
-                  <a:ea typeface="+mn-ea"/>
-                  <a:cs typeface="+mn-cs"/>
-                </a:defRPr>
-              </a:lvl6pPr>
-              <a:lvl7pPr marL="2743200" algn="l" defTabSz="457200" rtl="0" eaLnBrk="1" latinLnBrk="0" hangingPunct="1">
-                <a:defRPr sz="1800" kern="1200">
-                  <a:solidFill>
-                    <a:schemeClr val="tx1"/>
-                  </a:solidFill>
-                  <a:latin typeface="+mn-lt"/>
-                  <a:ea typeface="+mn-ea"/>
-                  <a:cs typeface="+mn-cs"/>
-                </a:defRPr>
-              </a:lvl7pPr>
-              <a:lvl8pPr marL="3200400" algn="l" defTabSz="457200" rtl="0" eaLnBrk="1" latinLnBrk="0" hangingPunct="1">
-                <a:defRPr sz="1800" kern="1200">
-                  <a:solidFill>
-                    <a:schemeClr val="tx1"/>
-                  </a:solidFill>
-                  <a:latin typeface="+mn-lt"/>
-                  <a:ea typeface="+mn-ea"/>
-                  <a:cs typeface="+mn-cs"/>
-                </a:defRPr>
-              </a:lvl8pPr>
-              <a:lvl9pPr marL="3657600" algn="l" defTabSz="457200" rtl="0" eaLnBrk="1" latinLnBrk="0" hangingPunct="1">
-                <a:defRPr sz="1800" kern="1200">
-                  <a:solidFill>
-                    <a:schemeClr val="tx1"/>
-                  </a:solidFill>
-                  <a:latin typeface="+mn-lt"/>
-                  <a:ea typeface="+mn-ea"/>
-                  <a:cs typeface="+mn-cs"/>
-                </a:defRPr>
-              </a:lvl9pPr>
-            </a:lstStyle>
-            <a:p>
-              <a:pPr algn="ctr"/>
-              <a:r>
-                <a:rPr lang="it-IT" dirty="0"/>
-                <a:t>WSON</a:t>
-              </a:r>
-            </a:p>
-            <a:p>
-              <a:pPr algn="ctr"/>
-              <a:r>
-                <a:rPr lang="it-IT" dirty="0"/>
-                <a:t>GMPLS</a:t>
-              </a:r>
-              <a:br>
-                <a:rPr lang="it-IT" dirty="0"/>
-              </a:br>
-              <a:r>
-                <a:rPr lang="it-IT" dirty="0"/>
-                <a:t>Domain</a:t>
-              </a:r>
-              <a:endParaRPr lang="en-US" dirty="0"/>
-            </a:p>
-          </p:txBody>
-        </p:sp>
-        <p:sp>
-          <p:nvSpPr>
-            <p:cNvPr id="53" name="TextBox 49">
-              <a:extLst>
-                <a:ext uri="{FF2B5EF4-FFF2-40B4-BE49-F238E27FC236}">
-                  <a16:creationId xmlns:a16="http://schemas.microsoft.com/office/drawing/2014/main" id="{E6A2D269-21BF-002F-F2AC-2BC808368AAA}"/>
-                </a:ext>
-              </a:extLst>
-            </p:cNvPr>
-            <p:cNvSpPr txBox="1"/>
-            <p:nvPr/>
-          </p:nvSpPr>
-          <p:spPr>
-            <a:xfrm>
-              <a:off x="7604935" y="2321169"/>
-              <a:ext cx="1042017" cy="923330"/>
-            </a:xfrm>
-            <a:prstGeom prst="rect">
-              <a:avLst/>
-            </a:prstGeom>
-            <a:noFill/>
-          </p:spPr>
-          <p:txBody>
-            <a:bodyPr wrap="none" rtlCol="0">
-              <a:spAutoFit/>
-            </a:bodyPr>
-            <a:lstStyle>
-              <a:defPPr>
-                <a:defRPr lang="en-US"/>
-              </a:defPPr>
-              <a:lvl1pPr marL="0" algn="l" defTabSz="457200" rtl="0" eaLnBrk="1" latinLnBrk="0" hangingPunct="1">
-                <a:defRPr sz="1800" kern="1200">
-                  <a:solidFill>
-                    <a:schemeClr val="tx1"/>
-                  </a:solidFill>
-                  <a:latin typeface="+mn-lt"/>
-                  <a:ea typeface="+mn-ea"/>
-                  <a:cs typeface="+mn-cs"/>
-                </a:defRPr>
-              </a:lvl1pPr>
-              <a:lvl2pPr marL="457200" algn="l" defTabSz="457200" rtl="0" eaLnBrk="1" latinLnBrk="0" hangingPunct="1">
-                <a:defRPr sz="1800" kern="1200">
-                  <a:solidFill>
-                    <a:schemeClr val="tx1"/>
-                  </a:solidFill>
-                  <a:latin typeface="+mn-lt"/>
-                  <a:ea typeface="+mn-ea"/>
-                  <a:cs typeface="+mn-cs"/>
-                </a:defRPr>
-              </a:lvl2pPr>
-              <a:lvl3pPr marL="914400" algn="l" defTabSz="457200" rtl="0" eaLnBrk="1" latinLnBrk="0" hangingPunct="1">
-                <a:defRPr sz="1800" kern="1200">
-                  <a:solidFill>
-                    <a:schemeClr val="tx1"/>
-                  </a:solidFill>
-                  <a:latin typeface="+mn-lt"/>
-                  <a:ea typeface="+mn-ea"/>
-                  <a:cs typeface="+mn-cs"/>
-                </a:defRPr>
-              </a:lvl3pPr>
-              <a:lvl4pPr marL="1371600" algn="l" defTabSz="457200" rtl="0" eaLnBrk="1" latinLnBrk="0" hangingPunct="1">
-                <a:defRPr sz="1800" kern="1200">
-                  <a:solidFill>
-                    <a:schemeClr val="tx1"/>
-                  </a:solidFill>
-                  <a:latin typeface="+mn-lt"/>
-                  <a:ea typeface="+mn-ea"/>
-                  <a:cs typeface="+mn-cs"/>
-                </a:defRPr>
-              </a:lvl4pPr>
-              <a:lvl5pPr marL="1828800" algn="l" defTabSz="457200" rtl="0" eaLnBrk="1" latinLnBrk="0" hangingPunct="1">
-                <a:defRPr sz="1800" kern="1200">
-                  <a:solidFill>
-                    <a:schemeClr val="tx1"/>
-                  </a:solidFill>
-                  <a:latin typeface="+mn-lt"/>
-                  <a:ea typeface="+mn-ea"/>
-                  <a:cs typeface="+mn-cs"/>
-                </a:defRPr>
-              </a:lvl5pPr>
-              <a:lvl6pPr marL="2286000" algn="l" defTabSz="457200" rtl="0" eaLnBrk="1" latinLnBrk="0" hangingPunct="1">
-                <a:defRPr sz="1800" kern="1200">
-                  <a:solidFill>
-                    <a:schemeClr val="tx1"/>
-                  </a:solidFill>
-                  <a:latin typeface="+mn-lt"/>
-                  <a:ea typeface="+mn-ea"/>
-                  <a:cs typeface="+mn-cs"/>
-                </a:defRPr>
-              </a:lvl6pPr>
-              <a:lvl7pPr marL="2743200" algn="l" defTabSz="457200" rtl="0" eaLnBrk="1" latinLnBrk="0" hangingPunct="1">
-                <a:defRPr sz="1800" kern="1200">
-                  <a:solidFill>
-                    <a:schemeClr val="tx1"/>
-                  </a:solidFill>
-                  <a:latin typeface="+mn-lt"/>
-                  <a:ea typeface="+mn-ea"/>
-                  <a:cs typeface="+mn-cs"/>
-                </a:defRPr>
-              </a:lvl7pPr>
-              <a:lvl8pPr marL="3200400" algn="l" defTabSz="457200" rtl="0" eaLnBrk="1" latinLnBrk="0" hangingPunct="1">
-                <a:defRPr sz="1800" kern="1200">
-                  <a:solidFill>
-                    <a:schemeClr val="tx1"/>
-                  </a:solidFill>
-                  <a:latin typeface="+mn-lt"/>
-                  <a:ea typeface="+mn-ea"/>
-                  <a:cs typeface="+mn-cs"/>
-                </a:defRPr>
-              </a:lvl8pPr>
-              <a:lvl9pPr marL="3657600" algn="l" defTabSz="457200" rtl="0" eaLnBrk="1" latinLnBrk="0" hangingPunct="1">
-                <a:defRPr sz="1800" kern="1200">
-                  <a:solidFill>
-                    <a:schemeClr val="tx1"/>
-                  </a:solidFill>
-                  <a:latin typeface="+mn-lt"/>
-                  <a:ea typeface="+mn-ea"/>
-                  <a:cs typeface="+mn-cs"/>
-                </a:defRPr>
-              </a:lvl9pPr>
-            </a:lstStyle>
-            <a:p>
-              <a:pPr algn="ctr"/>
-              <a:r>
-                <a:rPr lang="it-IT" dirty="0"/>
-                <a:t>Flexi-grid</a:t>
-              </a:r>
-            </a:p>
-            <a:p>
-              <a:pPr algn="ctr"/>
-              <a:r>
-                <a:rPr lang="it-IT" dirty="0"/>
-                <a:t>GMPLS</a:t>
-              </a:r>
-              <a:br>
-                <a:rPr lang="it-IT" dirty="0"/>
-              </a:br>
-              <a:r>
-                <a:rPr lang="it-IT" dirty="0"/>
-                <a:t>Domain</a:t>
-              </a:r>
-              <a:endParaRPr lang="en-US" dirty="0"/>
-            </a:p>
-          </p:txBody>
-        </p:sp>
-      </p:grpSp>
-      <p:sp>
-        <p:nvSpPr>
-          <p:cNvPr id="62" name="Freeform: Shape 61">
-            <a:extLst>
-              <a:ext uri="{FF2B5EF4-FFF2-40B4-BE49-F238E27FC236}">
-                <a16:creationId xmlns:a16="http://schemas.microsoft.com/office/drawing/2014/main" id="{7C29B0BC-240E-E93A-E4C9-7E3A1A81D531}"/>
-              </a:ext>
-            </a:extLst>
-          </p:cNvPr>
-          <p:cNvSpPr/>
-          <p:nvPr/>
-        </p:nvSpPr>
-        <p:spPr>
-          <a:xfrm>
-            <a:off x="2876204" y="2468880"/>
-            <a:ext cx="5985163" cy="590286"/>
-          </a:xfrm>
-          <a:custGeom>
-            <a:avLst/>
-            <a:gdLst>
-              <a:gd name="connsiteX0" fmla="*/ 0 w 5985163"/>
-              <a:gd name="connsiteY0" fmla="*/ 0 h 590286"/>
-              <a:gd name="connsiteX1" fmla="*/ 141316 w 5985163"/>
-              <a:gd name="connsiteY1" fmla="*/ 382385 h 590286"/>
-              <a:gd name="connsiteX2" fmla="*/ 565265 w 5985163"/>
-              <a:gd name="connsiteY2" fmla="*/ 573578 h 590286"/>
-              <a:gd name="connsiteX3" fmla="*/ 2510443 w 5985163"/>
-              <a:gd name="connsiteY3" fmla="*/ 540327 h 590286"/>
-              <a:gd name="connsiteX4" fmla="*/ 4912821 w 5985163"/>
-              <a:gd name="connsiteY4" fmla="*/ 581891 h 590286"/>
-              <a:gd name="connsiteX5" fmla="*/ 5536276 w 5985163"/>
-              <a:gd name="connsiteY5" fmla="*/ 573578 h 590286"/>
-              <a:gd name="connsiteX6" fmla="*/ 5877098 w 5985163"/>
-              <a:gd name="connsiteY6" fmla="*/ 415636 h 590286"/>
-              <a:gd name="connsiteX7" fmla="*/ 5985163 w 5985163"/>
-              <a:gd name="connsiteY7" fmla="*/ 33251 h 590286"/>
-            </a:gdLst>
-            <a:ahLst/>
-            <a:cxnLst>
-              <a:cxn ang="0">
-                <a:pos x="connsiteX0" y="connsiteY0"/>
-              </a:cxn>
-              <a:cxn ang="0">
-                <a:pos x="connsiteX1" y="connsiteY1"/>
-              </a:cxn>
-              <a:cxn ang="0">
-                <a:pos x="connsiteX2" y="connsiteY2"/>
-              </a:cxn>
-              <a:cxn ang="0">
-                <a:pos x="connsiteX3" y="connsiteY3"/>
-              </a:cxn>
-              <a:cxn ang="0">
-                <a:pos x="connsiteX4" y="connsiteY4"/>
-              </a:cxn>
-              <a:cxn ang="0">
-                <a:pos x="connsiteX5" y="connsiteY5"/>
-              </a:cxn>
-              <a:cxn ang="0">
-                <a:pos x="connsiteX6" y="connsiteY6"/>
-              </a:cxn>
-              <a:cxn ang="0">
-                <a:pos x="connsiteX7" y="connsiteY7"/>
-              </a:cxn>
-            </a:cxnLst>
-            <a:rect l="l" t="t" r="r" b="b"/>
-            <a:pathLst>
-              <a:path w="5985163" h="590286">
-                <a:moveTo>
-                  <a:pt x="0" y="0"/>
-                </a:moveTo>
-                <a:cubicBezTo>
-                  <a:pt x="23552" y="143394"/>
-                  <a:pt x="47105" y="286789"/>
-                  <a:pt x="141316" y="382385"/>
-                </a:cubicBezTo>
-                <a:cubicBezTo>
-                  <a:pt x="235527" y="477981"/>
-                  <a:pt x="170410" y="547254"/>
-                  <a:pt x="565265" y="573578"/>
-                </a:cubicBezTo>
-                <a:cubicBezTo>
-                  <a:pt x="960120" y="599902"/>
-                  <a:pt x="1785850" y="538942"/>
-                  <a:pt x="2510443" y="540327"/>
-                </a:cubicBezTo>
-                <a:cubicBezTo>
-                  <a:pt x="3235036" y="541713"/>
-                  <a:pt x="4408516" y="576349"/>
-                  <a:pt x="4912821" y="581891"/>
-                </a:cubicBezTo>
-                <a:cubicBezTo>
-                  <a:pt x="5417126" y="587433"/>
-                  <a:pt x="5375563" y="601287"/>
-                  <a:pt x="5536276" y="573578"/>
-                </a:cubicBezTo>
-                <a:cubicBezTo>
-                  <a:pt x="5696989" y="545869"/>
-                  <a:pt x="5802284" y="505690"/>
-                  <a:pt x="5877098" y="415636"/>
-                </a:cubicBezTo>
-                <a:cubicBezTo>
-                  <a:pt x="5951912" y="325582"/>
-                  <a:pt x="5968537" y="179416"/>
-                  <a:pt x="5985163" y="33251"/>
-                </a:cubicBezTo>
-              </a:path>
-            </a:pathLst>
-          </a:custGeom>
-        </p:spPr>
-        <p:style>
-          <a:lnRef idx="3">
-            <a:schemeClr val="accent6"/>
-          </a:lnRef>
-          <a:fillRef idx="0">
-            <a:schemeClr val="accent6"/>
-          </a:fillRef>
-          <a:effectRef idx="2">
-            <a:schemeClr val="accent6"/>
-          </a:effectRef>
-          <a:fontRef idx="minor">
-            <a:schemeClr val="tx1"/>
-          </a:fontRef>
-        </p:style>
-        <p:txBody>
-          <a:bodyPr rtlCol="0" anchor="ctr"/>
-          <a:lstStyle/>
-          <a:p>
-            <a:pPr algn="ctr"/>
-            <a:endParaRPr lang="en-US" dirty="0">
-              <a:solidFill>
-                <a:schemeClr val="tx1"/>
-              </a:solidFill>
-            </a:endParaRPr>
-          </a:p>
-        </p:txBody>
-      </p:sp>
-      <p:sp>
-        <p:nvSpPr>
-          <p:cNvPr id="63" name="TextBox 62">
-            <a:extLst>
-              <a:ext uri="{FF2B5EF4-FFF2-40B4-BE49-F238E27FC236}">
-                <a16:creationId xmlns:a16="http://schemas.microsoft.com/office/drawing/2014/main" id="{47775F93-24B7-784C-86DB-3E2CE4233DCB}"/>
-              </a:ext>
-            </a:extLst>
-          </p:cNvPr>
-          <p:cNvSpPr txBox="1"/>
-          <p:nvPr/>
-        </p:nvSpPr>
-        <p:spPr>
-          <a:xfrm>
-            <a:off x="2997165" y="1272711"/>
-            <a:ext cx="2871620" cy="1477328"/>
-          </a:xfrm>
-          <a:prstGeom prst="rect">
-            <a:avLst/>
-          </a:prstGeom>
-          <a:noFill/>
-          <a:ln>
-            <a:noFill/>
-          </a:ln>
-        </p:spPr>
-        <p:txBody>
-          <a:bodyPr wrap="none" rtlCol="0">
-            <a:spAutoFit/>
-          </a:bodyPr>
-          <a:lstStyle/>
-          <a:p>
-            <a:r>
-              <a:rPr lang="en-US" dirty="0"/>
-              <a:t>WDM Tunnel</a:t>
-            </a:r>
-          </a:p>
-          <a:p>
-            <a:r>
-              <a:rPr lang="en-US" dirty="0"/>
-              <a:t>   - </a:t>
-            </a:r>
-            <a:r>
-              <a:rPr lang="en-US" dirty="0">
-                <a:solidFill>
-                  <a:srgbClr val="00B050"/>
-                </a:solidFill>
-              </a:rPr>
-              <a:t>primary path (nominal)</a:t>
-            </a:r>
-          </a:p>
-          <a:p>
-            <a:r>
-              <a:rPr lang="en-US" dirty="0"/>
-              <a:t>   - </a:t>
-            </a:r>
-            <a:r>
-              <a:rPr lang="en-US" dirty="0">
-                <a:solidFill>
-                  <a:srgbClr val="FF0000"/>
-                </a:solidFill>
-              </a:rPr>
-              <a:t>primary path (active)</a:t>
-            </a:r>
-          </a:p>
-          <a:p>
-            <a:r>
-              <a:rPr lang="en-US" dirty="0"/>
-              <a:t>   - </a:t>
-            </a:r>
-            <a:r>
-              <a:rPr lang="en-US" dirty="0">
-                <a:solidFill>
-                  <a:srgbClr val="0070C0"/>
-                </a:solidFill>
-              </a:rPr>
-              <a:t>secondary path (nominal)</a:t>
-            </a:r>
-          </a:p>
-          <a:p>
-            <a:r>
-              <a:rPr lang="en-US" dirty="0"/>
-              <a:t>   - </a:t>
-            </a:r>
-            <a:r>
-              <a:rPr lang="en-US" dirty="0">
-                <a:solidFill>
-                  <a:srgbClr val="00B0F0"/>
-                </a:solidFill>
-              </a:rPr>
-              <a:t>secondary path (active)</a:t>
-            </a:r>
-          </a:p>
-        </p:txBody>
-      </p:sp>
-      <p:sp>
-        <p:nvSpPr>
-          <p:cNvPr id="64" name="Freeform: Shape 63">
-            <a:extLst>
-              <a:ext uri="{FF2B5EF4-FFF2-40B4-BE49-F238E27FC236}">
-                <a16:creationId xmlns:a16="http://schemas.microsoft.com/office/drawing/2014/main" id="{02EDBCBA-516E-1CDB-E71D-5335F9159FDA}"/>
-              </a:ext>
-            </a:extLst>
-          </p:cNvPr>
-          <p:cNvSpPr/>
-          <p:nvPr/>
-        </p:nvSpPr>
-        <p:spPr>
-          <a:xfrm>
-            <a:off x="2811590" y="2460567"/>
-            <a:ext cx="6141217" cy="2450773"/>
-          </a:xfrm>
-          <a:custGeom>
-            <a:avLst/>
-            <a:gdLst>
-              <a:gd name="connsiteX0" fmla="*/ 6425 w 6141217"/>
-              <a:gd name="connsiteY0" fmla="*/ 33251 h 2450773"/>
-              <a:gd name="connsiteX1" fmla="*/ 222555 w 6141217"/>
-              <a:gd name="connsiteY1" fmla="*/ 581891 h 2450773"/>
-              <a:gd name="connsiteX2" fmla="*/ 1469465 w 6141217"/>
-              <a:gd name="connsiteY2" fmla="*/ 714895 h 2450773"/>
-              <a:gd name="connsiteX3" fmla="*/ 1718846 w 6141217"/>
-              <a:gd name="connsiteY3" fmla="*/ 1213658 h 2450773"/>
-              <a:gd name="connsiteX4" fmla="*/ 1710534 w 6141217"/>
-              <a:gd name="connsiteY4" fmla="*/ 2019993 h 2450773"/>
-              <a:gd name="connsiteX5" fmla="*/ 1918352 w 6141217"/>
-              <a:gd name="connsiteY5" fmla="*/ 2369128 h 2450773"/>
-              <a:gd name="connsiteX6" fmla="*/ 4013159 w 6141217"/>
-              <a:gd name="connsiteY6" fmla="*/ 2302626 h 2450773"/>
-              <a:gd name="connsiteX7" fmla="*/ 4287479 w 6141217"/>
-              <a:gd name="connsiteY7" fmla="*/ 839586 h 2450773"/>
-              <a:gd name="connsiteX8" fmla="*/ 5501137 w 6141217"/>
-              <a:gd name="connsiteY8" fmla="*/ 681644 h 2450773"/>
-              <a:gd name="connsiteX9" fmla="*/ 5991588 w 6141217"/>
-              <a:gd name="connsiteY9" fmla="*/ 523702 h 2450773"/>
-              <a:gd name="connsiteX10" fmla="*/ 6141217 w 6141217"/>
-              <a:gd name="connsiteY10" fmla="*/ 0 h 2450773"/>
-            </a:gdLst>
-            <a:ahLst/>
-            <a:cxnLst>
-              <a:cxn ang="0">
-                <a:pos x="connsiteX0" y="connsiteY0"/>
-              </a:cxn>
-              <a:cxn ang="0">
-                <a:pos x="connsiteX1" y="connsiteY1"/>
-              </a:cxn>
-              <a:cxn ang="0">
-                <a:pos x="connsiteX2" y="connsiteY2"/>
-              </a:cxn>
-              <a:cxn ang="0">
-                <a:pos x="connsiteX3" y="connsiteY3"/>
-              </a:cxn>
-              <a:cxn ang="0">
-                <a:pos x="connsiteX4" y="connsiteY4"/>
-              </a:cxn>
-              <a:cxn ang="0">
-                <a:pos x="connsiteX5" y="connsiteY5"/>
-              </a:cxn>
-              <a:cxn ang="0">
-                <a:pos x="connsiteX6" y="connsiteY6"/>
-              </a:cxn>
-              <a:cxn ang="0">
-                <a:pos x="connsiteX7" y="connsiteY7"/>
-              </a:cxn>
-              <a:cxn ang="0">
-                <a:pos x="connsiteX8" y="connsiteY8"/>
-              </a:cxn>
-              <a:cxn ang="0">
-                <a:pos x="connsiteX9" y="connsiteY9"/>
-              </a:cxn>
-              <a:cxn ang="0">
-                <a:pos x="connsiteX10" y="connsiteY10"/>
-              </a:cxn>
-            </a:cxnLst>
-            <a:rect l="l" t="t" r="r" b="b"/>
-            <a:pathLst>
-              <a:path w="6141217" h="2450773">
-                <a:moveTo>
-                  <a:pt x="6425" y="33251"/>
-                </a:moveTo>
-                <a:cubicBezTo>
-                  <a:pt x="-7430" y="250767"/>
-                  <a:pt x="-21285" y="468284"/>
-                  <a:pt x="222555" y="581891"/>
-                </a:cubicBezTo>
-                <a:cubicBezTo>
-                  <a:pt x="466395" y="695498"/>
-                  <a:pt x="1220083" y="609601"/>
-                  <a:pt x="1469465" y="714895"/>
-                </a:cubicBezTo>
-                <a:cubicBezTo>
-                  <a:pt x="1718847" y="820189"/>
-                  <a:pt x="1678668" y="996142"/>
-                  <a:pt x="1718846" y="1213658"/>
-                </a:cubicBezTo>
-                <a:cubicBezTo>
-                  <a:pt x="1759024" y="1431174"/>
-                  <a:pt x="1677283" y="1827415"/>
-                  <a:pt x="1710534" y="2019993"/>
-                </a:cubicBezTo>
-                <a:cubicBezTo>
-                  <a:pt x="1743785" y="2212571"/>
-                  <a:pt x="1534581" y="2322023"/>
-                  <a:pt x="1918352" y="2369128"/>
-                </a:cubicBezTo>
-                <a:cubicBezTo>
-                  <a:pt x="2302123" y="2416233"/>
-                  <a:pt x="3618305" y="2557550"/>
-                  <a:pt x="4013159" y="2302626"/>
-                </a:cubicBezTo>
-                <a:cubicBezTo>
-                  <a:pt x="4408013" y="2047702"/>
-                  <a:pt x="4039483" y="1109750"/>
-                  <a:pt x="4287479" y="839586"/>
-                </a:cubicBezTo>
-                <a:cubicBezTo>
-                  <a:pt x="4535475" y="569422"/>
-                  <a:pt x="5217119" y="734291"/>
-                  <a:pt x="5501137" y="681644"/>
-                </a:cubicBezTo>
-                <a:cubicBezTo>
-                  <a:pt x="5785155" y="628997"/>
-                  <a:pt x="5884908" y="637309"/>
-                  <a:pt x="5991588" y="523702"/>
-                </a:cubicBezTo>
-                <a:cubicBezTo>
-                  <a:pt x="6098268" y="410095"/>
-                  <a:pt x="6119742" y="205047"/>
-                  <a:pt x="6141217" y="0"/>
-                </a:cubicBezTo>
-              </a:path>
-            </a:pathLst>
-          </a:custGeom>
-          <a:noFill/>
-          <a:ln>
-            <a:solidFill>
-              <a:srgbClr val="FF0000"/>
-            </a:solidFill>
-          </a:ln>
-        </p:spPr>
-        <p:style>
-          <a:lnRef idx="2">
-            <a:schemeClr val="accent1">
-              <a:shade val="15000"/>
-            </a:schemeClr>
-          </a:lnRef>
-          <a:fillRef idx="1">
-            <a:schemeClr val="accent1"/>
-          </a:fillRef>
-          <a:effectRef idx="0">
-            <a:schemeClr val="accent1"/>
-          </a:effectRef>
-          <a:fontRef idx="minor">
-            <a:schemeClr val="lt1"/>
-          </a:fontRef>
-        </p:style>
-        <p:txBody>
-          <a:bodyPr rtlCol="0" anchor="ctr"/>
-          <a:lstStyle/>
-          <a:p>
-            <a:pPr algn="ctr"/>
-            <a:endParaRPr lang="en-US"/>
-          </a:p>
-        </p:txBody>
-      </p:sp>
-      <p:sp>
-        <p:nvSpPr>
-          <p:cNvPr id="65" name="Freeform: Shape 64">
-            <a:extLst>
-              <a:ext uri="{FF2B5EF4-FFF2-40B4-BE49-F238E27FC236}">
-                <a16:creationId xmlns:a16="http://schemas.microsoft.com/office/drawing/2014/main" id="{0E1D24D3-828F-3624-7354-C82AA22EF4EE}"/>
-              </a:ext>
-            </a:extLst>
-          </p:cNvPr>
-          <p:cNvSpPr/>
-          <p:nvPr/>
-        </p:nvSpPr>
-        <p:spPr>
-          <a:xfrm>
-            <a:off x="2759825" y="2468880"/>
-            <a:ext cx="6251171" cy="2578209"/>
-          </a:xfrm>
-          <a:custGeom>
-            <a:avLst/>
-            <a:gdLst>
-              <a:gd name="connsiteX0" fmla="*/ 0 w 6251171"/>
-              <a:gd name="connsiteY0" fmla="*/ 91440 h 2578209"/>
-              <a:gd name="connsiteX1" fmla="*/ 99753 w 6251171"/>
-              <a:gd name="connsiteY1" fmla="*/ 1039091 h 2578209"/>
-              <a:gd name="connsiteX2" fmla="*/ 124691 w 6251171"/>
-              <a:gd name="connsiteY2" fmla="*/ 2360815 h 2578209"/>
-              <a:gd name="connsiteX3" fmla="*/ 889462 w 6251171"/>
-              <a:gd name="connsiteY3" fmla="*/ 2560320 h 2578209"/>
-              <a:gd name="connsiteX4" fmla="*/ 2335877 w 6251171"/>
-              <a:gd name="connsiteY4" fmla="*/ 2568633 h 2578209"/>
-              <a:gd name="connsiteX5" fmla="*/ 4447310 w 6251171"/>
-              <a:gd name="connsiteY5" fmla="*/ 2543695 h 2578209"/>
-              <a:gd name="connsiteX6" fmla="*/ 6068291 w 6251171"/>
-              <a:gd name="connsiteY6" fmla="*/ 2510444 h 2578209"/>
-              <a:gd name="connsiteX7" fmla="*/ 6217920 w 6251171"/>
-              <a:gd name="connsiteY7" fmla="*/ 1770611 h 2578209"/>
-              <a:gd name="connsiteX8" fmla="*/ 6251171 w 6251171"/>
-              <a:gd name="connsiteY8" fmla="*/ 0 h 2578209"/>
-            </a:gdLst>
-            <a:ahLst/>
-            <a:cxnLst>
-              <a:cxn ang="0">
-                <a:pos x="connsiteX0" y="connsiteY0"/>
-              </a:cxn>
-              <a:cxn ang="0">
-                <a:pos x="connsiteX1" y="connsiteY1"/>
-              </a:cxn>
-              <a:cxn ang="0">
-                <a:pos x="connsiteX2" y="connsiteY2"/>
-              </a:cxn>
-              <a:cxn ang="0">
-                <a:pos x="connsiteX3" y="connsiteY3"/>
-              </a:cxn>
-              <a:cxn ang="0">
-                <a:pos x="connsiteX4" y="connsiteY4"/>
-              </a:cxn>
-              <a:cxn ang="0">
-                <a:pos x="connsiteX5" y="connsiteY5"/>
-              </a:cxn>
-              <a:cxn ang="0">
-                <a:pos x="connsiteX6" y="connsiteY6"/>
-              </a:cxn>
-              <a:cxn ang="0">
-                <a:pos x="connsiteX7" y="connsiteY7"/>
-              </a:cxn>
-              <a:cxn ang="0">
-                <a:pos x="connsiteX8" y="connsiteY8"/>
-              </a:cxn>
-            </a:cxnLst>
-            <a:rect l="l" t="t" r="r" b="b"/>
-            <a:pathLst>
-              <a:path w="6251171" h="2578209">
-                <a:moveTo>
-                  <a:pt x="0" y="91440"/>
-                </a:moveTo>
-                <a:cubicBezTo>
-                  <a:pt x="39485" y="376151"/>
-                  <a:pt x="78971" y="660862"/>
-                  <a:pt x="99753" y="1039091"/>
-                </a:cubicBezTo>
-                <a:cubicBezTo>
-                  <a:pt x="120535" y="1417320"/>
-                  <a:pt x="-6927" y="2107277"/>
-                  <a:pt x="124691" y="2360815"/>
-                </a:cubicBezTo>
-                <a:cubicBezTo>
-                  <a:pt x="256309" y="2614353"/>
-                  <a:pt x="520931" y="2525684"/>
-                  <a:pt x="889462" y="2560320"/>
-                </a:cubicBezTo>
-                <a:cubicBezTo>
-                  <a:pt x="1257993" y="2594956"/>
-                  <a:pt x="2335877" y="2568633"/>
-                  <a:pt x="2335877" y="2568633"/>
-                </a:cubicBezTo>
-                <a:lnTo>
-                  <a:pt x="4447310" y="2543695"/>
-                </a:lnTo>
-                <a:cubicBezTo>
-                  <a:pt x="5069379" y="2533997"/>
-                  <a:pt x="5773189" y="2639291"/>
-                  <a:pt x="6068291" y="2510444"/>
-                </a:cubicBezTo>
-                <a:cubicBezTo>
-                  <a:pt x="6363393" y="2381597"/>
-                  <a:pt x="6187440" y="2189018"/>
-                  <a:pt x="6217920" y="1770611"/>
-                </a:cubicBezTo>
-                <a:cubicBezTo>
-                  <a:pt x="6248400" y="1352204"/>
-                  <a:pt x="6249785" y="676102"/>
-                  <a:pt x="6251171" y="0"/>
-                </a:cubicBezTo>
-              </a:path>
-            </a:pathLst>
-          </a:custGeom>
-        </p:spPr>
-        <p:style>
-          <a:lnRef idx="3">
-            <a:schemeClr val="accent1"/>
-          </a:lnRef>
-          <a:fillRef idx="0">
-            <a:schemeClr val="accent1"/>
-          </a:fillRef>
-          <a:effectRef idx="2">
-            <a:schemeClr val="accent1"/>
-          </a:effectRef>
-          <a:fontRef idx="minor">
-            <a:schemeClr val="tx1"/>
-          </a:fontRef>
-        </p:style>
-        <p:txBody>
-          <a:bodyPr rtlCol="0" anchor="ctr"/>
-          <a:lstStyle/>
-          <a:p>
-            <a:pPr algn="ctr"/>
-            <a:endParaRPr lang="en-US"/>
-          </a:p>
-        </p:txBody>
-      </p:sp>
-      <p:sp>
-        <p:nvSpPr>
-          <p:cNvPr id="66" name="Freeform: Shape 65">
-            <a:extLst>
-              <a:ext uri="{FF2B5EF4-FFF2-40B4-BE49-F238E27FC236}">
-                <a16:creationId xmlns:a16="http://schemas.microsoft.com/office/drawing/2014/main" id="{197C58BB-E251-AB20-1DC4-850A9BCBBE5B}"/>
-              </a:ext>
-            </a:extLst>
-          </p:cNvPr>
-          <p:cNvSpPr/>
-          <p:nvPr/>
-        </p:nvSpPr>
-        <p:spPr>
-          <a:xfrm>
-            <a:off x="2627959" y="2510444"/>
-            <a:ext cx="6115513" cy="2383061"/>
-          </a:xfrm>
-          <a:custGeom>
-            <a:avLst/>
-            <a:gdLst>
-              <a:gd name="connsiteX0" fmla="*/ 23801 w 6115513"/>
-              <a:gd name="connsiteY0" fmla="*/ 108065 h 2383061"/>
-              <a:gd name="connsiteX1" fmla="*/ 81990 w 6115513"/>
-              <a:gd name="connsiteY1" fmla="*/ 1720734 h 2383061"/>
-              <a:gd name="connsiteX2" fmla="*/ 697132 w 6115513"/>
-              <a:gd name="connsiteY2" fmla="*/ 2277687 h 2383061"/>
-              <a:gd name="connsiteX3" fmla="*/ 1752848 w 6115513"/>
-              <a:gd name="connsiteY3" fmla="*/ 2227811 h 2383061"/>
-              <a:gd name="connsiteX4" fmla="*/ 2068732 w 6115513"/>
-              <a:gd name="connsiteY4" fmla="*/ 723207 h 2383061"/>
-              <a:gd name="connsiteX5" fmla="*/ 4263292 w 6115513"/>
-              <a:gd name="connsiteY5" fmla="*/ 590203 h 2383061"/>
-              <a:gd name="connsiteX6" fmla="*/ 5859336 w 6115513"/>
-              <a:gd name="connsiteY6" fmla="*/ 423949 h 2383061"/>
-              <a:gd name="connsiteX7" fmla="*/ 6092092 w 6115513"/>
-              <a:gd name="connsiteY7" fmla="*/ 0 h 2383061"/>
-            </a:gdLst>
-            <a:ahLst/>
-            <a:cxnLst>
-              <a:cxn ang="0">
-                <a:pos x="connsiteX0" y="connsiteY0"/>
-              </a:cxn>
-              <a:cxn ang="0">
-                <a:pos x="connsiteX1" y="connsiteY1"/>
-              </a:cxn>
-              <a:cxn ang="0">
-                <a:pos x="connsiteX2" y="connsiteY2"/>
-              </a:cxn>
-              <a:cxn ang="0">
-                <a:pos x="connsiteX3" y="connsiteY3"/>
-              </a:cxn>
-              <a:cxn ang="0">
-                <a:pos x="connsiteX4" y="connsiteY4"/>
-              </a:cxn>
-              <a:cxn ang="0">
-                <a:pos x="connsiteX5" y="connsiteY5"/>
-              </a:cxn>
-              <a:cxn ang="0">
-                <a:pos x="connsiteX6" y="connsiteY6"/>
-              </a:cxn>
-              <a:cxn ang="0">
-                <a:pos x="connsiteX7" y="connsiteY7"/>
-              </a:cxn>
-            </a:cxnLst>
-            <a:rect l="l" t="t" r="r" b="b"/>
-            <a:pathLst>
-              <a:path w="6115513" h="2383061">
-                <a:moveTo>
-                  <a:pt x="23801" y="108065"/>
-                </a:moveTo>
-                <a:cubicBezTo>
-                  <a:pt x="-3216" y="733597"/>
-                  <a:pt x="-30232" y="1359130"/>
-                  <a:pt x="81990" y="1720734"/>
-                </a:cubicBezTo>
-                <a:cubicBezTo>
-                  <a:pt x="194212" y="2082338"/>
-                  <a:pt x="418656" y="2193174"/>
-                  <a:pt x="697132" y="2277687"/>
-                </a:cubicBezTo>
-                <a:cubicBezTo>
-                  <a:pt x="975608" y="2362200"/>
-                  <a:pt x="1524248" y="2486891"/>
-                  <a:pt x="1752848" y="2227811"/>
-                </a:cubicBezTo>
-                <a:cubicBezTo>
-                  <a:pt x="1981448" y="1968731"/>
-                  <a:pt x="1650325" y="996142"/>
-                  <a:pt x="2068732" y="723207"/>
-                </a:cubicBezTo>
-                <a:cubicBezTo>
-                  <a:pt x="2487139" y="450272"/>
-                  <a:pt x="3631525" y="640079"/>
-                  <a:pt x="4263292" y="590203"/>
-                </a:cubicBezTo>
-                <a:cubicBezTo>
-                  <a:pt x="4895059" y="540327"/>
-                  <a:pt x="5554536" y="522316"/>
-                  <a:pt x="5859336" y="423949"/>
-                </a:cubicBezTo>
-                <a:cubicBezTo>
-                  <a:pt x="6164136" y="325582"/>
-                  <a:pt x="6128114" y="162791"/>
-                  <a:pt x="6092092" y="0"/>
-                </a:cubicBezTo>
-              </a:path>
-            </a:pathLst>
-          </a:custGeom>
-          <a:ln>
-            <a:solidFill>
-              <a:srgbClr val="00B0F0"/>
-            </a:solidFill>
-          </a:ln>
-        </p:spPr>
-        <p:style>
-          <a:lnRef idx="3">
-            <a:schemeClr val="accent5"/>
-          </a:lnRef>
-          <a:fillRef idx="0">
-            <a:schemeClr val="accent5"/>
-          </a:fillRef>
-          <a:effectRef idx="2">
-            <a:schemeClr val="accent5"/>
-          </a:effectRef>
-          <a:fontRef idx="minor">
-            <a:schemeClr val="tx1"/>
-          </a:fontRef>
-        </p:style>
-        <p:txBody>
-          <a:bodyPr rtlCol="0" anchor="ctr"/>
-          <a:lstStyle/>
-          <a:p>
-            <a:pPr algn="ctr"/>
-            <a:endParaRPr lang="en-US"/>
-          </a:p>
-        </p:txBody>
-      </p:sp>
-      <p:sp>
-        <p:nvSpPr>
-          <p:cNvPr id="67" name="TextBox 66">
-            <a:extLst>
-              <a:ext uri="{FF2B5EF4-FFF2-40B4-BE49-F238E27FC236}">
-                <a16:creationId xmlns:a16="http://schemas.microsoft.com/office/drawing/2014/main" id="{ABE634E2-DC3E-1789-3654-E336EC1A6B53}"/>
-              </a:ext>
-            </a:extLst>
-          </p:cNvPr>
-          <p:cNvSpPr txBox="1"/>
-          <p:nvPr/>
-        </p:nvSpPr>
-        <p:spPr>
-          <a:xfrm>
-            <a:off x="2981872" y="5257485"/>
-            <a:ext cx="3653436" cy="923330"/>
-          </a:xfrm>
-          <a:prstGeom prst="rect">
-            <a:avLst/>
-          </a:prstGeom>
-          <a:noFill/>
-          <a:ln>
-            <a:noFill/>
-          </a:ln>
-        </p:spPr>
-        <p:txBody>
-          <a:bodyPr wrap="none" rtlCol="0">
-            <a:spAutoFit/>
-          </a:bodyPr>
-          <a:lstStyle/>
-          <a:p>
-            <a:r>
-              <a:rPr lang="en-US" dirty="0"/>
-              <a:t>Media channel (management layer)</a:t>
-            </a:r>
-          </a:p>
-          <a:p>
-            <a:r>
-              <a:rPr lang="en-US" dirty="0"/>
-              <a:t>   - </a:t>
-            </a:r>
-            <a:r>
-              <a:rPr lang="en-US" dirty="0">
-                <a:solidFill>
-                  <a:srgbClr val="FF0000"/>
-                </a:solidFill>
-              </a:rPr>
-              <a:t>primary MC connection (active)</a:t>
-            </a:r>
-          </a:p>
-          <a:p>
-            <a:r>
-              <a:rPr lang="en-US" dirty="0"/>
-              <a:t>   - </a:t>
-            </a:r>
-            <a:r>
-              <a:rPr lang="en-US" dirty="0">
-                <a:solidFill>
-                  <a:srgbClr val="00B0F0"/>
-                </a:solidFill>
-              </a:rPr>
-              <a:t>secondary MC connection (active)</a:t>
-            </a:r>
-          </a:p>
-        </p:txBody>
-      </p:sp>
-    </p:spTree>
-    <p:extLst>
-      <p:ext uri="{BB962C8B-B14F-4D97-AF65-F5344CB8AC3E}">
-        <p14:creationId xmlns:p14="http://schemas.microsoft.com/office/powerpoint/2010/main" val="2392490903"/>
-      </p:ext>
-    </p:extLst>
-  </p:cSld>
-  <p:clrMapOvr>
-    <a:masterClrMapping/>
-  </p:clrMapOvr>
-</p:sld>
-</file>
-
 <file path=ppt/slides/slide2.xml><?xml version="1.0" encoding="utf-8"?>
 <p:sld xmlns:a="http://schemas.openxmlformats.org/drawingml/2006/main" xmlns:r="http://schemas.openxmlformats.org/officeDocument/2006/relationships" xmlns:p="http://schemas.openxmlformats.org/presentationml/2006/main">
   <p:cSld>
@@ -10457,151 +4469,6 @@
               <a:chExt cx="9014059" cy="4023279"/>
             </a:xfrm>
           </p:grpSpPr>
-          <p:sp>
-            <p:nvSpPr>
-              <p:cNvPr id="55" name="Rectangle 54">
-                <a:extLst>
-                  <a:ext uri="{FF2B5EF4-FFF2-40B4-BE49-F238E27FC236}">
-                    <a16:creationId xmlns:a16="http://schemas.microsoft.com/office/drawing/2014/main" id="{B79B4DF1-94A9-4B9D-FBD9-93C8861FDC02}"/>
-                  </a:ext>
-                </a:extLst>
-              </p:cNvPr>
-              <p:cNvSpPr/>
-              <p:nvPr/>
-            </p:nvSpPr>
-            <p:spPr>
-              <a:xfrm>
-                <a:off x="2958010" y="798897"/>
-                <a:ext cx="4708512" cy="1131399"/>
-              </a:xfrm>
-              <a:prstGeom prst="rect">
-                <a:avLst/>
-              </a:prstGeom>
-              <a:solidFill>
-                <a:schemeClr val="bg1">
-                  <a:lumMod val="85000"/>
-                </a:schemeClr>
-              </a:solidFill>
-            </p:spPr>
-            <p:style>
-              <a:lnRef idx="2">
-                <a:schemeClr val="accent1">
-                  <a:shade val="50000"/>
-                </a:schemeClr>
-              </a:lnRef>
-              <a:fillRef idx="1">
-                <a:schemeClr val="accent1"/>
-              </a:fillRef>
-              <a:effectRef idx="0">
-                <a:schemeClr val="accent1"/>
-              </a:effectRef>
-              <a:fontRef idx="minor">
-                <a:schemeClr val="lt1"/>
-              </a:fontRef>
-            </p:style>
-            <p:txBody>
-              <a:bodyPr rtlCol="0" anchor="ctr"/>
-              <a:lstStyle>
-                <a:defPPr>
-                  <a:defRPr lang="en-US"/>
-                </a:defPPr>
-                <a:lvl1pPr marL="0" algn="l" defTabSz="457200" rtl="0" eaLnBrk="1" latinLnBrk="0" hangingPunct="1">
-                  <a:defRPr sz="1800" kern="1200">
-                    <a:solidFill>
-                      <a:schemeClr val="lt1"/>
-                    </a:solidFill>
-                    <a:latin typeface="+mn-lt"/>
-                    <a:ea typeface="+mn-ea"/>
-                    <a:cs typeface="+mn-cs"/>
-                  </a:defRPr>
-                </a:lvl1pPr>
-                <a:lvl2pPr marL="457200" algn="l" defTabSz="457200" rtl="0" eaLnBrk="1" latinLnBrk="0" hangingPunct="1">
-                  <a:defRPr sz="1800" kern="1200">
-                    <a:solidFill>
-                      <a:schemeClr val="lt1"/>
-                    </a:solidFill>
-                    <a:latin typeface="+mn-lt"/>
-                    <a:ea typeface="+mn-ea"/>
-                    <a:cs typeface="+mn-cs"/>
-                  </a:defRPr>
-                </a:lvl2pPr>
-                <a:lvl3pPr marL="914400" algn="l" defTabSz="457200" rtl="0" eaLnBrk="1" latinLnBrk="0" hangingPunct="1">
-                  <a:defRPr sz="1800" kern="1200">
-                    <a:solidFill>
-                      <a:schemeClr val="lt1"/>
-                    </a:solidFill>
-                    <a:latin typeface="+mn-lt"/>
-                    <a:ea typeface="+mn-ea"/>
-                    <a:cs typeface="+mn-cs"/>
-                  </a:defRPr>
-                </a:lvl3pPr>
-                <a:lvl4pPr marL="1371600" algn="l" defTabSz="457200" rtl="0" eaLnBrk="1" latinLnBrk="0" hangingPunct="1">
-                  <a:defRPr sz="1800" kern="1200">
-                    <a:solidFill>
-                      <a:schemeClr val="lt1"/>
-                    </a:solidFill>
-                    <a:latin typeface="+mn-lt"/>
-                    <a:ea typeface="+mn-ea"/>
-                    <a:cs typeface="+mn-cs"/>
-                  </a:defRPr>
-                </a:lvl4pPr>
-                <a:lvl5pPr marL="1828800" algn="l" defTabSz="457200" rtl="0" eaLnBrk="1" latinLnBrk="0" hangingPunct="1">
-                  <a:defRPr sz="1800" kern="1200">
-                    <a:solidFill>
-                      <a:schemeClr val="lt1"/>
-                    </a:solidFill>
-                    <a:latin typeface="+mn-lt"/>
-                    <a:ea typeface="+mn-ea"/>
-                    <a:cs typeface="+mn-cs"/>
-                  </a:defRPr>
-                </a:lvl5pPr>
-                <a:lvl6pPr marL="2286000" algn="l" defTabSz="457200" rtl="0" eaLnBrk="1" latinLnBrk="0" hangingPunct="1">
-                  <a:defRPr sz="1800" kern="1200">
-                    <a:solidFill>
-                      <a:schemeClr val="lt1"/>
-                    </a:solidFill>
-                    <a:latin typeface="+mn-lt"/>
-                    <a:ea typeface="+mn-ea"/>
-                    <a:cs typeface="+mn-cs"/>
-                  </a:defRPr>
-                </a:lvl6pPr>
-                <a:lvl7pPr marL="2743200" algn="l" defTabSz="457200" rtl="0" eaLnBrk="1" latinLnBrk="0" hangingPunct="1">
-                  <a:defRPr sz="1800" kern="1200">
-                    <a:solidFill>
-                      <a:schemeClr val="lt1"/>
-                    </a:solidFill>
-                    <a:latin typeface="+mn-lt"/>
-                    <a:ea typeface="+mn-ea"/>
-                    <a:cs typeface="+mn-cs"/>
-                  </a:defRPr>
-                </a:lvl7pPr>
-                <a:lvl8pPr marL="3200400" algn="l" defTabSz="457200" rtl="0" eaLnBrk="1" latinLnBrk="0" hangingPunct="1">
-                  <a:defRPr sz="1800" kern="1200">
-                    <a:solidFill>
-                      <a:schemeClr val="lt1"/>
-                    </a:solidFill>
-                    <a:latin typeface="+mn-lt"/>
-                    <a:ea typeface="+mn-ea"/>
-                    <a:cs typeface="+mn-cs"/>
-                  </a:defRPr>
-                </a:lvl8pPr>
-                <a:lvl9pPr marL="3657600" algn="l" defTabSz="457200" rtl="0" eaLnBrk="1" latinLnBrk="0" hangingPunct="1">
-                  <a:defRPr sz="1800" kern="1200">
-                    <a:solidFill>
-                      <a:schemeClr val="lt1"/>
-                    </a:solidFill>
-                    <a:latin typeface="+mn-lt"/>
-                    <a:ea typeface="+mn-ea"/>
-                    <a:cs typeface="+mn-cs"/>
-                  </a:defRPr>
-                </a:lvl9pPr>
-              </a:lstStyle>
-              <a:p>
-                <a:pPr algn="ctr"/>
-                <a:endParaRPr lang="en-US" sz="1100"/>
-              </a:p>
-            </p:txBody>
-          </p:sp>
           <p:sp>
             <p:nvSpPr>
               <p:cNvPr id="56" name="Rectangle 55">
@@ -14420,6 +8287,9 @@
               <a:prstGeom prst="ellipse">
                 <a:avLst/>
               </a:prstGeom>
+              <a:solidFill>
+                <a:srgbClr val="FFC000"/>
+              </a:solidFill>
             </p:spPr>
             <p:style>
               <a:lnRef idx="2">
@@ -14560,6 +8430,9 @@
               <a:prstGeom prst="ellipse">
                 <a:avLst/>
               </a:prstGeom>
+              <a:solidFill>
+                <a:srgbClr val="FF0000"/>
+              </a:solidFill>
             </p:spPr>
             <p:style>
               <a:lnRef idx="2">
@@ -14705,7 +8578,7 @@
               </a:prstGeom>
               <a:ln w="28575">
                 <a:solidFill>
-                  <a:srgbClr val="4472C4"/>
+                  <a:srgbClr val="FFC000"/>
                 </a:solidFill>
               </a:ln>
             </p:spPr>
@@ -14744,6 +8617,9 @@
               <a:prstGeom prst="ellipse">
                 <a:avLst/>
               </a:prstGeom>
+              <a:solidFill>
+                <a:srgbClr val="FFC000"/>
+              </a:solidFill>
             </p:spPr>
             <p:style>
               <a:lnRef idx="2">
@@ -14884,6 +8760,9 @@
               <a:prstGeom prst="ellipse">
                 <a:avLst/>
               </a:prstGeom>
+              <a:solidFill>
+                <a:srgbClr val="FF0000"/>
+              </a:solidFill>
             </p:spPr>
             <p:style>
               <a:lnRef idx="2">
@@ -15029,7 +8908,7 @@
               </a:prstGeom>
               <a:ln w="28575">
                 <a:solidFill>
-                  <a:srgbClr val="4472C4"/>
+                  <a:srgbClr val="FFC000"/>
                 </a:solidFill>
               </a:ln>
             </p:spPr>
@@ -16042,21 +9921,21 @@
             <a:pPr lvl="1"/>
             <a:r>
               <a:rPr lang="en-GB" dirty="0"/>
-              <a:t>Transceiver specification (both tunnel- and path-scope), e.g. transceiver’s operational mode</a:t>
+              <a:t>Transceiver parameters (both tunnel- and path-scope), e.g. transceiver’s operational mode</a:t>
             </a:r>
           </a:p>
           <a:p>
             <a:pPr lvl="1"/>
             <a:r>
               <a:rPr lang="en-GB" dirty="0"/>
-              <a:t>Optical impairment / performance, e.g. G-SNR margin</a:t>
+              <a:t>Optical impairment / performance constraints, e.g. G-SNR margin</a:t>
             </a:r>
           </a:p>
           <a:p>
             <a:pPr lvl="1"/>
             <a:r>
               <a:rPr lang="en-GB" dirty="0"/>
-              <a:t>WDM path constraints, e.g. wavelength conversion, regeneration, transceiver retuning</a:t>
+              <a:t>WDM path constraints, e.g. wavelength conversion support, regeneration, transceiver retuning</a:t>
             </a:r>
           </a:p>
         </p:txBody>
@@ -16114,7 +9993,7 @@
           <a:p>
             <a:r>
               <a:rPr lang="en-GB" dirty="0"/>
-              <a:t>Transceiver Specifications</a:t>
+              <a:t>Transceiver Parameters</a:t>
             </a:r>
           </a:p>
         </p:txBody>
@@ -18458,6 +12337,12 @@
               <a:t>Same constraints definition reused for optical path computation</a:t>
             </a:r>
           </a:p>
+          <a:p>
+            <a:r>
+              <a:rPr lang="en-GB" sz="2000" dirty="0"/>
+              <a:t>Align with optical impairment draft regarding the type of delta-power</a:t>
+            </a:r>
+          </a:p>
         </p:txBody>
       </p:sp>
       <p:sp>
@@ -18768,6 +12653,9 @@
           <a:p>
             <a:r>
               <a:rPr lang="en-US" sz="1600" dirty="0">
+                <a:highlight>
+                  <a:srgbClr val="FFFF00"/>
+                </a:highlight>
                 <a:latin typeface="Courier New" panose="02070309020205020404" pitchFamily="49" charset="0"/>
                 <a:cs typeface="Courier New" panose="02070309020205020404" pitchFamily="49" charset="0"/>
               </a:rPr>
@@ -18775,6 +12663,9 @@
             </a:r>
             <a:r>
               <a:rPr lang="en-US" sz="1600" dirty="0" err="1">
+                <a:highlight>
+                  <a:srgbClr val="FFFF00"/>
+                </a:highlight>
                 <a:latin typeface="Courier New" panose="02070309020205020404" pitchFamily="49" charset="0"/>
                 <a:cs typeface="Courier New" panose="02070309020205020404" pitchFamily="49" charset="0"/>
               </a:rPr>
@@ -18782,6 +12673,9 @@
             </a:r>
             <a:r>
               <a:rPr lang="en-US" sz="1600" dirty="0">
+                <a:highlight>
+                  <a:srgbClr val="FFFF00"/>
+                </a:highlight>
                 <a:latin typeface="Courier New" panose="02070309020205020404" pitchFamily="49" charset="0"/>
                 <a:cs typeface="Courier New" panose="02070309020205020404" pitchFamily="49" charset="0"/>
               </a:rPr>
@@ -18791,6 +12685,9 @@
               <a:solidFill>
                 <a:srgbClr val="FF0000"/>
               </a:solidFill>
+              <a:highlight>
+                <a:srgbClr val="FFFF00"/>
+              </a:highlight>
               <a:latin typeface="Courier New" panose="02070309020205020404" pitchFamily="49" charset="0"/>
               <a:cs typeface="Courier New" panose="02070309020205020404" pitchFamily="49" charset="0"/>
             </a:endParaRPr>
@@ -18878,7 +12775,9 @@
           </a:xfrm>
         </p:spPr>
         <p:txBody>
-          <a:bodyPr/>
+          <a:bodyPr>
+            <a:normAutofit/>
+          </a:bodyPr>
           <a:lstStyle/>
           <a:p>
             <a:r>
@@ -18889,7 +12788,7 @@
           <a:p>
             <a:r>
               <a:rPr lang="en-US" sz="2400" dirty="0"/>
-              <a:t>Align the model between this draft and draft-</a:t>
+              <a:t>Align this model with the model defined in draft-</a:t>
             </a:r>
             <a:r>
               <a:rPr lang="en-US" sz="2400" dirty="0" err="1"/>
@@ -18903,14 +12802,51 @@
           <a:p>
             <a:r>
               <a:rPr lang="en-US" sz="2400" dirty="0"/>
+              <a:t>Align this model with the model defined in draft-</a:t>
+            </a:r>
+            <a:r>
+              <a:rPr lang="en-US" sz="2400" dirty="0" err="1"/>
+              <a:t>ietf</a:t>
+            </a:r>
+            <a:r>
+              <a:rPr lang="en-US" sz="2400" dirty="0"/>
+              <a:t>-</a:t>
+            </a:r>
+            <a:r>
+              <a:rPr lang="en-US" sz="2400" dirty="0" err="1"/>
+              <a:t>ccamp</a:t>
+            </a:r>
+            <a:r>
+              <a:rPr lang="en-US" sz="2400" dirty="0"/>
+              <a:t>-optical-impairment, especially on the association between WDM tunnel </a:t>
+            </a:r>
+            <a:r>
+              <a:rPr lang="en-US" sz="2400" dirty="0" err="1"/>
+              <a:t>lsps</a:t>
+            </a:r>
+            <a:r>
+              <a:rPr lang="en-US" sz="2400" dirty="0"/>
+              <a:t> and </a:t>
+            </a:r>
+            <a:r>
+              <a:rPr lang="en-US" sz="2400" dirty="0" err="1"/>
+              <a:t>OTSi</a:t>
+            </a:r>
+            <a:r>
+              <a:rPr lang="en-US" sz="2400" dirty="0"/>
+              <a:t>/e2e-mc-path-id</a:t>
+            </a:r>
+          </a:p>
+          <a:p>
+            <a:r>
+              <a:rPr lang="en-US" sz="2400" dirty="0"/>
               <a:t>Address remaining open issues for WSON and flexi-grid tunnel</a:t>
             </a:r>
-          </a:p>
-          <a:p>
-            <a:r>
-              <a:rPr lang="en-US" sz="2400" dirty="0"/>
-              <a:t>Support the association of a WDM tunnel with management objects, e.g. media channels, OTS/OMS path</a:t>
-            </a:r>
+            <a:endParaRPr lang="en-US" sz="2400" dirty="0">
+              <a:highlight>
+                <a:srgbClr val="FFFF00"/>
+              </a:highlight>
+            </a:endParaRPr>
           </a:p>
           <a:p>
             <a:pPr marL="0" indent="0">
@@ -19005,69 +12941,6 @@
     <p:extLst>
       <p:ext uri="{BB962C8B-B14F-4D97-AF65-F5344CB8AC3E}">
         <p14:creationId xmlns:p14="http://schemas.microsoft.com/office/powerpoint/2010/main" val="2910017550"/>
-      </p:ext>
-    </p:extLst>
-  </p:cSld>
-  <p:clrMapOvr>
-    <a:masterClrMapping/>
-  </p:clrMapOvr>
-</p:sld>
-</file>
-
-<file path=ppt/slides/slide9.xml><?xml version="1.0" encoding="utf-8"?>
-<p:sld xmlns:a="http://schemas.openxmlformats.org/drawingml/2006/main" xmlns:r="http://schemas.openxmlformats.org/officeDocument/2006/relationships" xmlns:p="http://schemas.openxmlformats.org/presentationml/2006/main">
-  <p:cSld>
-    <p:spTree>
-      <p:nvGrpSpPr>
-        <p:cNvPr id="1" name=""/>
-        <p:cNvGrpSpPr/>
-        <p:nvPr/>
-      </p:nvGrpSpPr>
-      <p:grpSpPr>
-        <a:xfrm>
-          <a:off x="0" y="0"/>
-          <a:ext cx="0" cy="0"/>
-          <a:chOff x="0" y="0"/>
-          <a:chExt cx="0" cy="0"/>
-        </a:xfrm>
-      </p:grpSpPr>
-      <p:sp>
-        <p:nvSpPr>
-          <p:cNvPr id="2" name="Title 1">
-            <a:extLst>
-              <a:ext uri="{FF2B5EF4-FFF2-40B4-BE49-F238E27FC236}">
-                <a16:creationId xmlns:a16="http://schemas.microsoft.com/office/drawing/2014/main" id="{520E605B-7E6A-EBE3-CDF4-FA194CEBE887}"/>
-              </a:ext>
-            </a:extLst>
-          </p:cNvPr>
-          <p:cNvSpPr>
-            <a:spLocks noGrp="1"/>
-          </p:cNvSpPr>
-          <p:nvPr>
-            <p:ph type="title"/>
-          </p:nvPr>
-        </p:nvSpPr>
-        <p:spPr>
-          <a:xfrm>
-            <a:off x="4105102" y="2825692"/>
-            <a:ext cx="3841865" cy="939973"/>
-          </a:xfrm>
-        </p:spPr>
-        <p:txBody>
-          <a:bodyPr/>
-          <a:lstStyle/>
-          <a:p>
-            <a:r>
-              <a:rPr lang="en-GB" dirty="0"/>
-              <a:t>Backup Slides</a:t>
-            </a:r>
-          </a:p>
-        </p:txBody>
-      </p:sp>
-    </p:spTree>
-    <p:extLst>
-      <p:ext uri="{BB962C8B-B14F-4D97-AF65-F5344CB8AC3E}">
-        <p14:creationId xmlns:p14="http://schemas.microsoft.com/office/powerpoint/2010/main" val="4212129627"/>
       </p:ext>
     </p:extLst>
   </p:cSld>
@@ -19370,4 +13243,10 @@
     </a:ext>
   </a:extLst>
 </a:theme>
+</file>
+
+<file path=docMetadata/LabelInfo.xml><?xml version="1.0" encoding="utf-8"?>
+<clbl:labelList xmlns:clbl="http://schemas.microsoft.com/office/2020/mipLabelMetadata">
+  <clbl:label id="{5d471751-9675-428d-917b-70f44f9630b0}" enabled="0" method="" siteId="{5d471751-9675-428d-917b-70f44f9630b0}" removed="1"/>
+</clbl:labelList>
 </file>